--- a/slides/11.26.12 Quals (v2a).pptx
+++ b/slides/11.26.12 Quals (v2a).pptx
@@ -40,31 +40,31 @@
     <p:sldId id="308" r:id="rId28"/>
     <p:sldId id="287" r:id="rId29"/>
     <p:sldId id="288" r:id="rId30"/>
-    <p:sldId id="290" r:id="rId31"/>
-    <p:sldId id="300" r:id="rId32"/>
-    <p:sldId id="298" r:id="rId33"/>
-    <p:sldId id="299" r:id="rId34"/>
-    <p:sldId id="320" r:id="rId35"/>
-    <p:sldId id="291" r:id="rId36"/>
-    <p:sldId id="297" r:id="rId37"/>
-    <p:sldId id="312" r:id="rId38"/>
-    <p:sldId id="315" r:id="rId39"/>
-    <p:sldId id="322" r:id="rId40"/>
-    <p:sldId id="295" r:id="rId41"/>
-    <p:sldId id="293" r:id="rId42"/>
-    <p:sldId id="323" r:id="rId43"/>
-    <p:sldId id="314" r:id="rId44"/>
-    <p:sldId id="302" r:id="rId45"/>
-    <p:sldId id="303" r:id="rId46"/>
-    <p:sldId id="316" r:id="rId47"/>
-    <p:sldId id="310" r:id="rId48"/>
-    <p:sldId id="324" r:id="rId49"/>
-    <p:sldId id="325" r:id="rId50"/>
-    <p:sldId id="326" r:id="rId51"/>
-    <p:sldId id="327" r:id="rId52"/>
-    <p:sldId id="328" r:id="rId53"/>
-    <p:sldId id="329" r:id="rId54"/>
-    <p:sldId id="337" r:id="rId55"/>
+    <p:sldId id="320" r:id="rId31"/>
+    <p:sldId id="291" r:id="rId32"/>
+    <p:sldId id="297" r:id="rId33"/>
+    <p:sldId id="312" r:id="rId34"/>
+    <p:sldId id="315" r:id="rId35"/>
+    <p:sldId id="322" r:id="rId36"/>
+    <p:sldId id="295" r:id="rId37"/>
+    <p:sldId id="293" r:id="rId38"/>
+    <p:sldId id="323" r:id="rId39"/>
+    <p:sldId id="314" r:id="rId40"/>
+    <p:sldId id="302" r:id="rId41"/>
+    <p:sldId id="303" r:id="rId42"/>
+    <p:sldId id="316" r:id="rId43"/>
+    <p:sldId id="310" r:id="rId44"/>
+    <p:sldId id="324" r:id="rId45"/>
+    <p:sldId id="325" r:id="rId46"/>
+    <p:sldId id="326" r:id="rId47"/>
+    <p:sldId id="327" r:id="rId48"/>
+    <p:sldId id="328" r:id="rId49"/>
+    <p:sldId id="329" r:id="rId50"/>
+    <p:sldId id="337" r:id="rId51"/>
+    <p:sldId id="339" r:id="rId52"/>
+    <p:sldId id="340" r:id="rId53"/>
+    <p:sldId id="341" r:id="rId54"/>
+    <p:sldId id="342" r:id="rId55"/>
     <p:sldId id="321" r:id="rId56"/>
   </p:sldIdLst>
   <p:sldSz cx="9144000" cy="6858000" type="screen4x3"/>
@@ -4795,7 +4795,67 @@
           <a:p>
             <a:r>
               <a:rPr lang="en-US" dirty="0" smtClean="0"/>
-              <a:t>TODO:  flesh these out</a:t>
+              <a:t>Basically</a:t>
+            </a:r>
+            <a:r>
+              <a:rPr lang="en-US" baseline="0" dirty="0" smtClean="0"/>
+              <a:t> say that right now, we’re slower than the regular SNAP, but the error rate is much better.  We do have a reduction in % aligned, because we end up considering more locations so we can identify that sometimes a read is ambiguous.  So, how to fix?  We’re working on making it faster.</a:t>
+            </a:r>
+          </a:p>
+          <a:p>
+            <a:endParaRPr lang="en-US" baseline="0" dirty="0" smtClean="0"/>
+          </a:p>
+          <a:p>
+            <a:r>
+              <a:rPr lang="en-US" baseline="0" dirty="0" smtClean="0"/>
+              <a:t>TS:  best-matcher, all-matcher, multi-matcher too confusing</a:t>
+            </a:r>
+          </a:p>
+          <a:p>
+            <a:endParaRPr lang="en-US" baseline="0" dirty="0" smtClean="0"/>
+          </a:p>
+          <a:p>
+            <a:r>
+              <a:rPr lang="en-US" baseline="0" dirty="0" smtClean="0"/>
+              <a:t>BT:  look at one graph at a time</a:t>
+            </a:r>
+          </a:p>
+          <a:p>
+            <a:r>
+              <a:rPr lang="en-US" baseline="0" dirty="0" smtClean="0"/>
+              <a:t>Look at one dataset at a time</a:t>
+            </a:r>
+          </a:p>
+          <a:p>
+            <a:r>
+              <a:rPr lang="en-US" baseline="0" dirty="0" smtClean="0"/>
+              <a:t>JT:  Add “better” arrows</a:t>
+            </a:r>
+          </a:p>
+          <a:p>
+            <a:endParaRPr lang="en-US" baseline="0" dirty="0" smtClean="0"/>
+          </a:p>
+          <a:p>
+            <a:r>
+              <a:rPr lang="en-US" baseline="0" dirty="0" smtClean="0"/>
+              <a:t>JT:  confusing that good is down on left, but good is up on right</a:t>
+            </a:r>
+          </a:p>
+          <a:p>
+            <a:endParaRPr lang="en-US" baseline="0" dirty="0" smtClean="0"/>
+          </a:p>
+          <a:p>
+            <a:r>
+              <a:rPr lang="en-US" baseline="0" dirty="0" smtClean="0"/>
+              <a:t>RX:  didn’t see BWA, </a:t>
+            </a:r>
+            <a:r>
+              <a:rPr lang="en-US" baseline="0" dirty="0" err="1" smtClean="0"/>
+              <a:t>Novoalign</a:t>
+            </a:r>
+            <a:r>
+              <a:rPr lang="en-US" baseline="0" dirty="0" smtClean="0"/>
+              <a:t> points</a:t>
             </a:r>
             <a:endParaRPr lang="en-US" dirty="0"/>
           </a:p>
@@ -4879,11 +4939,7 @@
           </a:bodyPr>
           <a:lstStyle/>
           <a:p>
-            <a:r>
-              <a:rPr lang="en-US" dirty="0" smtClean="0"/>
-              <a:t>TODO:  could add a picture here</a:t>
-            </a:r>
-            <a:endParaRPr lang="en-US" dirty="0"/>
+            <a:endParaRPr lang="en-US" dirty="0" smtClean="0"/>
           </a:p>
         </p:txBody>
       </p:sp>
@@ -4967,15 +5023,58 @@
           <a:p>
             <a:r>
               <a:rPr lang="en-US" dirty="0" smtClean="0"/>
-              <a:t>MZ:</a:t>
+              <a:t>TODO:  talk about insights from</a:t>
             </a:r>
             <a:r>
               <a:rPr lang="en-US" baseline="0" dirty="0" smtClean="0"/>
-              <a:t>  </a:t>
-            </a:r>
-            <a:r>
-              <a:rPr lang="en-US" dirty="0" smtClean="0"/>
-              <a:t>Picture here</a:t>
+              <a:t> profiling &amp; plans to improve speed</a:t>
+            </a:r>
+          </a:p>
+          <a:p>
+            <a:r>
+              <a:rPr lang="en-US" baseline="0" dirty="0" smtClean="0"/>
+              <a:t>Add more here!</a:t>
+            </a:r>
+          </a:p>
+          <a:p>
+            <a:r>
+              <a:rPr lang="en-US" baseline="0" dirty="0" smtClean="0"/>
+              <a:t>Might have to distinguish this from the current index – difference is that the current index gives you a position for the cluster id, but it doesn’t tell you whether that pos is in a cluster</a:t>
+            </a:r>
+          </a:p>
+          <a:p>
+            <a:r>
+              <a:rPr lang="en-US" baseline="0" dirty="0" smtClean="0"/>
+              <a:t>Can you modify </a:t>
+            </a:r>
+            <a:r>
+              <a:rPr lang="en-US" baseline="0" dirty="0" err="1" smtClean="0"/>
+              <a:t>getClusterInfo</a:t>
+            </a:r>
+            <a:r>
+              <a:rPr lang="en-US" baseline="0" dirty="0" smtClean="0"/>
+              <a:t> to only have cluster IDs rather than pos?  Like, rather than “is this in a cluster”, it would be “is this a cluster id” – might fit in cache</a:t>
+            </a:r>
+          </a:p>
+          <a:p>
+            <a:endParaRPr lang="en-US" baseline="0" dirty="0" smtClean="0"/>
+          </a:p>
+          <a:p>
+            <a:r>
+              <a:rPr lang="en-US" baseline="0" dirty="0" smtClean="0"/>
+              <a:t>MZ:  could show profiling results</a:t>
+            </a:r>
+          </a:p>
+          <a:p>
+            <a:r>
+              <a:rPr lang="en-US" baseline="0" dirty="0" smtClean="0"/>
+              <a:t>BT:  don’t say “we” on slide</a:t>
+            </a:r>
+          </a:p>
+          <a:p>
+            <a:r>
+              <a:rPr lang="en-US" baseline="0" dirty="0" smtClean="0"/>
+              <a:t>JT:  just trim beginning of sentence</a:t>
             </a:r>
             <a:endParaRPr lang="en-US" dirty="0"/>
           </a:p>
@@ -5061,7 +5160,52 @@
           <a:p>
             <a:r>
               <a:rPr lang="en-US" dirty="0" smtClean="0"/>
-              <a:t>TODO:  draw picture based on Hamming distance version</a:t>
+              <a:t>MZ:  shorten filtering part</a:t>
+            </a:r>
+          </a:p>
+          <a:p>
+            <a:pPr marL="228600" indent="-228600">
+              <a:buAutoNum type="arabicParenBoth"/>
+            </a:pPr>
+            <a:r>
+              <a:rPr lang="en-US" dirty="0" smtClean="0"/>
+              <a:t>Genomes in db may have a lot of similarity =&gt; much</a:t>
+            </a:r>
+            <a:r>
+              <a:rPr lang="en-US" baseline="0" dirty="0" smtClean="0"/>
+              <a:t> higher fraction in clusters</a:t>
+            </a:r>
+            <a:endParaRPr lang="en-US" dirty="0" smtClean="0"/>
+          </a:p>
+          <a:p>
+            <a:pPr marL="228600" indent="-228600">
+              <a:buAutoNum type="arabicParenBoth"/>
+            </a:pPr>
+            <a:r>
+              <a:rPr lang="en-US" dirty="0" smtClean="0"/>
+              <a:t>You just need any match (not best match) =&gt; Just comparing against consensus lets you</a:t>
+            </a:r>
+            <a:r>
+              <a:rPr lang="en-US" baseline="0" dirty="0" smtClean="0"/>
+              <a:t> know if it’s close enough</a:t>
+            </a:r>
+          </a:p>
+          <a:p>
+            <a:pPr marL="228600" indent="-228600">
+              <a:buNone/>
+            </a:pPr>
+            <a:r>
+              <a:rPr lang="en-US" baseline="0" dirty="0" smtClean="0"/>
+              <a:t>Less detail (just give one application)</a:t>
+            </a:r>
+          </a:p>
+          <a:p>
+            <a:pPr marL="228600" indent="-228600">
+              <a:buNone/>
+            </a:pPr>
+            <a:r>
+              <a:rPr lang="en-US" baseline="0" dirty="0" smtClean="0"/>
+              <a:t>For removing contamination:  looking against db of many similar bacterial sequences</a:t>
             </a:r>
             <a:endParaRPr lang="en-US" dirty="0"/>
           </a:p>
@@ -5085,7 +5229,7 @@
             <a:fld id="{56D28874-1678-3448-827B-018601F8A9DB}" type="slidenum">
               <a:rPr lang="en-US" smtClean="0"/>
               <a:pPr/>
-              <a:t>32</a:t>
+              <a:t>33</a:t>
             </a:fld>
             <a:endParaRPr lang="en-US"/>
           </a:p>
@@ -5147,69 +5291,11 @@
           <a:p>
             <a:r>
               <a:rPr lang="en-US" dirty="0" smtClean="0"/>
-              <a:t>Basically</a:t>
-            </a:r>
-            <a:r>
-              <a:rPr lang="en-US" baseline="0" dirty="0" smtClean="0"/>
-              <a:t> say that right now, we’re slower than the regular SNAP, but the error rate is much better.  We do have a reduction in % aligned, because we end up considering more locations so we can identify that sometimes a read is ambiguous.  So, how to fix?  We’re working on making it faster.</a:t>
+              <a:t>BT:  downplaying interesting thing that I’ll be doing</a:t>
             </a:r>
           </a:p>
           <a:p>
             <a:endParaRPr lang="en-US" baseline="0" dirty="0" smtClean="0"/>
-          </a:p>
-          <a:p>
-            <a:r>
-              <a:rPr lang="en-US" baseline="0" dirty="0" smtClean="0"/>
-              <a:t>TS:  best-matcher, all-matcher, multi-matcher too confusing</a:t>
-            </a:r>
-          </a:p>
-          <a:p>
-            <a:endParaRPr lang="en-US" baseline="0" dirty="0" smtClean="0"/>
-          </a:p>
-          <a:p>
-            <a:r>
-              <a:rPr lang="en-US" baseline="0" dirty="0" smtClean="0"/>
-              <a:t>BT:  look at one graph at a time</a:t>
-            </a:r>
-          </a:p>
-          <a:p>
-            <a:r>
-              <a:rPr lang="en-US" baseline="0" dirty="0" smtClean="0"/>
-              <a:t>Look at one dataset at a time</a:t>
-            </a:r>
-          </a:p>
-          <a:p>
-            <a:r>
-              <a:rPr lang="en-US" baseline="0" dirty="0" smtClean="0"/>
-              <a:t>JT:  Add “better” arrows</a:t>
-            </a:r>
-          </a:p>
-          <a:p>
-            <a:endParaRPr lang="en-US" baseline="0" dirty="0" smtClean="0"/>
-          </a:p>
-          <a:p>
-            <a:r>
-              <a:rPr lang="en-US" baseline="0" dirty="0" smtClean="0"/>
-              <a:t>JT:  confusing that good is down on left, but good is up on right</a:t>
-            </a:r>
-          </a:p>
-          <a:p>
-            <a:endParaRPr lang="en-US" baseline="0" dirty="0" smtClean="0"/>
-          </a:p>
-          <a:p>
-            <a:r>
-              <a:rPr lang="en-US" baseline="0" dirty="0" smtClean="0"/>
-              <a:t>RX:  didn’t see BWA, </a:t>
-            </a:r>
-            <a:r>
-              <a:rPr lang="en-US" baseline="0" dirty="0" err="1" smtClean="0"/>
-              <a:t>Novoalign</a:t>
-            </a:r>
-            <a:r>
-              <a:rPr lang="en-US" baseline="0" dirty="0" smtClean="0"/>
-              <a:t> points</a:t>
-            </a:r>
-            <a:endParaRPr lang="en-US" dirty="0"/>
           </a:p>
         </p:txBody>
       </p:sp>
@@ -5231,7 +5317,7 @@
             <a:fld id="{56D28874-1678-3448-827B-018601F8A9DB}" type="slidenum">
               <a:rPr lang="en-US" smtClean="0"/>
               <a:pPr/>
-              <a:t>33</a:t>
+              <a:t>35</a:t>
             </a:fld>
             <a:endParaRPr lang="en-US"/>
           </a:p>
@@ -5399,7 +5485,19 @@
           </a:bodyPr>
           <a:lstStyle/>
           <a:p>
-            <a:endParaRPr lang="en-US" dirty="0" smtClean="0"/>
+            <a:r>
+              <a:rPr lang="en-US" dirty="0" smtClean="0"/>
+              <a:t>TODO:  get #</a:t>
+            </a:r>
+            <a:r>
+              <a:rPr lang="en-US" dirty="0" err="1" smtClean="0"/>
+              <a:t>s</a:t>
+            </a:r>
+            <a:r>
+              <a:rPr lang="en-US" dirty="0" smtClean="0"/>
+              <a:t> for experiment</a:t>
+            </a:r>
+            <a:endParaRPr lang="en-US" dirty="0"/>
           </a:p>
         </p:txBody>
       </p:sp>
@@ -5421,7 +5519,7 @@
             <a:fld id="{56D28874-1678-3448-827B-018601F8A9DB}" type="slidenum">
               <a:rPr lang="en-US" smtClean="0"/>
               <a:pPr/>
-              <a:t>34</a:t>
+              <a:t>36</a:t>
             </a:fld>
             <a:endParaRPr lang="en-US"/>
           </a:p>
@@ -5483,58 +5581,33 @@
           <a:p>
             <a:r>
               <a:rPr lang="en-US" dirty="0" smtClean="0"/>
-              <a:t>TODO:  talk about insights from</a:t>
+              <a:t>SS:  targeted assembly</a:t>
             </a:r>
             <a:r>
               <a:rPr lang="en-US" baseline="0" dirty="0" smtClean="0"/>
-              <a:t> profiling &amp; plans to improve speed</a:t>
-            </a:r>
-          </a:p>
-          <a:p>
+              <a:t> is for </a:t>
+            </a:r>
+            <a:r>
+              <a:rPr lang="en-US" baseline="0" dirty="0" err="1" smtClean="0"/>
+              <a:t>SVs</a:t>
+            </a:r>
             <a:r>
               <a:rPr lang="en-US" baseline="0" dirty="0" smtClean="0"/>
-              <a:t>Add more here!</a:t>
-            </a:r>
+              <a:t>, not </a:t>
+            </a:r>
+            <a:r>
+              <a:rPr lang="en-US" baseline="0" dirty="0" err="1" smtClean="0"/>
+              <a:t>SNPs</a:t>
+            </a:r>
+            <a:endParaRPr lang="en-US" baseline="0" dirty="0" smtClean="0"/>
+          </a:p>
+          <a:p>
+            <a:endParaRPr lang="en-US" baseline="0" dirty="0" smtClean="0"/>
           </a:p>
           <a:p>
             <a:r>
               <a:rPr lang="en-US" baseline="0" dirty="0" smtClean="0"/>
-              <a:t>Might have to distinguish this from the current index – difference is that the current index gives you a position for the cluster id, but it doesn’t tell you whether that pos is in a cluster</a:t>
-            </a:r>
-          </a:p>
-          <a:p>
-            <a:r>
-              <a:rPr lang="en-US" baseline="0" dirty="0" smtClean="0"/>
-              <a:t>Can you modify </a:t>
-            </a:r>
-            <a:r>
-              <a:rPr lang="en-US" baseline="0" dirty="0" err="1" smtClean="0"/>
-              <a:t>getClusterInfo</a:t>
-            </a:r>
-            <a:r>
-              <a:rPr lang="en-US" baseline="0" dirty="0" smtClean="0"/>
-              <a:t> to only have cluster IDs rather than pos?  Like, rather than “is this in a cluster”, it would be “is this a cluster id” – might fit in cache</a:t>
-            </a:r>
-          </a:p>
-          <a:p>
-            <a:endParaRPr lang="en-US" baseline="0" dirty="0" smtClean="0"/>
-          </a:p>
-          <a:p>
-            <a:r>
-              <a:rPr lang="en-US" baseline="0" dirty="0" smtClean="0"/>
-              <a:t>MZ:  could show profiling results</a:t>
-            </a:r>
-          </a:p>
-          <a:p>
-            <a:r>
-              <a:rPr lang="en-US" baseline="0" dirty="0" smtClean="0"/>
-              <a:t>BT:  don’t say “we” on slide</a:t>
-            </a:r>
-          </a:p>
-          <a:p>
-            <a:r>
-              <a:rPr lang="en-US" baseline="0" dirty="0" smtClean="0"/>
-              <a:t>JT:  just trim beginning of sentence</a:t>
+              <a:t>MZ:  more concrete info on Biggie prototype</a:t>
             </a:r>
             <a:endParaRPr lang="en-US" dirty="0"/>
           </a:p>
@@ -5558,7 +5631,7 @@
             <a:fld id="{56D28874-1678-3448-827B-018601F8A9DB}" type="slidenum">
               <a:rPr lang="en-US" smtClean="0"/>
               <a:pPr/>
-              <a:t>35</a:t>
+              <a:t>37</a:t>
             </a:fld>
             <a:endParaRPr lang="en-US"/>
           </a:p>
@@ -5620,52 +5693,7 @@
           <a:p>
             <a:r>
               <a:rPr lang="en-US" dirty="0" smtClean="0"/>
-              <a:t>MZ:  shorten filtering part</a:t>
-            </a:r>
-          </a:p>
-          <a:p>
-            <a:pPr marL="228600" indent="-228600">
-              <a:buAutoNum type="arabicParenBoth"/>
-            </a:pPr>
-            <a:r>
-              <a:rPr lang="en-US" dirty="0" smtClean="0"/>
-              <a:t>Genomes in db may have a lot of similarity =&gt; much</a:t>
-            </a:r>
-            <a:r>
-              <a:rPr lang="en-US" baseline="0" dirty="0" smtClean="0"/>
-              <a:t> higher fraction in clusters</a:t>
-            </a:r>
-            <a:endParaRPr lang="en-US" dirty="0" smtClean="0"/>
-          </a:p>
-          <a:p>
-            <a:pPr marL="228600" indent="-228600">
-              <a:buAutoNum type="arabicParenBoth"/>
-            </a:pPr>
-            <a:r>
-              <a:rPr lang="en-US" dirty="0" smtClean="0"/>
-              <a:t>You just need any match (not best match) =&gt; Just comparing against consensus lets you</a:t>
-            </a:r>
-            <a:r>
-              <a:rPr lang="en-US" baseline="0" dirty="0" smtClean="0"/>
-              <a:t> know if it’s close enough</a:t>
-            </a:r>
-          </a:p>
-          <a:p>
-            <a:pPr marL="228600" indent="-228600">
-              <a:buNone/>
-            </a:pPr>
-            <a:r>
-              <a:rPr lang="en-US" baseline="0" dirty="0" smtClean="0"/>
-              <a:t>Less detail (just give one application)</a:t>
-            </a:r>
-          </a:p>
-          <a:p>
-            <a:pPr marL="228600" indent="-228600">
-              <a:buNone/>
-            </a:pPr>
-            <a:r>
-              <a:rPr lang="en-US" baseline="0" dirty="0" smtClean="0"/>
-              <a:t>For removing contamination:  looking against db of many similar bacterial sequences</a:t>
+              <a:t>Dates for submission to journal (month granularity); also specific journal</a:t>
             </a:r>
             <a:endParaRPr lang="en-US" dirty="0"/>
           </a:p>
@@ -5689,7 +5717,7 @@
             <a:fld id="{56D28874-1678-3448-827B-018601F8A9DB}" type="slidenum">
               <a:rPr lang="en-US" smtClean="0"/>
               <a:pPr/>
-              <a:t>37</a:t>
+              <a:t>38</a:t>
             </a:fld>
             <a:endParaRPr lang="en-US"/>
           </a:p>
@@ -5751,11 +5779,21 @@
           <a:p>
             <a:r>
               <a:rPr lang="en-US" dirty="0" smtClean="0"/>
-              <a:t>BT:  downplaying interesting thing that I’ll be doing</a:t>
-            </a:r>
-          </a:p>
-          <a:p>
-            <a:endParaRPr lang="en-US" baseline="0" dirty="0" smtClean="0"/>
+              <a:t>TODO:  add Blast,</a:t>
+            </a:r>
+            <a:r>
+              <a:rPr lang="en-US" baseline="0" dirty="0" smtClean="0"/>
+              <a:t> </a:t>
+            </a:r>
+            <a:r>
+              <a:rPr lang="en-US" baseline="0" dirty="0" err="1" smtClean="0"/>
+              <a:t>Ukkonen</a:t>
+            </a:r>
+            <a:r>
+              <a:rPr lang="en-US" baseline="0" dirty="0" smtClean="0"/>
+              <a:t>, Smith-Waterman</a:t>
+            </a:r>
+            <a:endParaRPr lang="en-US" dirty="0"/>
           </a:p>
         </p:txBody>
       </p:sp>
@@ -5777,7 +5815,7 @@
             <a:fld id="{56D28874-1678-3448-827B-018601F8A9DB}" type="slidenum">
               <a:rPr lang="en-US" smtClean="0"/>
               <a:pPr/>
-              <a:t>39</a:t>
+              <a:t>40</a:t>
             </a:fld>
             <a:endParaRPr lang="en-US"/>
           </a:p>
@@ -5839,15 +5877,76 @@
           <a:p>
             <a:r>
               <a:rPr lang="en-US" dirty="0" smtClean="0"/>
-              <a:t>TODO:  get #</a:t>
-            </a:r>
-            <a:r>
-              <a:rPr lang="en-US" dirty="0" err="1" smtClean="0"/>
-              <a:t>s</a:t>
-            </a:r>
+              <a:t>Segue:  let’s talk more about what’s involved in the data processing</a:t>
+            </a:r>
+          </a:p>
+          <a:p>
             <a:r>
               <a:rPr lang="en-US" dirty="0" smtClean="0"/>
-              <a:t> for experiment</a:t>
+              <a:t>You have a bunch of reads, want to put them together (puzzle analogy)</a:t>
+            </a:r>
+          </a:p>
+          <a:p>
+            <a:r>
+              <a:rPr lang="en-US" dirty="0" smtClean="0"/>
+              <a:t>You</a:t>
+            </a:r>
+            <a:r>
+              <a:rPr lang="en-US" baseline="0" dirty="0" smtClean="0"/>
+              <a:t> use a reference genome (like the picture on the puzzle box)</a:t>
+            </a:r>
+            <a:endParaRPr lang="en-US" dirty="0" smtClean="0"/>
+          </a:p>
+          <a:p>
+            <a:r>
+              <a:rPr lang="en-US" dirty="0" smtClean="0"/>
+              <a:t>Variants appear in reads</a:t>
+            </a:r>
+          </a:p>
+          <a:p>
+            <a:r>
+              <a:rPr lang="en-US" dirty="0" smtClean="0"/>
+              <a:t>Align reads</a:t>
+            </a:r>
+          </a:p>
+          <a:p>
+            <a:r>
+              <a:rPr lang="en-US" dirty="0" smtClean="0"/>
+              <a:t>For a particular position, jointly consider reads aligned there</a:t>
+            </a:r>
+          </a:p>
+          <a:p>
+            <a:r>
+              <a:rPr lang="en-US" dirty="0" smtClean="0"/>
+              <a:t>Consensus =&gt; call a variant</a:t>
+            </a:r>
+          </a:p>
+          <a:p>
+            <a:r>
+              <a:rPr lang="en-US" dirty="0" smtClean="0"/>
+              <a:t>Do this for all positions =&gt; reconstructed genome</a:t>
+            </a:r>
+          </a:p>
+          <a:p>
+            <a:r>
+              <a:rPr lang="en-US" dirty="0" smtClean="0"/>
+              <a:t>Remove 0.1%</a:t>
+            </a:r>
+            <a:r>
+              <a:rPr lang="en-US" baseline="0" dirty="0" smtClean="0"/>
+              <a:t> figure since it’s just for </a:t>
+            </a:r>
+            <a:r>
+              <a:rPr lang="en-US" baseline="0" dirty="0" err="1" smtClean="0"/>
+              <a:t>SNPs</a:t>
+            </a:r>
+            <a:r>
+              <a:rPr lang="en-US" baseline="0" dirty="0" smtClean="0"/>
+              <a:t>/small </a:t>
+            </a:r>
+            <a:r>
+              <a:rPr lang="en-US" baseline="0" dirty="0" err="1" smtClean="0"/>
+              <a:t>indels</a:t>
             </a:r>
             <a:endParaRPr lang="en-US" dirty="0"/>
           </a:p>
@@ -5868,10 +5967,10 @@
           <a:bodyPr/>
           <a:lstStyle/>
           <a:p>
-            <a:fld id="{56D28874-1678-3448-827B-018601F8A9DB}" type="slidenum">
+            <a:fld id="{69091A11-F846-B944-867A-2BC3F162A9B3}" type="slidenum">
               <a:rPr lang="en-US" smtClean="0"/>
               <a:pPr/>
-              <a:t>40</a:t>
+              <a:t>43</a:t>
             </a:fld>
             <a:endParaRPr lang="en-US"/>
           </a:p>
@@ -5933,33 +6032,23 @@
           <a:p>
             <a:r>
               <a:rPr lang="en-US" dirty="0" smtClean="0"/>
-              <a:t>SS:  targeted assembly</a:t>
+              <a:t>TODO:</a:t>
             </a:r>
             <a:r>
               <a:rPr lang="en-US" baseline="0" dirty="0" smtClean="0"/>
-              <a:t> is for </a:t>
+              <a:t>  </a:t>
+            </a:r>
+            <a:r>
+              <a:rPr lang="en-US" dirty="0" smtClean="0"/>
+              <a:t>Add reference</a:t>
+            </a:r>
+            <a:r>
+              <a:rPr lang="en-US" baseline="0" dirty="0" smtClean="0"/>
+              <a:t> to SW, </a:t>
             </a:r>
             <a:r>
               <a:rPr lang="en-US" baseline="0" dirty="0" err="1" smtClean="0"/>
-              <a:t>SVs</a:t>
-            </a:r>
-            <a:r>
-              <a:rPr lang="en-US" baseline="0" dirty="0" smtClean="0"/>
-              <a:t>, not </a:t>
-            </a:r>
-            <a:r>
-              <a:rPr lang="en-US" baseline="0" dirty="0" err="1" smtClean="0"/>
-              <a:t>SNPs</a:t>
-            </a:r>
-            <a:endParaRPr lang="en-US" baseline="0" dirty="0" smtClean="0"/>
-          </a:p>
-          <a:p>
-            <a:endParaRPr lang="en-US" baseline="0" dirty="0" smtClean="0"/>
-          </a:p>
-          <a:p>
-            <a:r>
-              <a:rPr lang="en-US" baseline="0" dirty="0" smtClean="0"/>
-              <a:t>MZ:  more concrete info on Biggie prototype</a:t>
+              <a:t>Ukkonen</a:t>
             </a:r>
             <a:endParaRPr lang="en-US" dirty="0"/>
           </a:p>
@@ -5983,7 +6072,7 @@
             <a:fld id="{56D28874-1678-3448-827B-018601F8A9DB}" type="slidenum">
               <a:rPr lang="en-US" smtClean="0"/>
               <a:pPr/>
-              <a:t>41</a:t>
+              <a:t>46</a:t>
             </a:fld>
             <a:endParaRPr lang="en-US"/>
           </a:p>
@@ -6045,7 +6134,25 @@
           <a:p>
             <a:r>
               <a:rPr lang="en-US" dirty="0" smtClean="0"/>
-              <a:t>Dates for submission to journal (month granularity); also specific journal</a:t>
+              <a:t>TODO:</a:t>
+            </a:r>
+            <a:r>
+              <a:rPr lang="en-US" baseline="0" dirty="0" smtClean="0"/>
+              <a:t>  quote some #</a:t>
+            </a:r>
+            <a:r>
+              <a:rPr lang="en-US" baseline="0" dirty="0" err="1" smtClean="0"/>
+              <a:t>s</a:t>
+            </a:r>
+            <a:r>
+              <a:rPr lang="en-US" baseline="0" dirty="0" smtClean="0"/>
+              <a:t> for runtime of these algorithms</a:t>
+            </a:r>
+          </a:p>
+          <a:p>
+            <a:r>
+              <a:rPr lang="en-US" baseline="0" dirty="0" smtClean="0"/>
+              <a:t>TODO:  add some newer citations</a:t>
             </a:r>
             <a:endParaRPr lang="en-US" dirty="0"/>
           </a:p>
@@ -6069,7 +6176,7 @@
             <a:fld id="{56D28874-1678-3448-827B-018601F8A9DB}" type="slidenum">
               <a:rPr lang="en-US" smtClean="0"/>
               <a:pPr/>
-              <a:t>42</a:t>
+              <a:t>47</a:t>
             </a:fld>
             <a:endParaRPr lang="en-US"/>
           </a:p>
@@ -6131,21 +6238,27 @@
           <a:p>
             <a:r>
               <a:rPr lang="en-US" dirty="0" smtClean="0"/>
-              <a:t>TODO:  add Blast,</a:t>
+              <a:t>Precede this with a definition of what clusters are</a:t>
+            </a:r>
+          </a:p>
+          <a:p>
+            <a:r>
+              <a:rPr lang="en-US" dirty="0" smtClean="0"/>
+              <a:t>Could say that we’re finding connected components</a:t>
+            </a:r>
+          </a:p>
+          <a:p>
+            <a:endParaRPr lang="en-US" dirty="0" smtClean="0"/>
+          </a:p>
+          <a:p>
+            <a:r>
+              <a:rPr lang="en-US" dirty="0" smtClean="0"/>
+              <a:t>MS</a:t>
             </a:r>
             <a:r>
               <a:rPr lang="en-US" baseline="0" dirty="0" smtClean="0"/>
-              <a:t> </a:t>
-            </a:r>
-            <a:r>
-              <a:rPr lang="en-US" baseline="0" dirty="0" err="1" smtClean="0"/>
-              <a:t>Ukkonen</a:t>
-            </a:r>
-            <a:r>
-              <a:rPr lang="en-US" baseline="0" dirty="0" smtClean="0"/>
-              <a:t>, Smith-Waterman</a:t>
-            </a:r>
-            <a:endParaRPr lang="en-US" dirty="0"/>
+              <a:t> says to spend a bit more time here so that audience will understand it more</a:t>
+            </a:r>
           </a:p>
         </p:txBody>
       </p:sp>
@@ -6164,10 +6277,10 @@
           <a:bodyPr/>
           <a:lstStyle/>
           <a:p>
-            <a:fld id="{56D28874-1678-3448-827B-018601F8A9DB}" type="slidenum">
+            <a:fld id="{D595E2EF-4AF3-F948-88CD-8E02C76C0292}" type="slidenum">
               <a:rPr lang="en-US" smtClean="0"/>
               <a:pPr/>
-              <a:t>44</a:t>
+              <a:t>49</a:t>
             </a:fld>
             <a:endParaRPr lang="en-US"/>
           </a:p>
@@ -6229,76 +6342,7 @@
           <a:p>
             <a:r>
               <a:rPr lang="en-US" dirty="0" smtClean="0"/>
-              <a:t>Segue:  let’s talk more about what’s involved in the data processing</a:t>
-            </a:r>
-          </a:p>
-          <a:p>
-            <a:r>
-              <a:rPr lang="en-US" dirty="0" smtClean="0"/>
-              <a:t>You have a bunch of reads, want to put them together (puzzle analogy)</a:t>
-            </a:r>
-          </a:p>
-          <a:p>
-            <a:r>
-              <a:rPr lang="en-US" dirty="0" smtClean="0"/>
-              <a:t>You</a:t>
-            </a:r>
-            <a:r>
-              <a:rPr lang="en-US" baseline="0" dirty="0" smtClean="0"/>
-              <a:t> use a reference genome (like the picture on the puzzle box)</a:t>
-            </a:r>
-            <a:endParaRPr lang="en-US" dirty="0" smtClean="0"/>
-          </a:p>
-          <a:p>
-            <a:r>
-              <a:rPr lang="en-US" dirty="0" smtClean="0"/>
-              <a:t>Variants appear in reads</a:t>
-            </a:r>
-          </a:p>
-          <a:p>
-            <a:r>
-              <a:rPr lang="en-US" dirty="0" smtClean="0"/>
-              <a:t>Align reads</a:t>
-            </a:r>
-          </a:p>
-          <a:p>
-            <a:r>
-              <a:rPr lang="en-US" dirty="0" smtClean="0"/>
-              <a:t>For a particular position, jointly consider reads aligned there</a:t>
-            </a:r>
-          </a:p>
-          <a:p>
-            <a:r>
-              <a:rPr lang="en-US" dirty="0" smtClean="0"/>
-              <a:t>Consensus =&gt; call a variant</a:t>
-            </a:r>
-          </a:p>
-          <a:p>
-            <a:r>
-              <a:rPr lang="en-US" dirty="0" smtClean="0"/>
-              <a:t>Do this for all positions =&gt; reconstructed genome</a:t>
-            </a:r>
-          </a:p>
-          <a:p>
-            <a:r>
-              <a:rPr lang="en-US" dirty="0" smtClean="0"/>
-              <a:t>Remove 0.1%</a:t>
-            </a:r>
-            <a:r>
-              <a:rPr lang="en-US" baseline="0" dirty="0" smtClean="0"/>
-              <a:t> figure since it’s just for </a:t>
-            </a:r>
-            <a:r>
-              <a:rPr lang="en-US" baseline="0" dirty="0" err="1" smtClean="0"/>
-              <a:t>SNPs</a:t>
-            </a:r>
-            <a:r>
-              <a:rPr lang="en-US" baseline="0" dirty="0" smtClean="0"/>
-              <a:t>/small </a:t>
-            </a:r>
-            <a:r>
-              <a:rPr lang="en-US" baseline="0" dirty="0" err="1" smtClean="0"/>
-              <a:t>indels</a:t>
+              <a:t>TODO:  flesh these out</a:t>
             </a:r>
             <a:endParaRPr lang="en-US" dirty="0"/>
           </a:p>
@@ -6319,10 +6363,10 @@
           <a:bodyPr/>
           <a:lstStyle/>
           <a:p>
-            <a:fld id="{69091A11-F846-B944-867A-2BC3F162A9B3}" type="slidenum">
+            <a:fld id="{56D28874-1678-3448-827B-018601F8A9DB}" type="slidenum">
               <a:rPr lang="en-US" smtClean="0"/>
               <a:pPr/>
-              <a:t>47</a:t>
+              <a:t>50</a:t>
             </a:fld>
             <a:endParaRPr lang="en-US"/>
           </a:p>
@@ -6384,23 +6428,7 @@
           <a:p>
             <a:r>
               <a:rPr lang="en-US" dirty="0" smtClean="0"/>
-              <a:t>TODO:</a:t>
-            </a:r>
-            <a:r>
-              <a:rPr lang="en-US" baseline="0" dirty="0" smtClean="0"/>
-              <a:t>  </a:t>
-            </a:r>
-            <a:r>
-              <a:rPr lang="en-US" dirty="0" smtClean="0"/>
-              <a:t>Add reference</a:t>
-            </a:r>
-            <a:r>
-              <a:rPr lang="en-US" baseline="0" dirty="0" smtClean="0"/>
-              <a:t> to SW, </a:t>
-            </a:r>
-            <a:r>
-              <a:rPr lang="en-US" baseline="0" dirty="0" err="1" smtClean="0"/>
-              <a:t>Ukkonen</a:t>
+              <a:t>TODO:  could add a picture here</a:t>
             </a:r>
             <a:endParaRPr lang="en-US" dirty="0"/>
           </a:p>
@@ -6424,7 +6452,7 @@
             <a:fld id="{56D28874-1678-3448-827B-018601F8A9DB}" type="slidenum">
               <a:rPr lang="en-US" smtClean="0"/>
               <a:pPr/>
-              <a:t>50</a:t>
+              <a:t>51</a:t>
             </a:fld>
             <a:endParaRPr lang="en-US"/>
           </a:p>
@@ -6596,25 +6624,15 @@
           <a:p>
             <a:r>
               <a:rPr lang="en-US" dirty="0" smtClean="0"/>
-              <a:t>TODO:</a:t>
+              <a:t>MZ:</a:t>
             </a:r>
             <a:r>
               <a:rPr lang="en-US" baseline="0" dirty="0" smtClean="0"/>
-              <a:t>  quote some #</a:t>
-            </a:r>
-            <a:r>
-              <a:rPr lang="en-US" baseline="0" dirty="0" err="1" smtClean="0"/>
-              <a:t>s</a:t>
-            </a:r>
-            <a:r>
-              <a:rPr lang="en-US" baseline="0" dirty="0" smtClean="0"/>
-              <a:t> for runtime of these algorithms</a:t>
-            </a:r>
-          </a:p>
-          <a:p>
-            <a:r>
-              <a:rPr lang="en-US" baseline="0" dirty="0" smtClean="0"/>
-              <a:t>TODO:  add some newer citations</a:t>
+              <a:t>  </a:t>
+            </a:r>
+            <a:r>
+              <a:rPr lang="en-US" dirty="0" smtClean="0"/>
+              <a:t>Picture here</a:t>
             </a:r>
             <a:endParaRPr lang="en-US" dirty="0"/>
           </a:p>
@@ -6638,7 +6656,7 @@
             <a:fld id="{56D28874-1678-3448-827B-018601F8A9DB}" type="slidenum">
               <a:rPr lang="en-US" smtClean="0"/>
               <a:pPr/>
-              <a:t>51</a:t>
+              <a:t>52</a:t>
             </a:fld>
             <a:endParaRPr lang="en-US"/>
           </a:p>
@@ -6700,27 +6718,9 @@
           <a:p>
             <a:r>
               <a:rPr lang="en-US" dirty="0" smtClean="0"/>
-              <a:t>Precede this with a definition of what clusters are</a:t>
-            </a:r>
-          </a:p>
-          <a:p>
-            <a:r>
-              <a:rPr lang="en-US" dirty="0" smtClean="0"/>
-              <a:t>Could say that we’re finding connected components</a:t>
-            </a:r>
-          </a:p>
-          <a:p>
-            <a:endParaRPr lang="en-US" dirty="0" smtClean="0"/>
-          </a:p>
-          <a:p>
-            <a:r>
-              <a:rPr lang="en-US" dirty="0" smtClean="0"/>
-              <a:t>MS</a:t>
-            </a:r>
-            <a:r>
-              <a:rPr lang="en-US" baseline="0" dirty="0" smtClean="0"/>
-              <a:t> says to spend a bit more time here so that audience will understand it more</a:t>
-            </a:r>
+              <a:t>TODO:  draw picture based on Hamming distance version</a:t>
+            </a:r>
+            <a:endParaRPr lang="en-US" dirty="0"/>
           </a:p>
         </p:txBody>
       </p:sp>
@@ -6739,7 +6739,7 @@
           <a:bodyPr/>
           <a:lstStyle/>
           <a:p>
-            <a:fld id="{D595E2EF-4AF3-F948-88CD-8E02C76C0292}" type="slidenum">
+            <a:fld id="{56D28874-1678-3448-827B-018601F8A9DB}" type="slidenum">
               <a:rPr lang="en-US" smtClean="0"/>
               <a:pPr/>
               <a:t>53</a:t>
@@ -27790,1349 +27790,6 @@
         </p:nvSpPr>
         <p:spPr/>
         <p:txBody>
-          <a:bodyPr/>
-          <a:lstStyle/>
-          <a:p>
-            <a:r>
-              <a:rPr lang="en-US" dirty="0" smtClean="0"/>
-              <a:t>Techniques Involved</a:t>
-            </a:r>
-            <a:endParaRPr lang="en-US" dirty="0"/>
-          </a:p>
-        </p:txBody>
-      </p:sp>
-      <p:sp>
-        <p:nvSpPr>
-          <p:cNvPr id="3" name="Content Placeholder 2"/>
-          <p:cNvSpPr>
-            <a:spLocks noGrp="1"/>
-          </p:cNvSpPr>
-          <p:nvPr>
-            <p:ph idx="1"/>
-          </p:nvPr>
-        </p:nvSpPr>
-        <p:spPr/>
-        <p:txBody>
-          <a:bodyPr/>
-          <a:lstStyle/>
-          <a:p>
-            <a:r>
-              <a:rPr lang="en-US" dirty="0" smtClean="0"/>
-              <a:t>Similarity-aware index</a:t>
-            </a:r>
-          </a:p>
-          <a:p>
-            <a:r>
-              <a:rPr lang="en-US" dirty="0" smtClean="0"/>
-              <a:t>Intra-cluster pruning</a:t>
-            </a:r>
-          </a:p>
-          <a:p>
-            <a:r>
-              <a:rPr lang="en-US" dirty="0" smtClean="0"/>
-              <a:t>Multi-matcher</a:t>
-            </a:r>
-          </a:p>
-          <a:p>
-            <a:endParaRPr lang="en-US" dirty="0" smtClean="0"/>
-          </a:p>
-        </p:txBody>
-      </p:sp>
-      <p:sp>
-        <p:nvSpPr>
-          <p:cNvPr id="4" name="Slide Number Placeholder 3"/>
-          <p:cNvSpPr>
-            <a:spLocks noGrp="1"/>
-          </p:cNvSpPr>
-          <p:nvPr>
-            <p:ph type="sldNum" sz="quarter" idx="12"/>
-          </p:nvPr>
-        </p:nvSpPr>
-        <p:spPr/>
-        <p:txBody>
-          <a:bodyPr/>
-          <a:lstStyle/>
-          <a:p>
-            <a:fld id="{30E74574-7699-BE4C-8F08-804282B6DBB8}" type="slidenum">
-              <a:rPr lang="en-US" smtClean="0"/>
-              <a:pPr/>
-              <a:t>29</a:t>
-            </a:fld>
-            <a:endParaRPr lang="en-US"/>
-          </a:p>
-        </p:txBody>
-      </p:sp>
-    </p:spTree>
-  </p:cSld>
-  <p:clrMapOvr>
-    <a:masterClrMapping/>
-  </p:clrMapOvr>
-  <p:timing>
-    <p:tnLst>
-      <p:par>
-        <p:cTn id="1" dur="indefinite" restart="never" nodeType="tmRoot"/>
-      </p:par>
-    </p:tnLst>
-  </p:timing>
-</p:sld>
-</file>
-
-<file path=ppt/slides/slide31.xml><?xml version="1.0" encoding="utf-8"?>
-<p:sld xmlns:a="http://schemas.openxmlformats.org/drawingml/2006/main" xmlns:r="http://schemas.openxmlformats.org/officeDocument/2006/relationships" xmlns:mc="http://schemas.openxmlformats.org/markup-compatibility/2006" xmlns:mv="urn:schemas-microsoft-com:mac:vml" xmlns:p="http://schemas.openxmlformats.org/presentationml/2006/main" mc:Ignorable="mv" mc:PreserveAttributes="mv:*">
-  <p:cSld>
-    <p:spTree>
-      <p:nvGrpSpPr>
-        <p:cNvPr id="1" name=""/>
-        <p:cNvGrpSpPr/>
-        <p:nvPr/>
-      </p:nvGrpSpPr>
-      <p:grpSpPr>
-        <a:xfrm>
-          <a:off x="0" y="0"/>
-          <a:ext cx="0" cy="0"/>
-          <a:chOff x="0" y="0"/>
-          <a:chExt cx="0" cy="0"/>
-        </a:xfrm>
-      </p:grpSpPr>
-      <p:sp>
-        <p:nvSpPr>
-          <p:cNvPr id="2" name="Title 1"/>
-          <p:cNvSpPr>
-            <a:spLocks noGrp="1"/>
-          </p:cNvSpPr>
-          <p:nvPr>
-            <p:ph type="title"/>
-          </p:nvPr>
-        </p:nvSpPr>
-        <p:spPr/>
-        <p:txBody>
-          <a:bodyPr/>
-          <a:lstStyle/>
-          <a:p>
-            <a:r>
-              <a:rPr lang="en-US" dirty="0" smtClean="0"/>
-              <a:t>Similarity-aware Index</a:t>
-            </a:r>
-            <a:endParaRPr lang="en-US" dirty="0"/>
-          </a:p>
-        </p:txBody>
-      </p:sp>
-      <p:sp>
-        <p:nvSpPr>
-          <p:cNvPr id="3" name="Content Placeholder 2"/>
-          <p:cNvSpPr>
-            <a:spLocks noGrp="1"/>
-          </p:cNvSpPr>
-          <p:nvPr>
-            <p:ph idx="1"/>
-          </p:nvPr>
-        </p:nvSpPr>
-        <p:spPr/>
-        <p:txBody>
-          <a:bodyPr/>
-          <a:lstStyle/>
-          <a:p>
-            <a:r>
-              <a:rPr lang="en-US" dirty="0" smtClean="0"/>
-              <a:t>Goal:  reduce cache misses</a:t>
-            </a:r>
-          </a:p>
-          <a:p>
-            <a:r>
-              <a:rPr lang="en-US" dirty="0" smtClean="0"/>
-              <a:t>Modify SNAP index creation</a:t>
-            </a:r>
-          </a:p>
-          <a:p>
-            <a:r>
-              <a:rPr lang="en-US" dirty="0" smtClean="0"/>
-              <a:t>If a given position is in a cluster, insert the cluster’s location instead of the position</a:t>
-            </a:r>
-          </a:p>
-          <a:p>
-            <a:r>
-              <a:rPr lang="en-US" dirty="0" smtClean="0"/>
-              <a:t>Then, when aligning results in a lookup to that seed, you’ll hit the cluster</a:t>
-            </a:r>
-          </a:p>
-          <a:p>
-            <a:endParaRPr lang="en-US" dirty="0"/>
-          </a:p>
-        </p:txBody>
-      </p:sp>
-      <p:sp>
-        <p:nvSpPr>
-          <p:cNvPr id="4" name="Slide Number Placeholder 3"/>
-          <p:cNvSpPr>
-            <a:spLocks noGrp="1"/>
-          </p:cNvSpPr>
-          <p:nvPr>
-            <p:ph type="sldNum" sz="quarter" idx="12"/>
-          </p:nvPr>
-        </p:nvSpPr>
-        <p:spPr/>
-        <p:txBody>
-          <a:bodyPr/>
-          <a:lstStyle/>
-          <a:p>
-            <a:fld id="{30E74574-7699-BE4C-8F08-804282B6DBB8}" type="slidenum">
-              <a:rPr lang="en-US" smtClean="0"/>
-              <a:pPr/>
-              <a:t>30</a:t>
-            </a:fld>
-            <a:endParaRPr lang="en-US"/>
-          </a:p>
-        </p:txBody>
-      </p:sp>
-    </p:spTree>
-  </p:cSld>
-  <p:clrMapOvr>
-    <a:masterClrMapping/>
-  </p:clrMapOvr>
-  <p:timing>
-    <p:tnLst>
-      <p:par>
-        <p:cTn id="1" dur="indefinite" restart="never" nodeType="tmRoot">
-          <p:childTnLst>
-            <p:seq concurrent="1" nextAc="seek">
-              <p:cTn id="2" dur="indefinite" nodeType="mainSeq">
-                <p:childTnLst>
-                  <p:par>
-                    <p:cTn id="3" fill="hold">
-                      <p:stCondLst>
-                        <p:cond delay="indefinite"/>
-                        <p:cond evt="onBegin" delay="0">
-                          <p:tn val="2"/>
-                        </p:cond>
-                      </p:stCondLst>
-                      <p:childTnLst>
-                        <p:par>
-                          <p:cTn id="4" fill="hold">
-                            <p:stCondLst>
-                              <p:cond delay="0"/>
-                            </p:stCondLst>
-                            <p:childTnLst>
-                              <p:par>
-                                <p:cTn id="5" presetID="1" presetClass="entr" presetSubtype="0" fill="hold" grpId="0" nodeType="withEffect">
-                                  <p:stCondLst>
-                                    <p:cond delay="0"/>
-                                  </p:stCondLst>
-                                  <p:childTnLst>
-                                    <p:set>
-                                      <p:cBhvr>
-                                        <p:cTn id="6" dur="1" fill="hold">
-                                          <p:stCondLst>
-                                            <p:cond delay="0"/>
-                                          </p:stCondLst>
-                                        </p:cTn>
-                                        <p:tgtEl>
-                                          <p:spTgt spid="3">
-                                            <p:txEl>
-                                              <p:pRg st="0" end="0"/>
-                                            </p:txEl>
-                                          </p:spTgt>
-                                        </p:tgtEl>
-                                        <p:attrNameLst>
-                                          <p:attrName>style.visibility</p:attrName>
-                                        </p:attrNameLst>
-                                      </p:cBhvr>
-                                      <p:to>
-                                        <p:strVal val="visible"/>
-                                      </p:to>
-                                    </p:set>
-                                  </p:childTnLst>
-                                </p:cTn>
-                              </p:par>
-                            </p:childTnLst>
-                          </p:cTn>
-                        </p:par>
-                      </p:childTnLst>
-                    </p:cTn>
-                  </p:par>
-                  <p:par>
-                    <p:cTn id="7" fill="hold">
-                      <p:stCondLst>
-                        <p:cond delay="indefinite"/>
-                      </p:stCondLst>
-                      <p:childTnLst>
-                        <p:par>
-                          <p:cTn id="8" fill="hold">
-                            <p:stCondLst>
-                              <p:cond delay="0"/>
-                            </p:stCondLst>
-                            <p:childTnLst>
-                              <p:par>
-                                <p:cTn id="9" presetID="1" presetClass="entr" presetSubtype="0" fill="hold" grpId="0" nodeType="clickEffect">
-                                  <p:stCondLst>
-                                    <p:cond delay="0"/>
-                                  </p:stCondLst>
-                                  <p:childTnLst>
-                                    <p:set>
-                                      <p:cBhvr>
-                                        <p:cTn id="10" dur="1" fill="hold">
-                                          <p:stCondLst>
-                                            <p:cond delay="0"/>
-                                          </p:stCondLst>
-                                        </p:cTn>
-                                        <p:tgtEl>
-                                          <p:spTgt spid="3">
-                                            <p:txEl>
-                                              <p:pRg st="1" end="1"/>
-                                            </p:txEl>
-                                          </p:spTgt>
-                                        </p:tgtEl>
-                                        <p:attrNameLst>
-                                          <p:attrName>style.visibility</p:attrName>
-                                        </p:attrNameLst>
-                                      </p:cBhvr>
-                                      <p:to>
-                                        <p:strVal val="visible"/>
-                                      </p:to>
-                                    </p:set>
-                                  </p:childTnLst>
-                                </p:cTn>
-                              </p:par>
-                            </p:childTnLst>
-                          </p:cTn>
-                        </p:par>
-                      </p:childTnLst>
-                    </p:cTn>
-                  </p:par>
-                  <p:par>
-                    <p:cTn id="11" fill="hold">
-                      <p:stCondLst>
-                        <p:cond delay="indefinite"/>
-                      </p:stCondLst>
-                      <p:childTnLst>
-                        <p:par>
-                          <p:cTn id="12" fill="hold">
-                            <p:stCondLst>
-                              <p:cond delay="0"/>
-                            </p:stCondLst>
-                            <p:childTnLst>
-                              <p:par>
-                                <p:cTn id="13" presetID="1" presetClass="entr" presetSubtype="0" fill="hold" grpId="0" nodeType="clickEffect">
-                                  <p:stCondLst>
-                                    <p:cond delay="0"/>
-                                  </p:stCondLst>
-                                  <p:childTnLst>
-                                    <p:set>
-                                      <p:cBhvr>
-                                        <p:cTn id="14" dur="1" fill="hold">
-                                          <p:stCondLst>
-                                            <p:cond delay="0"/>
-                                          </p:stCondLst>
-                                        </p:cTn>
-                                        <p:tgtEl>
-                                          <p:spTgt spid="3">
-                                            <p:txEl>
-                                              <p:pRg st="2" end="2"/>
-                                            </p:txEl>
-                                          </p:spTgt>
-                                        </p:tgtEl>
-                                        <p:attrNameLst>
-                                          <p:attrName>style.visibility</p:attrName>
-                                        </p:attrNameLst>
-                                      </p:cBhvr>
-                                      <p:to>
-                                        <p:strVal val="visible"/>
-                                      </p:to>
-                                    </p:set>
-                                  </p:childTnLst>
-                                </p:cTn>
-                              </p:par>
-                            </p:childTnLst>
-                          </p:cTn>
-                        </p:par>
-                      </p:childTnLst>
-                    </p:cTn>
-                  </p:par>
-                  <p:par>
-                    <p:cTn id="15" fill="hold">
-                      <p:stCondLst>
-                        <p:cond delay="indefinite"/>
-                      </p:stCondLst>
-                      <p:childTnLst>
-                        <p:par>
-                          <p:cTn id="16" fill="hold">
-                            <p:stCondLst>
-                              <p:cond delay="0"/>
-                            </p:stCondLst>
-                            <p:childTnLst>
-                              <p:par>
-                                <p:cTn id="17" presetID="1" presetClass="entr" presetSubtype="0" fill="hold" grpId="0" nodeType="clickEffect">
-                                  <p:stCondLst>
-                                    <p:cond delay="0"/>
-                                  </p:stCondLst>
-                                  <p:childTnLst>
-                                    <p:set>
-                                      <p:cBhvr>
-                                        <p:cTn id="18" dur="1" fill="hold">
-                                          <p:stCondLst>
-                                            <p:cond delay="0"/>
-                                          </p:stCondLst>
-                                        </p:cTn>
-                                        <p:tgtEl>
-                                          <p:spTgt spid="3">
-                                            <p:txEl>
-                                              <p:pRg st="3" end="3"/>
-                                            </p:txEl>
-                                          </p:spTgt>
-                                        </p:tgtEl>
-                                        <p:attrNameLst>
-                                          <p:attrName>style.visibility</p:attrName>
-                                        </p:attrNameLst>
-                                      </p:cBhvr>
-                                      <p:to>
-                                        <p:strVal val="visible"/>
-                                      </p:to>
-                                    </p:set>
-                                  </p:childTnLst>
-                                </p:cTn>
-                              </p:par>
-                            </p:childTnLst>
-                          </p:cTn>
-                        </p:par>
-                      </p:childTnLst>
-                    </p:cTn>
-                  </p:par>
-                </p:childTnLst>
-              </p:cTn>
-              <p:prevCondLst>
-                <p:cond evt="onPrev" delay="0">
-                  <p:tgtEl>
-                    <p:sldTgt/>
-                  </p:tgtEl>
-                </p:cond>
-              </p:prevCondLst>
-              <p:nextCondLst>
-                <p:cond evt="onNext" delay="0">
-                  <p:tgtEl>
-                    <p:sldTgt/>
-                  </p:tgtEl>
-                </p:cond>
-              </p:nextCondLst>
-            </p:seq>
-          </p:childTnLst>
-        </p:cTn>
-      </p:par>
-    </p:tnLst>
-    <p:bldLst>
-      <p:bldP spid="3" grpId="0" build="p"/>
-    </p:bldLst>
-  </p:timing>
-</p:sld>
-</file>
-
-<file path=ppt/slides/slide32.xml><?xml version="1.0" encoding="utf-8"?>
-<p:sld xmlns:a="http://schemas.openxmlformats.org/drawingml/2006/main" xmlns:r="http://schemas.openxmlformats.org/officeDocument/2006/relationships" xmlns:mc="http://schemas.openxmlformats.org/markup-compatibility/2006" xmlns:mv="urn:schemas-microsoft-com:mac:vml" xmlns:p="http://schemas.openxmlformats.org/presentationml/2006/main" mc:Ignorable="mv" mc:PreserveAttributes="mv:*">
-  <p:cSld>
-    <p:spTree>
-      <p:nvGrpSpPr>
-        <p:cNvPr id="1" name=""/>
-        <p:cNvGrpSpPr/>
-        <p:nvPr/>
-      </p:nvGrpSpPr>
-      <p:grpSpPr>
-        <a:xfrm>
-          <a:off x="0" y="0"/>
-          <a:ext cx="0" cy="0"/>
-          <a:chOff x="0" y="0"/>
-          <a:chExt cx="0" cy="0"/>
-        </a:xfrm>
-      </p:grpSpPr>
-      <p:sp>
-        <p:nvSpPr>
-          <p:cNvPr id="2" name="Title 1"/>
-          <p:cNvSpPr>
-            <a:spLocks noGrp="1"/>
-          </p:cNvSpPr>
-          <p:nvPr>
-            <p:ph type="title"/>
-          </p:nvPr>
-        </p:nvSpPr>
-        <p:spPr/>
-        <p:txBody>
-          <a:bodyPr/>
-          <a:lstStyle/>
-          <a:p>
-            <a:r>
-              <a:rPr lang="en-US" dirty="0" smtClean="0"/>
-              <a:t>Intra-cluster pruning</a:t>
-            </a:r>
-            <a:endParaRPr lang="en-US" dirty="0"/>
-          </a:p>
-        </p:txBody>
-      </p:sp>
-      <p:sp>
-        <p:nvSpPr>
-          <p:cNvPr id="3" name="Content Placeholder 2"/>
-          <p:cNvSpPr>
-            <a:spLocks noGrp="1"/>
-          </p:cNvSpPr>
-          <p:nvPr>
-            <p:ph idx="1"/>
-          </p:nvPr>
-        </p:nvSpPr>
-        <p:spPr/>
-        <p:txBody>
-          <a:bodyPr/>
-          <a:lstStyle/>
-          <a:p>
-            <a:pPr marL="342900" lvl="1" indent="-342900">
-              <a:buFont typeface="Arial"/>
-              <a:buChar char="•"/>
-            </a:pPr>
-            <a:r>
-              <a:rPr lang="en-US" dirty="0" smtClean="0"/>
-              <a:t>Goal:  preserve speed even if clusters are overly inclusive</a:t>
-            </a:r>
-          </a:p>
-          <a:p>
-            <a:pPr marL="742950" lvl="2" indent="-342900">
-              <a:buFont typeface="Lucida Grande"/>
-              <a:buChar char="-"/>
-            </a:pPr>
-            <a:r>
-              <a:rPr lang="en-US" dirty="0" smtClean="0"/>
-              <a:t>Tradeoff:  larger clusters improve accuracy, but result in lots of unnecessary comparisons =&gt; reduce speed</a:t>
-            </a:r>
-          </a:p>
-          <a:p>
-            <a:pPr marL="342900" lvl="1" indent="-342900">
-              <a:buFont typeface="Arial"/>
-              <a:buChar char="•"/>
-            </a:pPr>
-            <a:r>
-              <a:rPr lang="en-US" dirty="0" smtClean="0"/>
-              <a:t>For each cluster, </a:t>
-            </a:r>
-            <a:r>
-              <a:rPr lang="en-US" dirty="0" err="1" smtClean="0"/>
-              <a:t>precompute</a:t>
-            </a:r>
-            <a:r>
-              <a:rPr lang="en-US" dirty="0" smtClean="0"/>
-              <a:t> the consensus string, as well as each member’s differences from the consensus</a:t>
-            </a:r>
-          </a:p>
-          <a:p>
-            <a:pPr marL="342900" lvl="1" indent="-342900">
-              <a:buFont typeface="Arial"/>
-              <a:buChar char="•"/>
-            </a:pPr>
-            <a:r>
-              <a:rPr lang="en-US" dirty="0" smtClean="0"/>
-              <a:t>When aligning a read, based on its </a:t>
-            </a:r>
-            <a:r>
-              <a:rPr lang="en-US" dirty="0" err="1" smtClean="0"/>
-              <a:t>diffs</a:t>
-            </a:r>
-            <a:r>
-              <a:rPr lang="en-US" dirty="0" smtClean="0"/>
-              <a:t> </a:t>
-            </a:r>
-            <a:r>
-              <a:rPr lang="en-US" dirty="0" err="1" smtClean="0"/>
-              <a:t>wrt</a:t>
-            </a:r>
-            <a:r>
-              <a:rPr lang="en-US" dirty="0" smtClean="0"/>
-              <a:t> the consensus, use the triangle inequality to rule out cluster members that are too far away</a:t>
-            </a:r>
-          </a:p>
-          <a:p>
-            <a:endParaRPr lang="en-US" dirty="0"/>
-          </a:p>
-        </p:txBody>
-      </p:sp>
-      <p:sp>
-        <p:nvSpPr>
-          <p:cNvPr id="4" name="Slide Number Placeholder 3"/>
-          <p:cNvSpPr>
-            <a:spLocks noGrp="1"/>
-          </p:cNvSpPr>
-          <p:nvPr>
-            <p:ph type="sldNum" sz="quarter" idx="12"/>
-          </p:nvPr>
-        </p:nvSpPr>
-        <p:spPr/>
-        <p:txBody>
-          <a:bodyPr/>
-          <a:lstStyle/>
-          <a:p>
-            <a:fld id="{30E74574-7699-BE4C-8F08-804282B6DBB8}" type="slidenum">
-              <a:rPr lang="en-US" smtClean="0"/>
-              <a:pPr/>
-              <a:t>31</a:t>
-            </a:fld>
-            <a:endParaRPr lang="en-US"/>
-          </a:p>
-        </p:txBody>
-      </p:sp>
-    </p:spTree>
-  </p:cSld>
-  <p:clrMapOvr>
-    <a:masterClrMapping/>
-  </p:clrMapOvr>
-  <p:timing>
-    <p:tnLst>
-      <p:par>
-        <p:cTn id="1" dur="indefinite" restart="never" nodeType="tmRoot">
-          <p:childTnLst>
-            <p:seq concurrent="1" nextAc="seek">
-              <p:cTn id="2" dur="indefinite" nodeType="mainSeq">
-                <p:childTnLst>
-                  <p:par>
-                    <p:cTn id="3" fill="hold">
-                      <p:stCondLst>
-                        <p:cond delay="indefinite"/>
-                        <p:cond evt="onBegin" delay="0">
-                          <p:tn val="2"/>
-                        </p:cond>
-                      </p:stCondLst>
-                      <p:childTnLst>
-                        <p:par>
-                          <p:cTn id="4" fill="hold">
-                            <p:stCondLst>
-                              <p:cond delay="0"/>
-                            </p:stCondLst>
-                            <p:childTnLst>
-                              <p:par>
-                                <p:cTn id="5" presetID="1" presetClass="entr" presetSubtype="0" fill="hold" grpId="0" nodeType="withEffect">
-                                  <p:stCondLst>
-                                    <p:cond delay="0"/>
-                                  </p:stCondLst>
-                                  <p:childTnLst>
-                                    <p:set>
-                                      <p:cBhvr>
-                                        <p:cTn id="6" dur="1" fill="hold">
-                                          <p:stCondLst>
-                                            <p:cond delay="0"/>
-                                          </p:stCondLst>
-                                        </p:cTn>
-                                        <p:tgtEl>
-                                          <p:spTgt spid="3">
-                                            <p:txEl>
-                                              <p:pRg st="0" end="0"/>
-                                            </p:txEl>
-                                          </p:spTgt>
-                                        </p:tgtEl>
-                                        <p:attrNameLst>
-                                          <p:attrName>style.visibility</p:attrName>
-                                        </p:attrNameLst>
-                                      </p:cBhvr>
-                                      <p:to>
-                                        <p:strVal val="visible"/>
-                                      </p:to>
-                                    </p:set>
-                                  </p:childTnLst>
-                                </p:cTn>
-                              </p:par>
-                            </p:childTnLst>
-                          </p:cTn>
-                        </p:par>
-                      </p:childTnLst>
-                    </p:cTn>
-                  </p:par>
-                  <p:par>
-                    <p:cTn id="7" fill="hold">
-                      <p:stCondLst>
-                        <p:cond delay="indefinite"/>
-                      </p:stCondLst>
-                      <p:childTnLst>
-                        <p:par>
-                          <p:cTn id="8" fill="hold">
-                            <p:stCondLst>
-                              <p:cond delay="0"/>
-                            </p:stCondLst>
-                            <p:childTnLst>
-                              <p:par>
-                                <p:cTn id="9" presetID="1" presetClass="entr" presetSubtype="0" fill="hold" grpId="0" nodeType="clickEffect">
-                                  <p:stCondLst>
-                                    <p:cond delay="0"/>
-                                  </p:stCondLst>
-                                  <p:childTnLst>
-                                    <p:set>
-                                      <p:cBhvr>
-                                        <p:cTn id="10" dur="1" fill="hold">
-                                          <p:stCondLst>
-                                            <p:cond delay="0"/>
-                                          </p:stCondLst>
-                                        </p:cTn>
-                                        <p:tgtEl>
-                                          <p:spTgt spid="3">
-                                            <p:txEl>
-                                              <p:pRg st="1" end="1"/>
-                                            </p:txEl>
-                                          </p:spTgt>
-                                        </p:tgtEl>
-                                        <p:attrNameLst>
-                                          <p:attrName>style.visibility</p:attrName>
-                                        </p:attrNameLst>
-                                      </p:cBhvr>
-                                      <p:to>
-                                        <p:strVal val="visible"/>
-                                      </p:to>
-                                    </p:set>
-                                  </p:childTnLst>
-                                </p:cTn>
-                              </p:par>
-                            </p:childTnLst>
-                          </p:cTn>
-                        </p:par>
-                      </p:childTnLst>
-                    </p:cTn>
-                  </p:par>
-                  <p:par>
-                    <p:cTn id="11" fill="hold">
-                      <p:stCondLst>
-                        <p:cond delay="indefinite"/>
-                      </p:stCondLst>
-                      <p:childTnLst>
-                        <p:par>
-                          <p:cTn id="12" fill="hold">
-                            <p:stCondLst>
-                              <p:cond delay="0"/>
-                            </p:stCondLst>
-                            <p:childTnLst>
-                              <p:par>
-                                <p:cTn id="13" presetID="1" presetClass="entr" presetSubtype="0" fill="hold" grpId="0" nodeType="clickEffect">
-                                  <p:stCondLst>
-                                    <p:cond delay="0"/>
-                                  </p:stCondLst>
-                                  <p:childTnLst>
-                                    <p:set>
-                                      <p:cBhvr>
-                                        <p:cTn id="14" dur="1" fill="hold">
-                                          <p:stCondLst>
-                                            <p:cond delay="0"/>
-                                          </p:stCondLst>
-                                        </p:cTn>
-                                        <p:tgtEl>
-                                          <p:spTgt spid="3">
-                                            <p:txEl>
-                                              <p:pRg st="2" end="2"/>
-                                            </p:txEl>
-                                          </p:spTgt>
-                                        </p:tgtEl>
-                                        <p:attrNameLst>
-                                          <p:attrName>style.visibility</p:attrName>
-                                        </p:attrNameLst>
-                                      </p:cBhvr>
-                                      <p:to>
-                                        <p:strVal val="visible"/>
-                                      </p:to>
-                                    </p:set>
-                                  </p:childTnLst>
-                                </p:cTn>
-                              </p:par>
-                            </p:childTnLst>
-                          </p:cTn>
-                        </p:par>
-                      </p:childTnLst>
-                    </p:cTn>
-                  </p:par>
-                  <p:par>
-                    <p:cTn id="15" fill="hold">
-                      <p:stCondLst>
-                        <p:cond delay="indefinite"/>
-                      </p:stCondLst>
-                      <p:childTnLst>
-                        <p:par>
-                          <p:cTn id="16" fill="hold">
-                            <p:stCondLst>
-                              <p:cond delay="0"/>
-                            </p:stCondLst>
-                            <p:childTnLst>
-                              <p:par>
-                                <p:cTn id="17" presetID="1" presetClass="entr" presetSubtype="0" fill="hold" grpId="0" nodeType="clickEffect">
-                                  <p:stCondLst>
-                                    <p:cond delay="0"/>
-                                  </p:stCondLst>
-                                  <p:childTnLst>
-                                    <p:set>
-                                      <p:cBhvr>
-                                        <p:cTn id="18" dur="1" fill="hold">
-                                          <p:stCondLst>
-                                            <p:cond delay="0"/>
-                                          </p:stCondLst>
-                                        </p:cTn>
-                                        <p:tgtEl>
-                                          <p:spTgt spid="3">
-                                            <p:txEl>
-                                              <p:pRg st="3" end="3"/>
-                                            </p:txEl>
-                                          </p:spTgt>
-                                        </p:tgtEl>
-                                        <p:attrNameLst>
-                                          <p:attrName>style.visibility</p:attrName>
-                                        </p:attrNameLst>
-                                      </p:cBhvr>
-                                      <p:to>
-                                        <p:strVal val="visible"/>
-                                      </p:to>
-                                    </p:set>
-                                  </p:childTnLst>
-                                </p:cTn>
-                              </p:par>
-                            </p:childTnLst>
-                          </p:cTn>
-                        </p:par>
-                      </p:childTnLst>
-                    </p:cTn>
-                  </p:par>
-                </p:childTnLst>
-              </p:cTn>
-              <p:prevCondLst>
-                <p:cond evt="onPrev" delay="0">
-                  <p:tgtEl>
-                    <p:sldTgt/>
-                  </p:tgtEl>
-                </p:cond>
-              </p:prevCondLst>
-              <p:nextCondLst>
-                <p:cond evt="onNext" delay="0">
-                  <p:tgtEl>
-                    <p:sldTgt/>
-                  </p:tgtEl>
-                </p:cond>
-              </p:nextCondLst>
-            </p:seq>
-          </p:childTnLst>
-        </p:cTn>
-      </p:par>
-    </p:tnLst>
-    <p:bldLst>
-      <p:bldP spid="3" grpId="0" build="p"/>
-    </p:bldLst>
-  </p:timing>
-</p:sld>
-</file>
-
-<file path=ppt/slides/slide33.xml><?xml version="1.0" encoding="utf-8"?>
-<p:sld xmlns:a="http://schemas.openxmlformats.org/drawingml/2006/main" xmlns:r="http://schemas.openxmlformats.org/officeDocument/2006/relationships" xmlns:mc="http://schemas.openxmlformats.org/markup-compatibility/2006" xmlns:mv="urn:schemas-microsoft-com:mac:vml" xmlns:p="http://schemas.openxmlformats.org/presentationml/2006/main" mc:Ignorable="mv" mc:PreserveAttributes="mv:*">
-  <p:cSld>
-    <p:spTree>
-      <p:nvGrpSpPr>
-        <p:cNvPr id="1" name=""/>
-        <p:cNvGrpSpPr/>
-        <p:nvPr/>
-      </p:nvGrpSpPr>
-      <p:grpSpPr>
-        <a:xfrm>
-          <a:off x="0" y="0"/>
-          <a:ext cx="0" cy="0"/>
-          <a:chOff x="0" y="0"/>
-          <a:chExt cx="0" cy="0"/>
-        </a:xfrm>
-      </p:grpSpPr>
-      <p:sp>
-        <p:nvSpPr>
-          <p:cNvPr id="2" name="Title 1"/>
-          <p:cNvSpPr>
-            <a:spLocks noGrp="1"/>
-          </p:cNvSpPr>
-          <p:nvPr>
-            <p:ph type="title"/>
-          </p:nvPr>
-        </p:nvSpPr>
-        <p:spPr/>
-        <p:txBody>
-          <a:bodyPr/>
-          <a:lstStyle/>
-          <a:p>
-            <a:r>
-              <a:rPr lang="en-US" dirty="0" smtClean="0"/>
-              <a:t>Multi-matcher</a:t>
-            </a:r>
-            <a:endParaRPr lang="en-US" dirty="0"/>
-          </a:p>
-        </p:txBody>
-      </p:sp>
-      <p:sp>
-        <p:nvSpPr>
-          <p:cNvPr id="3" name="Content Placeholder 2"/>
-          <p:cNvSpPr>
-            <a:spLocks noGrp="1"/>
-          </p:cNvSpPr>
-          <p:nvPr>
-            <p:ph idx="1"/>
-          </p:nvPr>
-        </p:nvSpPr>
-        <p:spPr>
-          <a:xfrm>
-            <a:off x="457200" y="1600200"/>
-            <a:ext cx="8229600" cy="4525963"/>
-          </a:xfrm>
-        </p:spPr>
-        <p:txBody>
-          <a:bodyPr>
-            <a:noAutofit/>
-          </a:bodyPr>
-          <a:lstStyle/>
-          <a:p>
-            <a:pPr marL="342900" lvl="1" indent="-342900">
-              <a:buFont typeface="Arial"/>
-              <a:buChar char="•"/>
-            </a:pPr>
-            <a:r>
-              <a:rPr lang="en-US" dirty="0" smtClean="0"/>
-              <a:t>Goal:  Exploit similarity to reuse work</a:t>
-            </a:r>
-          </a:p>
-          <a:p>
-            <a:pPr marL="342900" lvl="1" indent="-342900">
-              <a:buFont typeface="Arial"/>
-              <a:buChar char="•"/>
-            </a:pPr>
-            <a:r>
-              <a:rPr lang="en-US" sz="2800" dirty="0" smtClean="0"/>
-              <a:t>Compute the cluster’s consensus string</a:t>
-            </a:r>
-          </a:p>
-          <a:p>
-            <a:r>
-              <a:rPr lang="en-US" sz="2800" dirty="0" smtClean="0"/>
-              <a:t>Represent each cluster member as a set of </a:t>
-            </a:r>
-            <a:r>
-              <a:rPr lang="en-US" sz="2800" dirty="0" err="1" smtClean="0"/>
-              <a:t>diffs</a:t>
-            </a:r>
-            <a:r>
-              <a:rPr lang="en-US" sz="2800" dirty="0" smtClean="0"/>
-              <a:t> </a:t>
-            </a:r>
-            <a:r>
-              <a:rPr lang="en-US" sz="2800" dirty="0" err="1" smtClean="0"/>
-              <a:t>wrt</a:t>
-            </a:r>
-            <a:r>
-              <a:rPr lang="en-US" sz="2800" dirty="0" smtClean="0"/>
-              <a:t> the consensus</a:t>
-            </a:r>
-          </a:p>
-          <a:p>
-            <a:r>
-              <a:rPr lang="en-US" sz="2800" dirty="0" smtClean="0"/>
-              <a:t>Computational savings due to comparing only against </a:t>
-            </a:r>
-            <a:r>
-              <a:rPr lang="en-US" sz="2800" dirty="0" err="1" smtClean="0"/>
-              <a:t>diffs</a:t>
-            </a:r>
-            <a:r>
-              <a:rPr lang="en-US" sz="2800" dirty="0" smtClean="0"/>
-              <a:t>, rather than all strings in full</a:t>
-            </a:r>
-          </a:p>
-          <a:p>
-            <a:r>
-              <a:rPr lang="en-US" sz="2800" dirty="0" smtClean="0"/>
-              <a:t>For best-matcher:  find two closest</a:t>
-            </a:r>
-          </a:p>
-          <a:p>
-            <a:r>
-              <a:rPr lang="en-US" sz="2800" dirty="0" smtClean="0"/>
-              <a:t>For all-matcher:  find all within given distance</a:t>
-            </a:r>
-          </a:p>
-        </p:txBody>
-      </p:sp>
-      <p:sp>
-        <p:nvSpPr>
-          <p:cNvPr id="4" name="Slide Number Placeholder 3"/>
-          <p:cNvSpPr>
-            <a:spLocks noGrp="1"/>
-          </p:cNvSpPr>
-          <p:nvPr>
-            <p:ph type="sldNum" sz="quarter" idx="12"/>
-          </p:nvPr>
-        </p:nvSpPr>
-        <p:spPr/>
-        <p:txBody>
-          <a:bodyPr/>
-          <a:lstStyle/>
-          <a:p>
-            <a:fld id="{30E74574-7699-BE4C-8F08-804282B6DBB8}" type="slidenum">
-              <a:rPr lang="en-US" smtClean="0"/>
-              <a:pPr/>
-              <a:t>32</a:t>
-            </a:fld>
-            <a:endParaRPr lang="en-US"/>
-          </a:p>
-        </p:txBody>
-      </p:sp>
-    </p:spTree>
-  </p:cSld>
-  <p:clrMapOvr>
-    <a:masterClrMapping/>
-  </p:clrMapOvr>
-  <p:timing>
-    <p:tnLst>
-      <p:par>
-        <p:cTn id="1" dur="indefinite" restart="never" nodeType="tmRoot">
-          <p:childTnLst>
-            <p:seq concurrent="1" nextAc="seek">
-              <p:cTn id="2" dur="indefinite" nodeType="mainSeq">
-                <p:childTnLst>
-                  <p:par>
-                    <p:cTn id="3" fill="hold">
-                      <p:stCondLst>
-                        <p:cond delay="indefinite"/>
-                        <p:cond evt="onBegin" delay="0">
-                          <p:tn val="2"/>
-                        </p:cond>
-                      </p:stCondLst>
-                      <p:childTnLst>
-                        <p:par>
-                          <p:cTn id="4" fill="hold">
-                            <p:stCondLst>
-                              <p:cond delay="0"/>
-                            </p:stCondLst>
-                            <p:childTnLst>
-                              <p:par>
-                                <p:cTn id="5" presetID="1" presetClass="entr" presetSubtype="0" fill="hold" grpId="0" nodeType="withEffect">
-                                  <p:stCondLst>
-                                    <p:cond delay="0"/>
-                                  </p:stCondLst>
-                                  <p:childTnLst>
-                                    <p:set>
-                                      <p:cBhvr>
-                                        <p:cTn id="6" dur="1" fill="hold">
-                                          <p:stCondLst>
-                                            <p:cond delay="0"/>
-                                          </p:stCondLst>
-                                        </p:cTn>
-                                        <p:tgtEl>
-                                          <p:spTgt spid="3">
-                                            <p:txEl>
-                                              <p:pRg st="0" end="0"/>
-                                            </p:txEl>
-                                          </p:spTgt>
-                                        </p:tgtEl>
-                                        <p:attrNameLst>
-                                          <p:attrName>style.visibility</p:attrName>
-                                        </p:attrNameLst>
-                                      </p:cBhvr>
-                                      <p:to>
-                                        <p:strVal val="visible"/>
-                                      </p:to>
-                                    </p:set>
-                                  </p:childTnLst>
-                                </p:cTn>
-                              </p:par>
-                            </p:childTnLst>
-                          </p:cTn>
-                        </p:par>
-                      </p:childTnLst>
-                    </p:cTn>
-                  </p:par>
-                  <p:par>
-                    <p:cTn id="7" fill="hold">
-                      <p:stCondLst>
-                        <p:cond delay="indefinite"/>
-                      </p:stCondLst>
-                      <p:childTnLst>
-                        <p:par>
-                          <p:cTn id="8" fill="hold">
-                            <p:stCondLst>
-                              <p:cond delay="0"/>
-                            </p:stCondLst>
-                            <p:childTnLst>
-                              <p:par>
-                                <p:cTn id="9" presetID="1" presetClass="entr" presetSubtype="0" fill="hold" grpId="0" nodeType="clickEffect">
-                                  <p:stCondLst>
-                                    <p:cond delay="0"/>
-                                  </p:stCondLst>
-                                  <p:childTnLst>
-                                    <p:set>
-                                      <p:cBhvr>
-                                        <p:cTn id="10" dur="1" fill="hold">
-                                          <p:stCondLst>
-                                            <p:cond delay="0"/>
-                                          </p:stCondLst>
-                                        </p:cTn>
-                                        <p:tgtEl>
-                                          <p:spTgt spid="3">
-                                            <p:txEl>
-                                              <p:pRg st="1" end="1"/>
-                                            </p:txEl>
-                                          </p:spTgt>
-                                        </p:tgtEl>
-                                        <p:attrNameLst>
-                                          <p:attrName>style.visibility</p:attrName>
-                                        </p:attrNameLst>
-                                      </p:cBhvr>
-                                      <p:to>
-                                        <p:strVal val="visible"/>
-                                      </p:to>
-                                    </p:set>
-                                  </p:childTnLst>
-                                </p:cTn>
-                              </p:par>
-                            </p:childTnLst>
-                          </p:cTn>
-                        </p:par>
-                      </p:childTnLst>
-                    </p:cTn>
-                  </p:par>
-                  <p:par>
-                    <p:cTn id="11" fill="hold">
-                      <p:stCondLst>
-                        <p:cond delay="indefinite"/>
-                      </p:stCondLst>
-                      <p:childTnLst>
-                        <p:par>
-                          <p:cTn id="12" fill="hold">
-                            <p:stCondLst>
-                              <p:cond delay="0"/>
-                            </p:stCondLst>
-                            <p:childTnLst>
-                              <p:par>
-                                <p:cTn id="13" presetID="1" presetClass="entr" presetSubtype="0" fill="hold" grpId="0" nodeType="clickEffect">
-                                  <p:stCondLst>
-                                    <p:cond delay="0"/>
-                                  </p:stCondLst>
-                                  <p:childTnLst>
-                                    <p:set>
-                                      <p:cBhvr>
-                                        <p:cTn id="14" dur="1" fill="hold">
-                                          <p:stCondLst>
-                                            <p:cond delay="0"/>
-                                          </p:stCondLst>
-                                        </p:cTn>
-                                        <p:tgtEl>
-                                          <p:spTgt spid="3">
-                                            <p:txEl>
-                                              <p:pRg st="2" end="2"/>
-                                            </p:txEl>
-                                          </p:spTgt>
-                                        </p:tgtEl>
-                                        <p:attrNameLst>
-                                          <p:attrName>style.visibility</p:attrName>
-                                        </p:attrNameLst>
-                                      </p:cBhvr>
-                                      <p:to>
-                                        <p:strVal val="visible"/>
-                                      </p:to>
-                                    </p:set>
-                                  </p:childTnLst>
-                                </p:cTn>
-                              </p:par>
-                            </p:childTnLst>
-                          </p:cTn>
-                        </p:par>
-                      </p:childTnLst>
-                    </p:cTn>
-                  </p:par>
-                  <p:par>
-                    <p:cTn id="15" fill="hold">
-                      <p:stCondLst>
-                        <p:cond delay="indefinite"/>
-                      </p:stCondLst>
-                      <p:childTnLst>
-                        <p:par>
-                          <p:cTn id="16" fill="hold">
-                            <p:stCondLst>
-                              <p:cond delay="0"/>
-                            </p:stCondLst>
-                            <p:childTnLst>
-                              <p:par>
-                                <p:cTn id="17" presetID="1" presetClass="entr" presetSubtype="0" fill="hold" grpId="0" nodeType="clickEffect">
-                                  <p:stCondLst>
-                                    <p:cond delay="0"/>
-                                  </p:stCondLst>
-                                  <p:childTnLst>
-                                    <p:set>
-                                      <p:cBhvr>
-                                        <p:cTn id="18" dur="1" fill="hold">
-                                          <p:stCondLst>
-                                            <p:cond delay="0"/>
-                                          </p:stCondLst>
-                                        </p:cTn>
-                                        <p:tgtEl>
-                                          <p:spTgt spid="3">
-                                            <p:txEl>
-                                              <p:pRg st="3" end="3"/>
-                                            </p:txEl>
-                                          </p:spTgt>
-                                        </p:tgtEl>
-                                        <p:attrNameLst>
-                                          <p:attrName>style.visibility</p:attrName>
-                                        </p:attrNameLst>
-                                      </p:cBhvr>
-                                      <p:to>
-                                        <p:strVal val="visible"/>
-                                      </p:to>
-                                    </p:set>
-                                  </p:childTnLst>
-                                </p:cTn>
-                              </p:par>
-                            </p:childTnLst>
-                          </p:cTn>
-                        </p:par>
-                      </p:childTnLst>
-                    </p:cTn>
-                  </p:par>
-                  <p:par>
-                    <p:cTn id="19" fill="hold">
-                      <p:stCondLst>
-                        <p:cond delay="indefinite"/>
-                      </p:stCondLst>
-                      <p:childTnLst>
-                        <p:par>
-                          <p:cTn id="20" fill="hold">
-                            <p:stCondLst>
-                              <p:cond delay="0"/>
-                            </p:stCondLst>
-                            <p:childTnLst>
-                              <p:par>
-                                <p:cTn id="21" presetID="1" presetClass="entr" presetSubtype="0" fill="hold" grpId="0" nodeType="clickEffect">
-                                  <p:stCondLst>
-                                    <p:cond delay="0"/>
-                                  </p:stCondLst>
-                                  <p:childTnLst>
-                                    <p:set>
-                                      <p:cBhvr>
-                                        <p:cTn id="22" dur="1" fill="hold">
-                                          <p:stCondLst>
-                                            <p:cond delay="0"/>
-                                          </p:stCondLst>
-                                        </p:cTn>
-                                        <p:tgtEl>
-                                          <p:spTgt spid="3">
-                                            <p:txEl>
-                                              <p:pRg st="4" end="4"/>
-                                            </p:txEl>
-                                          </p:spTgt>
-                                        </p:tgtEl>
-                                        <p:attrNameLst>
-                                          <p:attrName>style.visibility</p:attrName>
-                                        </p:attrNameLst>
-                                      </p:cBhvr>
-                                      <p:to>
-                                        <p:strVal val="visible"/>
-                                      </p:to>
-                                    </p:set>
-                                  </p:childTnLst>
-                                </p:cTn>
-                              </p:par>
-                            </p:childTnLst>
-                          </p:cTn>
-                        </p:par>
-                      </p:childTnLst>
-                    </p:cTn>
-                  </p:par>
-                  <p:par>
-                    <p:cTn id="23" fill="hold">
-                      <p:stCondLst>
-                        <p:cond delay="indefinite"/>
-                      </p:stCondLst>
-                      <p:childTnLst>
-                        <p:par>
-                          <p:cTn id="24" fill="hold">
-                            <p:stCondLst>
-                              <p:cond delay="0"/>
-                            </p:stCondLst>
-                            <p:childTnLst>
-                              <p:par>
-                                <p:cTn id="25" presetID="1" presetClass="entr" presetSubtype="0" fill="hold" grpId="0" nodeType="clickEffect">
-                                  <p:stCondLst>
-                                    <p:cond delay="0"/>
-                                  </p:stCondLst>
-                                  <p:childTnLst>
-                                    <p:set>
-                                      <p:cBhvr>
-                                        <p:cTn id="26" dur="1" fill="hold">
-                                          <p:stCondLst>
-                                            <p:cond delay="0"/>
-                                          </p:stCondLst>
-                                        </p:cTn>
-                                        <p:tgtEl>
-                                          <p:spTgt spid="3">
-                                            <p:txEl>
-                                              <p:pRg st="5" end="5"/>
-                                            </p:txEl>
-                                          </p:spTgt>
-                                        </p:tgtEl>
-                                        <p:attrNameLst>
-                                          <p:attrName>style.visibility</p:attrName>
-                                        </p:attrNameLst>
-                                      </p:cBhvr>
-                                      <p:to>
-                                        <p:strVal val="visible"/>
-                                      </p:to>
-                                    </p:set>
-                                  </p:childTnLst>
-                                </p:cTn>
-                              </p:par>
-                            </p:childTnLst>
-                          </p:cTn>
-                        </p:par>
-                      </p:childTnLst>
-                    </p:cTn>
-                  </p:par>
-                </p:childTnLst>
-              </p:cTn>
-              <p:prevCondLst>
-                <p:cond evt="onPrev" delay="0">
-                  <p:tgtEl>
-                    <p:sldTgt/>
-                  </p:tgtEl>
-                </p:cond>
-              </p:prevCondLst>
-              <p:nextCondLst>
-                <p:cond evt="onNext" delay="0">
-                  <p:tgtEl>
-                    <p:sldTgt/>
-                  </p:tgtEl>
-                </p:cond>
-              </p:nextCondLst>
-            </p:seq>
-          </p:childTnLst>
-        </p:cTn>
-      </p:par>
-    </p:tnLst>
-    <p:bldLst>
-      <p:bldP spid="3" grpId="0" build="p"/>
-    </p:bldLst>
-  </p:timing>
-</p:sld>
-</file>
-
-<file path=ppt/slides/slide34.xml><?xml version="1.0" encoding="utf-8"?>
-<p:sld xmlns:a="http://schemas.openxmlformats.org/drawingml/2006/main" xmlns:r="http://schemas.openxmlformats.org/officeDocument/2006/relationships" xmlns:mc="http://schemas.openxmlformats.org/markup-compatibility/2006" xmlns:mv="urn:schemas-microsoft-com:mac:vml" xmlns:p="http://schemas.openxmlformats.org/presentationml/2006/main" mc:Ignorable="mv" mc:PreserveAttributes="mv:*">
-  <p:cSld>
-    <p:spTree>
-      <p:nvGrpSpPr>
-        <p:cNvPr id="1" name=""/>
-        <p:cNvGrpSpPr/>
-        <p:nvPr/>
-      </p:nvGrpSpPr>
-      <p:grpSpPr>
-        <a:xfrm>
-          <a:off x="0" y="0"/>
-          <a:ext cx="0" cy="0"/>
-          <a:chOff x="0" y="0"/>
-          <a:chExt cx="0" cy="0"/>
-        </a:xfrm>
-      </p:grpSpPr>
-      <p:sp>
-        <p:nvSpPr>
-          <p:cNvPr id="2" name="Title 1"/>
-          <p:cNvSpPr>
-            <a:spLocks noGrp="1"/>
-          </p:cNvSpPr>
-          <p:nvPr>
-            <p:ph type="title"/>
-          </p:nvPr>
-        </p:nvSpPr>
-        <p:spPr/>
-        <p:txBody>
           <a:bodyPr>
             <a:normAutofit/>
           </a:bodyPr>
@@ -29476,7 +28133,7 @@
             <a:fld id="{30E74574-7699-BE4C-8F08-804282B6DBB8}" type="slidenum">
               <a:rPr lang="en-US" smtClean="0"/>
               <a:pPr/>
-              <a:t>33</a:t>
+              <a:t>29</a:t>
             </a:fld>
             <a:endParaRPr lang="en-US"/>
           </a:p>
@@ -29623,7 +28280,7 @@
 </p:sld>
 </file>
 
-<file path=ppt/slides/slide35.xml><?xml version="1.0" encoding="utf-8"?>
+<file path=ppt/slides/slide31.xml><?xml version="1.0" encoding="utf-8"?>
 <p:sld xmlns:a="http://schemas.openxmlformats.org/drawingml/2006/main" xmlns:r="http://schemas.openxmlformats.org/officeDocument/2006/relationships" xmlns:mc="http://schemas.openxmlformats.org/markup-compatibility/2006" xmlns:mv="urn:schemas-microsoft-com:mac:vml" xmlns:p="http://schemas.openxmlformats.org/presentationml/2006/main" mc:Ignorable="mv" mc:PreserveAttributes="mv:*">
   <p:cSld>
     <p:spTree>
@@ -29971,7 +28628,7 @@
             <a:fld id="{30E74574-7699-BE4C-8F08-804282B6DBB8}" type="slidenum">
               <a:rPr lang="en-US" smtClean="0"/>
               <a:pPr/>
-              <a:t>34</a:t>
+              <a:t>30</a:t>
             </a:fld>
             <a:endParaRPr lang="en-US"/>
           </a:p>
@@ -29992,7 +28649,7 @@
 </p:sld>
 </file>
 
-<file path=ppt/slides/slide36.xml><?xml version="1.0" encoding="utf-8"?>
+<file path=ppt/slides/slide32.xml><?xml version="1.0" encoding="utf-8"?>
 <p:sld xmlns:a="http://schemas.openxmlformats.org/drawingml/2006/main" xmlns:r="http://schemas.openxmlformats.org/officeDocument/2006/relationships" xmlns:mc="http://schemas.openxmlformats.org/markup-compatibility/2006" xmlns:mv="urn:schemas-microsoft-com:mac:vml" xmlns:p="http://schemas.openxmlformats.org/presentationml/2006/main" mc:Ignorable="mv" mc:PreserveAttributes="mv:*">
   <p:cSld>
     <p:spTree>
@@ -30086,7 +28743,7 @@
             <a:fld id="{30E74574-7699-BE4C-8F08-804282B6DBB8}" type="slidenum">
               <a:rPr lang="en-US" smtClean="0"/>
               <a:pPr/>
-              <a:t>35</a:t>
+              <a:t>31</a:t>
             </a:fld>
             <a:endParaRPr lang="en-US"/>
           </a:p>
@@ -30107,7 +28764,7 @@
 </p:sld>
 </file>
 
-<file path=ppt/slides/slide37.xml><?xml version="1.0" encoding="utf-8"?>
+<file path=ppt/slides/slide33.xml><?xml version="1.0" encoding="utf-8"?>
 <p:sld xmlns:a="http://schemas.openxmlformats.org/drawingml/2006/main" xmlns:r="http://schemas.openxmlformats.org/officeDocument/2006/relationships" xmlns:mc="http://schemas.openxmlformats.org/markup-compatibility/2006" xmlns:mv="urn:schemas-microsoft-com:mac:vml" xmlns:p="http://schemas.openxmlformats.org/presentationml/2006/main" mc:Ignorable="mv" mc:PreserveAttributes="mv:*">
   <p:cSld>
     <p:spTree>
@@ -30221,7 +28878,7 @@
             <a:fld id="{30E74574-7699-BE4C-8F08-804282B6DBB8}" type="slidenum">
               <a:rPr lang="en-US" smtClean="0"/>
               <a:pPr/>
-              <a:t>36</a:t>
+              <a:t>32</a:t>
             </a:fld>
             <a:endParaRPr lang="en-US"/>
           </a:p>
@@ -30242,7 +28899,7 @@
 </p:sld>
 </file>
 
-<file path=ppt/slides/slide38.xml><?xml version="1.0" encoding="utf-8"?>
+<file path=ppt/slides/slide34.xml><?xml version="1.0" encoding="utf-8"?>
 <p:sld xmlns:a="http://schemas.openxmlformats.org/drawingml/2006/main" xmlns:r="http://schemas.openxmlformats.org/officeDocument/2006/relationships" xmlns:mc="http://schemas.openxmlformats.org/markup-compatibility/2006" xmlns:mv="urn:schemas-microsoft-com:mac:vml" xmlns:p="http://schemas.openxmlformats.org/presentationml/2006/main" mc:Ignorable="mv" mc:PreserveAttributes="mv:*">
   <p:cSld>
     <p:spTree>
@@ -30345,7 +29002,7 @@
             <a:fld id="{30E74574-7699-BE4C-8F08-804282B6DBB8}" type="slidenum">
               <a:rPr lang="en-US" smtClean="0"/>
               <a:pPr/>
-              <a:t>37</a:t>
+              <a:t>33</a:t>
             </a:fld>
             <a:endParaRPr lang="en-US"/>
           </a:p>
@@ -30591,7 +29248,7 @@
 </p:sld>
 </file>
 
-<file path=ppt/slides/slide39.xml><?xml version="1.0" encoding="utf-8"?>
+<file path=ppt/slides/slide35.xml><?xml version="1.0" encoding="utf-8"?>
 <p:sld xmlns:a="http://schemas.openxmlformats.org/drawingml/2006/main" xmlns:r="http://schemas.openxmlformats.org/officeDocument/2006/relationships" xmlns:mc="http://schemas.openxmlformats.org/markup-compatibility/2006" xmlns:mv="urn:schemas-microsoft-com:mac:vml" xmlns:p="http://schemas.openxmlformats.org/presentationml/2006/main" mc:Ignorable="mv" mc:PreserveAttributes="mv:*">
   <p:cSld>
     <p:spTree>
@@ -30686,7 +29343,7 @@
             <a:fld id="{30E74574-7699-BE4C-8F08-804282B6DBB8}" type="slidenum">
               <a:rPr lang="en-US" smtClean="0"/>
               <a:pPr/>
-              <a:t>38</a:t>
+              <a:t>34</a:t>
             </a:fld>
             <a:endParaRPr lang="en-US"/>
           </a:p>
@@ -30883,7 +29540,7 @@
 </p:sld>
 </file>
 
-<file path=ppt/slides/slide4.xml><?xml version="1.0" encoding="utf-8"?>
+<file path=ppt/slides/slide36.xml><?xml version="1.0" encoding="utf-8"?>
 <p:sld xmlns:a="http://schemas.openxmlformats.org/drawingml/2006/main" xmlns:r="http://schemas.openxmlformats.org/officeDocument/2006/relationships" xmlns:mc="http://schemas.openxmlformats.org/markup-compatibility/2006" xmlns:mv="urn:schemas-microsoft-com:mac:vml" xmlns:p="http://schemas.openxmlformats.org/presentationml/2006/main" mc:Ignorable="mv" mc:PreserveAttributes="mv:*">
   <p:cSld>
     <p:spTree>
@@ -30917,814 +29574,6 @@
           <a:p>
             <a:r>
               <a:rPr lang="en-US" dirty="0" smtClean="0"/>
-              <a:t>Goal</a:t>
-            </a:r>
-            <a:endParaRPr lang="en-US" dirty="0"/>
-          </a:p>
-        </p:txBody>
-      </p:sp>
-      <p:sp>
-        <p:nvSpPr>
-          <p:cNvPr id="3" name="Content Placeholder 2"/>
-          <p:cNvSpPr>
-            <a:spLocks noGrp="1"/>
-          </p:cNvSpPr>
-          <p:nvPr>
-            <p:ph sz="half" idx="1"/>
-          </p:nvPr>
-        </p:nvSpPr>
-        <p:spPr>
-          <a:xfrm>
-            <a:off x="457199" y="1600200"/>
-            <a:ext cx="4272455" cy="4863662"/>
-          </a:xfrm>
-        </p:spPr>
-        <p:txBody>
-          <a:bodyPr>
-            <a:normAutofit fontScale="92500"/>
-          </a:bodyPr>
-          <a:lstStyle/>
-          <a:p>
-            <a:r>
-              <a:rPr lang="en-US" dirty="0" smtClean="0"/>
-              <a:t>Improve data processing speed and accuracy</a:t>
-            </a:r>
-          </a:p>
-          <a:p>
-            <a:r>
-              <a:rPr lang="en-US" dirty="0" smtClean="0"/>
-              <a:t>Initial focus on alignment</a:t>
-            </a:r>
-          </a:p>
-          <a:p>
-            <a:pPr lvl="1"/>
-            <a:r>
-              <a:rPr lang="en-US" dirty="0" smtClean="0"/>
-              <a:t>Expensive =&gt; good target for speedup</a:t>
-            </a:r>
-          </a:p>
-          <a:p>
-            <a:pPr lvl="1"/>
-            <a:r>
-              <a:rPr lang="en-US" dirty="0" smtClean="0"/>
-              <a:t>First step in pipeline =&gt; mistakes can lead to bad decisions later on (e.g., spurious SNP calls)</a:t>
-            </a:r>
-          </a:p>
-          <a:p>
-            <a:r>
-              <a:rPr lang="en-US" dirty="0" smtClean="0"/>
-              <a:t>Plans to leverage lessons from alignment to improve later stages of pipeline</a:t>
-            </a:r>
-          </a:p>
-        </p:txBody>
-      </p:sp>
-      <p:grpSp>
-        <p:nvGrpSpPr>
-          <p:cNvPr id="18" name="Group 17"/>
-          <p:cNvGrpSpPr/>
-          <p:nvPr/>
-        </p:nvGrpSpPr>
-        <p:grpSpPr>
-          <a:xfrm>
-            <a:off x="5736909" y="543652"/>
-            <a:ext cx="2949891" cy="5812570"/>
-            <a:chOff x="3135085" y="543652"/>
-            <a:chExt cx="2949891" cy="5812570"/>
-          </a:xfrm>
-        </p:grpSpPr>
-        <p:sp>
-          <p:nvSpPr>
-            <p:cNvPr id="19" name="Rounded Rectangle 18"/>
-            <p:cNvSpPr/>
-            <p:nvPr/>
-          </p:nvSpPr>
-          <p:spPr>
-            <a:xfrm>
-              <a:off x="3135085" y="1693544"/>
-              <a:ext cx="2949891" cy="633932"/>
-            </a:xfrm>
-            <a:prstGeom prst="roundRect">
-              <a:avLst/>
-            </a:prstGeom>
-          </p:spPr>
-          <p:style>
-            <a:lnRef idx="1">
-              <a:schemeClr val="accent1"/>
-            </a:lnRef>
-            <a:fillRef idx="3">
-              <a:schemeClr val="accent1"/>
-            </a:fillRef>
-            <a:effectRef idx="2">
-              <a:schemeClr val="accent1"/>
-            </a:effectRef>
-            <a:fontRef idx="minor">
-              <a:schemeClr val="lt1"/>
-            </a:fontRef>
-          </p:style>
-          <p:txBody>
-            <a:bodyPr rtlCol="0" anchor="ctr"/>
-            <a:lstStyle/>
-            <a:p>
-              <a:pPr algn="ctr"/>
-              <a:endParaRPr lang="en-US"/>
-            </a:p>
-          </p:txBody>
-        </p:sp>
-        <p:sp>
-          <p:nvSpPr>
-            <p:cNvPr id="20" name="Rounded Rectangle 19"/>
-            <p:cNvSpPr/>
-            <p:nvPr/>
-          </p:nvSpPr>
-          <p:spPr>
-            <a:xfrm>
-              <a:off x="3135085" y="3155692"/>
-              <a:ext cx="2949891" cy="628159"/>
-            </a:xfrm>
-            <a:prstGeom prst="roundRect">
-              <a:avLst/>
-            </a:prstGeom>
-          </p:spPr>
-          <p:style>
-            <a:lnRef idx="1">
-              <a:schemeClr val="accent1"/>
-            </a:lnRef>
-            <a:fillRef idx="3">
-              <a:schemeClr val="accent1"/>
-            </a:fillRef>
-            <a:effectRef idx="2">
-              <a:schemeClr val="accent1"/>
-            </a:effectRef>
-            <a:fontRef idx="minor">
-              <a:schemeClr val="lt1"/>
-            </a:fontRef>
-          </p:style>
-          <p:txBody>
-            <a:bodyPr rtlCol="0" anchor="ctr"/>
-            <a:lstStyle/>
-            <a:p>
-              <a:pPr algn="ctr"/>
-              <a:endParaRPr lang="en-US"/>
-            </a:p>
-          </p:txBody>
-        </p:sp>
-        <p:sp>
-          <p:nvSpPr>
-            <p:cNvPr id="21" name="Rounded Rectangle 20"/>
-            <p:cNvSpPr/>
-            <p:nvPr/>
-          </p:nvSpPr>
-          <p:spPr>
-            <a:xfrm>
-              <a:off x="3135085" y="4610972"/>
-              <a:ext cx="2949891" cy="641389"/>
-            </a:xfrm>
-            <a:prstGeom prst="roundRect">
-              <a:avLst/>
-            </a:prstGeom>
-          </p:spPr>
-          <p:style>
-            <a:lnRef idx="1">
-              <a:schemeClr val="accent1"/>
-            </a:lnRef>
-            <a:fillRef idx="3">
-              <a:schemeClr val="accent1"/>
-            </a:fillRef>
-            <a:effectRef idx="2">
-              <a:schemeClr val="accent1"/>
-            </a:effectRef>
-            <a:fontRef idx="minor">
-              <a:schemeClr val="lt1"/>
-            </a:fontRef>
-          </p:style>
-          <p:txBody>
-            <a:bodyPr rtlCol="0" anchor="ctr"/>
-            <a:lstStyle/>
-            <a:p>
-              <a:pPr algn="ctr"/>
-              <a:endParaRPr lang="en-US"/>
-            </a:p>
-          </p:txBody>
-        </p:sp>
-        <p:sp>
-          <p:nvSpPr>
-            <p:cNvPr id="22" name="Down Arrow 21"/>
-            <p:cNvSpPr/>
-            <p:nvPr/>
-          </p:nvSpPr>
-          <p:spPr>
-            <a:xfrm>
-              <a:off x="4325625" y="2434410"/>
-              <a:ext cx="582041" cy="635030"/>
-            </a:xfrm>
-            <a:prstGeom prst="downArrow">
-              <a:avLst/>
-            </a:prstGeom>
-          </p:spPr>
-          <p:style>
-            <a:lnRef idx="1">
-              <a:schemeClr val="accent1"/>
-            </a:lnRef>
-            <a:fillRef idx="3">
-              <a:schemeClr val="accent1"/>
-            </a:fillRef>
-            <a:effectRef idx="2">
-              <a:schemeClr val="accent1"/>
-            </a:effectRef>
-            <a:fontRef idx="minor">
-              <a:schemeClr val="lt1"/>
-            </a:fontRef>
-          </p:style>
-          <p:txBody>
-            <a:bodyPr rtlCol="0" anchor="ctr"/>
-            <a:lstStyle/>
-            <a:p>
-              <a:pPr algn="ctr"/>
-              <a:endParaRPr lang="en-US"/>
-            </a:p>
-          </p:txBody>
-        </p:sp>
-        <p:sp>
-          <p:nvSpPr>
-            <p:cNvPr id="23" name="Down Arrow 22"/>
-            <p:cNvSpPr/>
-            <p:nvPr/>
-          </p:nvSpPr>
-          <p:spPr>
-            <a:xfrm>
-              <a:off x="4325625" y="3883332"/>
-              <a:ext cx="582041" cy="635030"/>
-            </a:xfrm>
-            <a:prstGeom prst="downArrow">
-              <a:avLst/>
-            </a:prstGeom>
-          </p:spPr>
-          <p:style>
-            <a:lnRef idx="1">
-              <a:schemeClr val="accent1"/>
-            </a:lnRef>
-            <a:fillRef idx="3">
-              <a:schemeClr val="accent1"/>
-            </a:fillRef>
-            <a:effectRef idx="2">
-              <a:schemeClr val="accent1"/>
-            </a:effectRef>
-            <a:fontRef idx="minor">
-              <a:schemeClr val="lt1"/>
-            </a:fontRef>
-          </p:style>
-          <p:txBody>
-            <a:bodyPr rtlCol="0" anchor="ctr"/>
-            <a:lstStyle/>
-            <a:p>
-              <a:pPr algn="ctr"/>
-              <a:endParaRPr lang="en-US"/>
-            </a:p>
-          </p:txBody>
-        </p:sp>
-        <p:sp>
-          <p:nvSpPr>
-            <p:cNvPr id="24" name="TextBox 23"/>
-            <p:cNvSpPr txBox="1"/>
-            <p:nvPr/>
-          </p:nvSpPr>
-          <p:spPr>
-            <a:xfrm>
-              <a:off x="3135085" y="1825844"/>
-              <a:ext cx="2949891" cy="369332"/>
-            </a:xfrm>
-            <a:prstGeom prst="rect">
-              <a:avLst/>
-            </a:prstGeom>
-            <a:noFill/>
-          </p:spPr>
-          <p:txBody>
-            <a:bodyPr wrap="square" rtlCol="0">
-              <a:spAutoFit/>
-            </a:bodyPr>
-            <a:lstStyle/>
-            <a:p>
-              <a:pPr algn="ctr"/>
-              <a:r>
-                <a:rPr lang="en-US" dirty="0" smtClean="0"/>
-                <a:t>Read Alignment</a:t>
-              </a:r>
-              <a:endParaRPr lang="en-US" dirty="0"/>
-            </a:p>
-          </p:txBody>
-        </p:sp>
-        <p:sp>
-          <p:nvSpPr>
-            <p:cNvPr id="25" name="TextBox 24"/>
-            <p:cNvSpPr txBox="1"/>
-            <p:nvPr/>
-          </p:nvSpPr>
-          <p:spPr>
-            <a:xfrm>
-              <a:off x="3135085" y="3295449"/>
-              <a:ext cx="2949891" cy="369332"/>
-            </a:xfrm>
-            <a:prstGeom prst="rect">
-              <a:avLst/>
-            </a:prstGeom>
-            <a:noFill/>
-          </p:spPr>
-          <p:txBody>
-            <a:bodyPr wrap="square" rtlCol="0">
-              <a:spAutoFit/>
-            </a:bodyPr>
-            <a:lstStyle/>
-            <a:p>
-              <a:pPr algn="ctr"/>
-              <a:r>
-                <a:rPr lang="en-US" dirty="0" smtClean="0"/>
-                <a:t>SNP Calling</a:t>
-              </a:r>
-              <a:endParaRPr lang="en-US" dirty="0"/>
-            </a:p>
-          </p:txBody>
-        </p:sp>
-        <p:sp>
-          <p:nvSpPr>
-            <p:cNvPr id="26" name="TextBox 25"/>
-            <p:cNvSpPr txBox="1"/>
-            <p:nvPr/>
-          </p:nvSpPr>
-          <p:spPr>
-            <a:xfrm>
-              <a:off x="3135085" y="4763955"/>
-              <a:ext cx="2949891" cy="369332"/>
-            </a:xfrm>
-            <a:prstGeom prst="rect">
-              <a:avLst/>
-            </a:prstGeom>
-            <a:noFill/>
-          </p:spPr>
-          <p:txBody>
-            <a:bodyPr wrap="square" rtlCol="0">
-              <a:spAutoFit/>
-            </a:bodyPr>
-            <a:lstStyle/>
-            <a:p>
-              <a:pPr algn="ctr"/>
-              <a:r>
-                <a:rPr lang="en-US" dirty="0" smtClean="0"/>
-                <a:t>Structural Variant Detection</a:t>
-              </a:r>
-              <a:endParaRPr lang="en-US" dirty="0"/>
-            </a:p>
-          </p:txBody>
-        </p:sp>
-        <p:sp>
-          <p:nvSpPr>
-            <p:cNvPr id="27" name="Down Arrow 26"/>
-            <p:cNvSpPr/>
-            <p:nvPr/>
-          </p:nvSpPr>
-          <p:spPr>
-            <a:xfrm>
-              <a:off x="4325625" y="5344136"/>
-              <a:ext cx="582041" cy="635030"/>
-            </a:xfrm>
-            <a:prstGeom prst="downArrow">
-              <a:avLst/>
-            </a:prstGeom>
-          </p:spPr>
-          <p:style>
-            <a:lnRef idx="1">
-              <a:schemeClr val="accent1"/>
-            </a:lnRef>
-            <a:fillRef idx="3">
-              <a:schemeClr val="accent1"/>
-            </a:fillRef>
-            <a:effectRef idx="2">
-              <a:schemeClr val="accent1"/>
-            </a:effectRef>
-            <a:fontRef idx="minor">
-              <a:schemeClr val="lt1"/>
-            </a:fontRef>
-          </p:style>
-          <p:txBody>
-            <a:bodyPr rtlCol="0" anchor="ctr"/>
-            <a:lstStyle/>
-            <a:p>
-              <a:pPr algn="ctr"/>
-              <a:endParaRPr lang="en-US"/>
-            </a:p>
-          </p:txBody>
-        </p:sp>
-        <p:sp>
-          <p:nvSpPr>
-            <p:cNvPr id="28" name="Down Arrow 27"/>
-            <p:cNvSpPr/>
-            <p:nvPr/>
-          </p:nvSpPr>
-          <p:spPr>
-            <a:xfrm>
-              <a:off x="4325625" y="992364"/>
-              <a:ext cx="582041" cy="635030"/>
-            </a:xfrm>
-            <a:prstGeom prst="downArrow">
-              <a:avLst/>
-            </a:prstGeom>
-          </p:spPr>
-          <p:style>
-            <a:lnRef idx="1">
-              <a:schemeClr val="accent1"/>
-            </a:lnRef>
-            <a:fillRef idx="3">
-              <a:schemeClr val="accent1"/>
-            </a:fillRef>
-            <a:effectRef idx="2">
-              <a:schemeClr val="accent1"/>
-            </a:effectRef>
-            <a:fontRef idx="minor">
-              <a:schemeClr val="lt1"/>
-            </a:fontRef>
-          </p:style>
-          <p:txBody>
-            <a:bodyPr rtlCol="0" anchor="ctr"/>
-            <a:lstStyle/>
-            <a:p>
-              <a:pPr algn="ctr"/>
-              <a:endParaRPr lang="en-US"/>
-            </a:p>
-          </p:txBody>
-        </p:sp>
-        <p:sp>
-          <p:nvSpPr>
-            <p:cNvPr id="29" name="TextBox 28"/>
-            <p:cNvSpPr txBox="1"/>
-            <p:nvPr/>
-          </p:nvSpPr>
-          <p:spPr>
-            <a:xfrm>
-              <a:off x="3135085" y="5986890"/>
-              <a:ext cx="2949891" cy="369332"/>
-            </a:xfrm>
-            <a:prstGeom prst="rect">
-              <a:avLst/>
-            </a:prstGeom>
-            <a:noFill/>
-          </p:spPr>
-          <p:txBody>
-            <a:bodyPr wrap="square" rtlCol="0">
-              <a:spAutoFit/>
-            </a:bodyPr>
-            <a:lstStyle/>
-            <a:p>
-              <a:pPr algn="ctr"/>
-              <a:r>
-                <a:rPr lang="en-US" dirty="0" smtClean="0"/>
-                <a:t>Reconstructed Genome</a:t>
-              </a:r>
-              <a:endParaRPr lang="en-US" dirty="0"/>
-            </a:p>
-          </p:txBody>
-        </p:sp>
-        <p:sp>
-          <p:nvSpPr>
-            <p:cNvPr id="30" name="TextBox 29"/>
-            <p:cNvSpPr txBox="1"/>
-            <p:nvPr/>
-          </p:nvSpPr>
-          <p:spPr>
-            <a:xfrm>
-              <a:off x="3135085" y="543652"/>
-              <a:ext cx="2949891" cy="369332"/>
-            </a:xfrm>
-            <a:prstGeom prst="rect">
-              <a:avLst/>
-            </a:prstGeom>
-            <a:noFill/>
-          </p:spPr>
-          <p:txBody>
-            <a:bodyPr wrap="square" rtlCol="0">
-              <a:spAutoFit/>
-            </a:bodyPr>
-            <a:lstStyle/>
-            <a:p>
-              <a:pPr algn="ctr"/>
-              <a:r>
-                <a:rPr lang="en-US" dirty="0" smtClean="0"/>
-                <a:t>Reads</a:t>
-              </a:r>
-              <a:endParaRPr lang="en-US" dirty="0"/>
-            </a:p>
-          </p:txBody>
-        </p:sp>
-      </p:grpSp>
-      <p:sp>
-        <p:nvSpPr>
-          <p:cNvPr id="17" name="Slide Number Placeholder 16"/>
-          <p:cNvSpPr>
-            <a:spLocks noGrp="1"/>
-          </p:cNvSpPr>
-          <p:nvPr>
-            <p:ph type="sldNum" sz="quarter" idx="12"/>
-          </p:nvPr>
-        </p:nvSpPr>
-        <p:spPr/>
-        <p:txBody>
-          <a:bodyPr/>
-          <a:lstStyle/>
-          <a:p>
-            <a:fld id="{30E74574-7699-BE4C-8F08-804282B6DBB8}" type="slidenum">
-              <a:rPr lang="en-US" smtClean="0"/>
-              <a:pPr/>
-              <a:t>3</a:t>
-            </a:fld>
-            <a:endParaRPr lang="en-US"/>
-          </a:p>
-        </p:txBody>
-      </p:sp>
-    </p:spTree>
-  </p:cSld>
-  <p:clrMapOvr>
-    <a:masterClrMapping/>
-  </p:clrMapOvr>
-  <p:timing>
-    <p:tnLst>
-      <p:par>
-        <p:cTn id="1" dur="indefinite" restart="never" nodeType="tmRoot">
-          <p:childTnLst>
-            <p:seq concurrent="1" nextAc="seek">
-              <p:cTn id="2" dur="indefinite" nodeType="mainSeq">
-                <p:childTnLst>
-                  <p:par>
-                    <p:cTn id="3" fill="hold">
-                      <p:stCondLst>
-                        <p:cond delay="indefinite"/>
-                        <p:cond evt="onBegin" delay="0">
-                          <p:tn val="2"/>
-                        </p:cond>
-                      </p:stCondLst>
-                      <p:childTnLst>
-                        <p:par>
-                          <p:cTn id="4" fill="hold">
-                            <p:stCondLst>
-                              <p:cond delay="0"/>
-                            </p:stCondLst>
-                            <p:childTnLst>
-                              <p:par>
-                                <p:cTn id="5" presetID="1" presetClass="entr" presetSubtype="0" fill="hold" grpId="0" nodeType="withEffect">
-                                  <p:stCondLst>
-                                    <p:cond delay="0"/>
-                                  </p:stCondLst>
-                                  <p:childTnLst>
-                                    <p:set>
-                                      <p:cBhvr>
-                                        <p:cTn id="6" dur="1" fill="hold">
-                                          <p:stCondLst>
-                                            <p:cond delay="0"/>
-                                          </p:stCondLst>
-                                        </p:cTn>
-                                        <p:tgtEl>
-                                          <p:spTgt spid="3">
-                                            <p:txEl>
-                                              <p:pRg st="0" end="0"/>
-                                            </p:txEl>
-                                          </p:spTgt>
-                                        </p:tgtEl>
-                                        <p:attrNameLst>
-                                          <p:attrName>style.visibility</p:attrName>
-                                        </p:attrNameLst>
-                                      </p:cBhvr>
-                                      <p:to>
-                                        <p:strVal val="visible"/>
-                                      </p:to>
-                                    </p:set>
-                                  </p:childTnLst>
-                                </p:cTn>
-                              </p:par>
-                            </p:childTnLst>
-                          </p:cTn>
-                        </p:par>
-                      </p:childTnLst>
-                    </p:cTn>
-                  </p:par>
-                  <p:par>
-                    <p:cTn id="7" fill="hold">
-                      <p:stCondLst>
-                        <p:cond delay="indefinite"/>
-                      </p:stCondLst>
-                      <p:childTnLst>
-                        <p:par>
-                          <p:cTn id="8" fill="hold">
-                            <p:stCondLst>
-                              <p:cond delay="0"/>
-                            </p:stCondLst>
-                            <p:childTnLst>
-                              <p:par>
-                                <p:cTn id="9" presetID="1" presetClass="entr" presetSubtype="0" fill="hold" grpId="0" nodeType="clickEffect">
-                                  <p:stCondLst>
-                                    <p:cond delay="0"/>
-                                  </p:stCondLst>
-                                  <p:childTnLst>
-                                    <p:set>
-                                      <p:cBhvr>
-                                        <p:cTn id="10" dur="1" fill="hold">
-                                          <p:stCondLst>
-                                            <p:cond delay="0"/>
-                                          </p:stCondLst>
-                                        </p:cTn>
-                                        <p:tgtEl>
-                                          <p:spTgt spid="3">
-                                            <p:txEl>
-                                              <p:pRg st="1" end="1"/>
-                                            </p:txEl>
-                                          </p:spTgt>
-                                        </p:tgtEl>
-                                        <p:attrNameLst>
-                                          <p:attrName>style.visibility</p:attrName>
-                                        </p:attrNameLst>
-                                      </p:cBhvr>
-                                      <p:to>
-                                        <p:strVal val="visible"/>
-                                      </p:to>
-                                    </p:set>
-                                  </p:childTnLst>
-                                </p:cTn>
-                              </p:par>
-                              <p:par>
-                                <p:cTn id="11" presetID="1" presetClass="entr" presetSubtype="0" fill="hold" grpId="0" nodeType="withEffect">
-                                  <p:stCondLst>
-                                    <p:cond delay="0"/>
-                                  </p:stCondLst>
-                                  <p:childTnLst>
-                                    <p:set>
-                                      <p:cBhvr>
-                                        <p:cTn id="12" dur="1" fill="hold">
-                                          <p:stCondLst>
-                                            <p:cond delay="0"/>
-                                          </p:stCondLst>
-                                        </p:cTn>
-                                        <p:tgtEl>
-                                          <p:spTgt spid="3">
-                                            <p:txEl>
-                                              <p:pRg st="2" end="2"/>
-                                            </p:txEl>
-                                          </p:spTgt>
-                                        </p:tgtEl>
-                                        <p:attrNameLst>
-                                          <p:attrName>style.visibility</p:attrName>
-                                        </p:attrNameLst>
-                                      </p:cBhvr>
-                                      <p:to>
-                                        <p:strVal val="visible"/>
-                                      </p:to>
-                                    </p:set>
-                                  </p:childTnLst>
-                                </p:cTn>
-                              </p:par>
-                              <p:par>
-                                <p:cTn id="13" presetID="1" presetClass="entr" presetSubtype="0" fill="hold" grpId="0" nodeType="withEffect">
-                                  <p:stCondLst>
-                                    <p:cond delay="0"/>
-                                  </p:stCondLst>
-                                  <p:childTnLst>
-                                    <p:set>
-                                      <p:cBhvr>
-                                        <p:cTn id="14" dur="1" fill="hold">
-                                          <p:stCondLst>
-                                            <p:cond delay="0"/>
-                                          </p:stCondLst>
-                                        </p:cTn>
-                                        <p:tgtEl>
-                                          <p:spTgt spid="3">
-                                            <p:txEl>
-                                              <p:pRg st="3" end="3"/>
-                                            </p:txEl>
-                                          </p:spTgt>
-                                        </p:tgtEl>
-                                        <p:attrNameLst>
-                                          <p:attrName>style.visibility</p:attrName>
-                                        </p:attrNameLst>
-                                      </p:cBhvr>
-                                      <p:to>
-                                        <p:strVal val="visible"/>
-                                      </p:to>
-                                    </p:set>
-                                  </p:childTnLst>
-                                </p:cTn>
-                              </p:par>
-                            </p:childTnLst>
-                          </p:cTn>
-                        </p:par>
-                      </p:childTnLst>
-                    </p:cTn>
-                  </p:par>
-                  <p:par>
-                    <p:cTn id="15" fill="hold">
-                      <p:stCondLst>
-                        <p:cond delay="indefinite"/>
-                      </p:stCondLst>
-                      <p:childTnLst>
-                        <p:par>
-                          <p:cTn id="16" fill="hold">
-                            <p:stCondLst>
-                              <p:cond delay="0"/>
-                            </p:stCondLst>
-                            <p:childTnLst>
-                              <p:par>
-                                <p:cTn id="17" presetID="1" presetClass="entr" presetSubtype="0" fill="hold" grpId="0" nodeType="clickEffect">
-                                  <p:stCondLst>
-                                    <p:cond delay="0"/>
-                                  </p:stCondLst>
-                                  <p:childTnLst>
-                                    <p:set>
-                                      <p:cBhvr>
-                                        <p:cTn id="18" dur="1" fill="hold">
-                                          <p:stCondLst>
-                                            <p:cond delay="0"/>
-                                          </p:stCondLst>
-                                        </p:cTn>
-                                        <p:tgtEl>
-                                          <p:spTgt spid="3">
-                                            <p:txEl>
-                                              <p:pRg st="4" end="4"/>
-                                            </p:txEl>
-                                          </p:spTgt>
-                                        </p:tgtEl>
-                                        <p:attrNameLst>
-                                          <p:attrName>style.visibility</p:attrName>
-                                        </p:attrNameLst>
-                                      </p:cBhvr>
-                                      <p:to>
-                                        <p:strVal val="visible"/>
-                                      </p:to>
-                                    </p:set>
-                                  </p:childTnLst>
-                                </p:cTn>
-                              </p:par>
-                            </p:childTnLst>
-                          </p:cTn>
-                        </p:par>
-                      </p:childTnLst>
-                    </p:cTn>
-                  </p:par>
-                </p:childTnLst>
-              </p:cTn>
-              <p:prevCondLst>
-                <p:cond evt="onPrev" delay="0">
-                  <p:tgtEl>
-                    <p:sldTgt/>
-                  </p:tgtEl>
-                </p:cond>
-              </p:prevCondLst>
-              <p:nextCondLst>
-                <p:cond evt="onNext" delay="0">
-                  <p:tgtEl>
-                    <p:sldTgt/>
-                  </p:tgtEl>
-                </p:cond>
-              </p:nextCondLst>
-            </p:seq>
-          </p:childTnLst>
-        </p:cTn>
-      </p:par>
-    </p:tnLst>
-    <p:bldLst>
-      <p:bldP spid="3" grpId="0" build="p"/>
-    </p:bldLst>
-  </p:timing>
-</p:sld>
-</file>
-
-<file path=ppt/slides/slide40.xml><?xml version="1.0" encoding="utf-8"?>
-<p:sld xmlns:a="http://schemas.openxmlformats.org/drawingml/2006/main" xmlns:r="http://schemas.openxmlformats.org/officeDocument/2006/relationships" xmlns:mc="http://schemas.openxmlformats.org/markup-compatibility/2006" xmlns:mv="urn:schemas-microsoft-com:mac:vml" xmlns:p="http://schemas.openxmlformats.org/presentationml/2006/main" mc:Ignorable="mv" mc:PreserveAttributes="mv:*">
-  <p:cSld>
-    <p:spTree>
-      <p:nvGrpSpPr>
-        <p:cNvPr id="1" name=""/>
-        <p:cNvGrpSpPr/>
-        <p:nvPr/>
-      </p:nvGrpSpPr>
-      <p:grpSpPr>
-        <a:xfrm>
-          <a:off x="0" y="0"/>
-          <a:ext cx="0" cy="0"/>
-          <a:chOff x="0" y="0"/>
-          <a:chExt cx="0" cy="0"/>
-        </a:xfrm>
-      </p:grpSpPr>
-      <p:sp>
-        <p:nvSpPr>
-          <p:cNvPr id="2" name="Title 1"/>
-          <p:cNvSpPr>
-            <a:spLocks noGrp="1"/>
-          </p:cNvSpPr>
-          <p:nvPr>
-            <p:ph type="title"/>
-          </p:nvPr>
-        </p:nvSpPr>
-        <p:spPr/>
-        <p:txBody>
-          <a:bodyPr/>
-          <a:lstStyle/>
-          <a:p>
-            <a:r>
-              <a:rPr lang="en-US" dirty="0" smtClean="0"/>
               <a:t>MAPQ</a:t>
             </a:r>
             <a:endParaRPr lang="en-US" dirty="0"/>
@@ -31822,7 +29671,7 @@
             <a:fld id="{30E74574-7699-BE4C-8F08-804282B6DBB8}" type="slidenum">
               <a:rPr lang="en-US" smtClean="0"/>
               <a:pPr/>
-              <a:t>39</a:t>
+              <a:t>35</a:t>
             </a:fld>
             <a:endParaRPr lang="en-US"/>
           </a:p>
@@ -32112,7 +29961,7 @@
 </p:sld>
 </file>
 
-<file path=ppt/slides/slide41.xml><?xml version="1.0" encoding="utf-8"?>
+<file path=ppt/slides/slide37.xml><?xml version="1.0" encoding="utf-8"?>
 <p:sld xmlns:a="http://schemas.openxmlformats.org/drawingml/2006/main" xmlns:r="http://schemas.openxmlformats.org/officeDocument/2006/relationships" xmlns:mc="http://schemas.openxmlformats.org/markup-compatibility/2006" xmlns:mv="urn:schemas-microsoft-com:mac:vml" xmlns:p="http://schemas.openxmlformats.org/presentationml/2006/main" mc:Ignorable="mv" mc:PreserveAttributes="mv:*">
   <p:cSld>
     <p:spTree>
@@ -32211,7 +30060,7 @@
             <a:fld id="{30E74574-7699-BE4C-8F08-804282B6DBB8}" type="slidenum">
               <a:rPr lang="en-US" smtClean="0"/>
               <a:pPr/>
-              <a:t>40</a:t>
+              <a:t>36</a:t>
             </a:fld>
             <a:endParaRPr lang="en-US"/>
           </a:p>
@@ -32457,7 +30306,7 @@
 </p:sld>
 </file>
 
-<file path=ppt/slides/slide42.xml><?xml version="1.0" encoding="utf-8"?>
+<file path=ppt/slides/slide38.xml><?xml version="1.0" encoding="utf-8"?>
 <p:sld xmlns:a="http://schemas.openxmlformats.org/drawingml/2006/main" xmlns:r="http://schemas.openxmlformats.org/officeDocument/2006/relationships" xmlns:mc="http://schemas.openxmlformats.org/markup-compatibility/2006" xmlns:mv="urn:schemas-microsoft-com:mac:vml" xmlns:p="http://schemas.openxmlformats.org/presentationml/2006/main" mc:Ignorable="mv" mc:PreserveAttributes="mv:*">
   <p:cSld>
     <p:spTree>
@@ -32569,7 +30418,7 @@
             <a:fld id="{30E74574-7699-BE4C-8F08-804282B6DBB8}" type="slidenum">
               <a:rPr lang="en-US" smtClean="0"/>
               <a:pPr/>
-              <a:t>41</a:t>
+              <a:t>37</a:t>
             </a:fld>
             <a:endParaRPr lang="en-US"/>
           </a:p>
@@ -32810,7 +30659,7 @@
 </p:sld>
 </file>
 
-<file path=ppt/slides/slide43.xml><?xml version="1.0" encoding="utf-8"?>
+<file path=ppt/slides/slide39.xml><?xml version="1.0" encoding="utf-8"?>
 <p:sld xmlns:a="http://schemas.openxmlformats.org/drawingml/2006/main" xmlns:r="http://schemas.openxmlformats.org/officeDocument/2006/relationships" xmlns:mc="http://schemas.openxmlformats.org/markup-compatibility/2006" xmlns:mv="urn:schemas-microsoft-com:mac:vml" xmlns:p="http://schemas.openxmlformats.org/presentationml/2006/main" mc:Ignorable="mv" mc:PreserveAttributes="mv:*">
   <p:cSld>
     <p:spTree>
@@ -32973,7 +30822,7 @@
             <a:fld id="{30E74574-7699-BE4C-8F08-804282B6DBB8}" type="slidenum">
               <a:rPr lang="en-US" smtClean="0"/>
               <a:pPr/>
-              <a:t>42</a:t>
+              <a:t>38</a:t>
             </a:fld>
             <a:endParaRPr lang="en-US"/>
           </a:p>
@@ -33498,7 +31347,7 @@
 </p:sld>
 </file>
 
-<file path=ppt/slides/slide44.xml><?xml version="1.0" encoding="utf-8"?>
+<file path=ppt/slides/slide4.xml><?xml version="1.0" encoding="utf-8"?>
 <p:sld xmlns:a="http://schemas.openxmlformats.org/drawingml/2006/main" xmlns:r="http://schemas.openxmlformats.org/officeDocument/2006/relationships" xmlns:mc="http://schemas.openxmlformats.org/markup-compatibility/2006" xmlns:mv="urn:schemas-microsoft-com:mac:vml" xmlns:p="http://schemas.openxmlformats.org/presentationml/2006/main" mc:Ignorable="mv" mc:PreserveAttributes="mv:*">
   <p:cSld>
     <p:spTree>
@@ -33532,6 +31381,814 @@
           <a:p>
             <a:r>
               <a:rPr lang="en-US" dirty="0" smtClean="0"/>
+              <a:t>Goal</a:t>
+            </a:r>
+            <a:endParaRPr lang="en-US" dirty="0"/>
+          </a:p>
+        </p:txBody>
+      </p:sp>
+      <p:sp>
+        <p:nvSpPr>
+          <p:cNvPr id="3" name="Content Placeholder 2"/>
+          <p:cNvSpPr>
+            <a:spLocks noGrp="1"/>
+          </p:cNvSpPr>
+          <p:nvPr>
+            <p:ph sz="half" idx="1"/>
+          </p:nvPr>
+        </p:nvSpPr>
+        <p:spPr>
+          <a:xfrm>
+            <a:off x="457199" y="1600200"/>
+            <a:ext cx="4272455" cy="4863662"/>
+          </a:xfrm>
+        </p:spPr>
+        <p:txBody>
+          <a:bodyPr>
+            <a:normAutofit fontScale="92500"/>
+          </a:bodyPr>
+          <a:lstStyle/>
+          <a:p>
+            <a:r>
+              <a:rPr lang="en-US" dirty="0" smtClean="0"/>
+              <a:t>Improve data processing speed and accuracy</a:t>
+            </a:r>
+          </a:p>
+          <a:p>
+            <a:r>
+              <a:rPr lang="en-US" dirty="0" smtClean="0"/>
+              <a:t>Initial focus on alignment</a:t>
+            </a:r>
+          </a:p>
+          <a:p>
+            <a:pPr lvl="1"/>
+            <a:r>
+              <a:rPr lang="en-US" dirty="0" smtClean="0"/>
+              <a:t>Expensive =&gt; good target for speedup</a:t>
+            </a:r>
+          </a:p>
+          <a:p>
+            <a:pPr lvl="1"/>
+            <a:r>
+              <a:rPr lang="en-US" dirty="0" smtClean="0"/>
+              <a:t>First step in pipeline =&gt; mistakes can lead to bad decisions later on (e.g., spurious SNP calls)</a:t>
+            </a:r>
+          </a:p>
+          <a:p>
+            <a:r>
+              <a:rPr lang="en-US" dirty="0" smtClean="0"/>
+              <a:t>Plans to leverage lessons from alignment to improve later stages of pipeline</a:t>
+            </a:r>
+          </a:p>
+        </p:txBody>
+      </p:sp>
+      <p:grpSp>
+        <p:nvGrpSpPr>
+          <p:cNvPr id="18" name="Group 17"/>
+          <p:cNvGrpSpPr/>
+          <p:nvPr/>
+        </p:nvGrpSpPr>
+        <p:grpSpPr>
+          <a:xfrm>
+            <a:off x="5736909" y="543652"/>
+            <a:ext cx="2949891" cy="5812570"/>
+            <a:chOff x="3135085" y="543652"/>
+            <a:chExt cx="2949891" cy="5812570"/>
+          </a:xfrm>
+        </p:grpSpPr>
+        <p:sp>
+          <p:nvSpPr>
+            <p:cNvPr id="19" name="Rounded Rectangle 18"/>
+            <p:cNvSpPr/>
+            <p:nvPr/>
+          </p:nvSpPr>
+          <p:spPr>
+            <a:xfrm>
+              <a:off x="3135085" y="1693544"/>
+              <a:ext cx="2949891" cy="633932"/>
+            </a:xfrm>
+            <a:prstGeom prst="roundRect">
+              <a:avLst/>
+            </a:prstGeom>
+          </p:spPr>
+          <p:style>
+            <a:lnRef idx="1">
+              <a:schemeClr val="accent1"/>
+            </a:lnRef>
+            <a:fillRef idx="3">
+              <a:schemeClr val="accent1"/>
+            </a:fillRef>
+            <a:effectRef idx="2">
+              <a:schemeClr val="accent1"/>
+            </a:effectRef>
+            <a:fontRef idx="minor">
+              <a:schemeClr val="lt1"/>
+            </a:fontRef>
+          </p:style>
+          <p:txBody>
+            <a:bodyPr rtlCol="0" anchor="ctr"/>
+            <a:lstStyle/>
+            <a:p>
+              <a:pPr algn="ctr"/>
+              <a:endParaRPr lang="en-US"/>
+            </a:p>
+          </p:txBody>
+        </p:sp>
+        <p:sp>
+          <p:nvSpPr>
+            <p:cNvPr id="20" name="Rounded Rectangle 19"/>
+            <p:cNvSpPr/>
+            <p:nvPr/>
+          </p:nvSpPr>
+          <p:spPr>
+            <a:xfrm>
+              <a:off x="3135085" y="3155692"/>
+              <a:ext cx="2949891" cy="628159"/>
+            </a:xfrm>
+            <a:prstGeom prst="roundRect">
+              <a:avLst/>
+            </a:prstGeom>
+          </p:spPr>
+          <p:style>
+            <a:lnRef idx="1">
+              <a:schemeClr val="accent1"/>
+            </a:lnRef>
+            <a:fillRef idx="3">
+              <a:schemeClr val="accent1"/>
+            </a:fillRef>
+            <a:effectRef idx="2">
+              <a:schemeClr val="accent1"/>
+            </a:effectRef>
+            <a:fontRef idx="minor">
+              <a:schemeClr val="lt1"/>
+            </a:fontRef>
+          </p:style>
+          <p:txBody>
+            <a:bodyPr rtlCol="0" anchor="ctr"/>
+            <a:lstStyle/>
+            <a:p>
+              <a:pPr algn="ctr"/>
+              <a:endParaRPr lang="en-US"/>
+            </a:p>
+          </p:txBody>
+        </p:sp>
+        <p:sp>
+          <p:nvSpPr>
+            <p:cNvPr id="21" name="Rounded Rectangle 20"/>
+            <p:cNvSpPr/>
+            <p:nvPr/>
+          </p:nvSpPr>
+          <p:spPr>
+            <a:xfrm>
+              <a:off x="3135085" y="4610972"/>
+              <a:ext cx="2949891" cy="641389"/>
+            </a:xfrm>
+            <a:prstGeom prst="roundRect">
+              <a:avLst/>
+            </a:prstGeom>
+          </p:spPr>
+          <p:style>
+            <a:lnRef idx="1">
+              <a:schemeClr val="accent1"/>
+            </a:lnRef>
+            <a:fillRef idx="3">
+              <a:schemeClr val="accent1"/>
+            </a:fillRef>
+            <a:effectRef idx="2">
+              <a:schemeClr val="accent1"/>
+            </a:effectRef>
+            <a:fontRef idx="minor">
+              <a:schemeClr val="lt1"/>
+            </a:fontRef>
+          </p:style>
+          <p:txBody>
+            <a:bodyPr rtlCol="0" anchor="ctr"/>
+            <a:lstStyle/>
+            <a:p>
+              <a:pPr algn="ctr"/>
+              <a:endParaRPr lang="en-US"/>
+            </a:p>
+          </p:txBody>
+        </p:sp>
+        <p:sp>
+          <p:nvSpPr>
+            <p:cNvPr id="22" name="Down Arrow 21"/>
+            <p:cNvSpPr/>
+            <p:nvPr/>
+          </p:nvSpPr>
+          <p:spPr>
+            <a:xfrm>
+              <a:off x="4325625" y="2434410"/>
+              <a:ext cx="582041" cy="635030"/>
+            </a:xfrm>
+            <a:prstGeom prst="downArrow">
+              <a:avLst/>
+            </a:prstGeom>
+          </p:spPr>
+          <p:style>
+            <a:lnRef idx="1">
+              <a:schemeClr val="accent1"/>
+            </a:lnRef>
+            <a:fillRef idx="3">
+              <a:schemeClr val="accent1"/>
+            </a:fillRef>
+            <a:effectRef idx="2">
+              <a:schemeClr val="accent1"/>
+            </a:effectRef>
+            <a:fontRef idx="minor">
+              <a:schemeClr val="lt1"/>
+            </a:fontRef>
+          </p:style>
+          <p:txBody>
+            <a:bodyPr rtlCol="0" anchor="ctr"/>
+            <a:lstStyle/>
+            <a:p>
+              <a:pPr algn="ctr"/>
+              <a:endParaRPr lang="en-US"/>
+            </a:p>
+          </p:txBody>
+        </p:sp>
+        <p:sp>
+          <p:nvSpPr>
+            <p:cNvPr id="23" name="Down Arrow 22"/>
+            <p:cNvSpPr/>
+            <p:nvPr/>
+          </p:nvSpPr>
+          <p:spPr>
+            <a:xfrm>
+              <a:off x="4325625" y="3883332"/>
+              <a:ext cx="582041" cy="635030"/>
+            </a:xfrm>
+            <a:prstGeom prst="downArrow">
+              <a:avLst/>
+            </a:prstGeom>
+          </p:spPr>
+          <p:style>
+            <a:lnRef idx="1">
+              <a:schemeClr val="accent1"/>
+            </a:lnRef>
+            <a:fillRef idx="3">
+              <a:schemeClr val="accent1"/>
+            </a:fillRef>
+            <a:effectRef idx="2">
+              <a:schemeClr val="accent1"/>
+            </a:effectRef>
+            <a:fontRef idx="minor">
+              <a:schemeClr val="lt1"/>
+            </a:fontRef>
+          </p:style>
+          <p:txBody>
+            <a:bodyPr rtlCol="0" anchor="ctr"/>
+            <a:lstStyle/>
+            <a:p>
+              <a:pPr algn="ctr"/>
+              <a:endParaRPr lang="en-US"/>
+            </a:p>
+          </p:txBody>
+        </p:sp>
+        <p:sp>
+          <p:nvSpPr>
+            <p:cNvPr id="24" name="TextBox 23"/>
+            <p:cNvSpPr txBox="1"/>
+            <p:nvPr/>
+          </p:nvSpPr>
+          <p:spPr>
+            <a:xfrm>
+              <a:off x="3135085" y="1825844"/>
+              <a:ext cx="2949891" cy="369332"/>
+            </a:xfrm>
+            <a:prstGeom prst="rect">
+              <a:avLst/>
+            </a:prstGeom>
+            <a:noFill/>
+          </p:spPr>
+          <p:txBody>
+            <a:bodyPr wrap="square" rtlCol="0">
+              <a:spAutoFit/>
+            </a:bodyPr>
+            <a:lstStyle/>
+            <a:p>
+              <a:pPr algn="ctr"/>
+              <a:r>
+                <a:rPr lang="en-US" dirty="0" smtClean="0"/>
+                <a:t>Read Alignment</a:t>
+              </a:r>
+              <a:endParaRPr lang="en-US" dirty="0"/>
+            </a:p>
+          </p:txBody>
+        </p:sp>
+        <p:sp>
+          <p:nvSpPr>
+            <p:cNvPr id="25" name="TextBox 24"/>
+            <p:cNvSpPr txBox="1"/>
+            <p:nvPr/>
+          </p:nvSpPr>
+          <p:spPr>
+            <a:xfrm>
+              <a:off x="3135085" y="3295449"/>
+              <a:ext cx="2949891" cy="369332"/>
+            </a:xfrm>
+            <a:prstGeom prst="rect">
+              <a:avLst/>
+            </a:prstGeom>
+            <a:noFill/>
+          </p:spPr>
+          <p:txBody>
+            <a:bodyPr wrap="square" rtlCol="0">
+              <a:spAutoFit/>
+            </a:bodyPr>
+            <a:lstStyle/>
+            <a:p>
+              <a:pPr algn="ctr"/>
+              <a:r>
+                <a:rPr lang="en-US" dirty="0" smtClean="0"/>
+                <a:t>SNP Calling</a:t>
+              </a:r>
+              <a:endParaRPr lang="en-US" dirty="0"/>
+            </a:p>
+          </p:txBody>
+        </p:sp>
+        <p:sp>
+          <p:nvSpPr>
+            <p:cNvPr id="26" name="TextBox 25"/>
+            <p:cNvSpPr txBox="1"/>
+            <p:nvPr/>
+          </p:nvSpPr>
+          <p:spPr>
+            <a:xfrm>
+              <a:off x="3135085" y="4763955"/>
+              <a:ext cx="2949891" cy="369332"/>
+            </a:xfrm>
+            <a:prstGeom prst="rect">
+              <a:avLst/>
+            </a:prstGeom>
+            <a:noFill/>
+          </p:spPr>
+          <p:txBody>
+            <a:bodyPr wrap="square" rtlCol="0">
+              <a:spAutoFit/>
+            </a:bodyPr>
+            <a:lstStyle/>
+            <a:p>
+              <a:pPr algn="ctr"/>
+              <a:r>
+                <a:rPr lang="en-US" dirty="0" smtClean="0"/>
+                <a:t>Structural Variant Detection</a:t>
+              </a:r>
+              <a:endParaRPr lang="en-US" dirty="0"/>
+            </a:p>
+          </p:txBody>
+        </p:sp>
+        <p:sp>
+          <p:nvSpPr>
+            <p:cNvPr id="27" name="Down Arrow 26"/>
+            <p:cNvSpPr/>
+            <p:nvPr/>
+          </p:nvSpPr>
+          <p:spPr>
+            <a:xfrm>
+              <a:off x="4325625" y="5344136"/>
+              <a:ext cx="582041" cy="635030"/>
+            </a:xfrm>
+            <a:prstGeom prst="downArrow">
+              <a:avLst/>
+            </a:prstGeom>
+          </p:spPr>
+          <p:style>
+            <a:lnRef idx="1">
+              <a:schemeClr val="accent1"/>
+            </a:lnRef>
+            <a:fillRef idx="3">
+              <a:schemeClr val="accent1"/>
+            </a:fillRef>
+            <a:effectRef idx="2">
+              <a:schemeClr val="accent1"/>
+            </a:effectRef>
+            <a:fontRef idx="minor">
+              <a:schemeClr val="lt1"/>
+            </a:fontRef>
+          </p:style>
+          <p:txBody>
+            <a:bodyPr rtlCol="0" anchor="ctr"/>
+            <a:lstStyle/>
+            <a:p>
+              <a:pPr algn="ctr"/>
+              <a:endParaRPr lang="en-US"/>
+            </a:p>
+          </p:txBody>
+        </p:sp>
+        <p:sp>
+          <p:nvSpPr>
+            <p:cNvPr id="28" name="Down Arrow 27"/>
+            <p:cNvSpPr/>
+            <p:nvPr/>
+          </p:nvSpPr>
+          <p:spPr>
+            <a:xfrm>
+              <a:off x="4325625" y="992364"/>
+              <a:ext cx="582041" cy="635030"/>
+            </a:xfrm>
+            <a:prstGeom prst="downArrow">
+              <a:avLst/>
+            </a:prstGeom>
+          </p:spPr>
+          <p:style>
+            <a:lnRef idx="1">
+              <a:schemeClr val="accent1"/>
+            </a:lnRef>
+            <a:fillRef idx="3">
+              <a:schemeClr val="accent1"/>
+            </a:fillRef>
+            <a:effectRef idx="2">
+              <a:schemeClr val="accent1"/>
+            </a:effectRef>
+            <a:fontRef idx="minor">
+              <a:schemeClr val="lt1"/>
+            </a:fontRef>
+          </p:style>
+          <p:txBody>
+            <a:bodyPr rtlCol="0" anchor="ctr"/>
+            <a:lstStyle/>
+            <a:p>
+              <a:pPr algn="ctr"/>
+              <a:endParaRPr lang="en-US"/>
+            </a:p>
+          </p:txBody>
+        </p:sp>
+        <p:sp>
+          <p:nvSpPr>
+            <p:cNvPr id="29" name="TextBox 28"/>
+            <p:cNvSpPr txBox="1"/>
+            <p:nvPr/>
+          </p:nvSpPr>
+          <p:spPr>
+            <a:xfrm>
+              <a:off x="3135085" y="5986890"/>
+              <a:ext cx="2949891" cy="369332"/>
+            </a:xfrm>
+            <a:prstGeom prst="rect">
+              <a:avLst/>
+            </a:prstGeom>
+            <a:noFill/>
+          </p:spPr>
+          <p:txBody>
+            <a:bodyPr wrap="square" rtlCol="0">
+              <a:spAutoFit/>
+            </a:bodyPr>
+            <a:lstStyle/>
+            <a:p>
+              <a:pPr algn="ctr"/>
+              <a:r>
+                <a:rPr lang="en-US" dirty="0" smtClean="0"/>
+                <a:t>Reconstructed Genome</a:t>
+              </a:r>
+              <a:endParaRPr lang="en-US" dirty="0"/>
+            </a:p>
+          </p:txBody>
+        </p:sp>
+        <p:sp>
+          <p:nvSpPr>
+            <p:cNvPr id="30" name="TextBox 29"/>
+            <p:cNvSpPr txBox="1"/>
+            <p:nvPr/>
+          </p:nvSpPr>
+          <p:spPr>
+            <a:xfrm>
+              <a:off x="3135085" y="543652"/>
+              <a:ext cx="2949891" cy="369332"/>
+            </a:xfrm>
+            <a:prstGeom prst="rect">
+              <a:avLst/>
+            </a:prstGeom>
+            <a:noFill/>
+          </p:spPr>
+          <p:txBody>
+            <a:bodyPr wrap="square" rtlCol="0">
+              <a:spAutoFit/>
+            </a:bodyPr>
+            <a:lstStyle/>
+            <a:p>
+              <a:pPr algn="ctr"/>
+              <a:r>
+                <a:rPr lang="en-US" dirty="0" smtClean="0"/>
+                <a:t>Reads</a:t>
+              </a:r>
+              <a:endParaRPr lang="en-US" dirty="0"/>
+            </a:p>
+          </p:txBody>
+        </p:sp>
+      </p:grpSp>
+      <p:sp>
+        <p:nvSpPr>
+          <p:cNvPr id="17" name="Slide Number Placeholder 16"/>
+          <p:cNvSpPr>
+            <a:spLocks noGrp="1"/>
+          </p:cNvSpPr>
+          <p:nvPr>
+            <p:ph type="sldNum" sz="quarter" idx="12"/>
+          </p:nvPr>
+        </p:nvSpPr>
+        <p:spPr/>
+        <p:txBody>
+          <a:bodyPr/>
+          <a:lstStyle/>
+          <a:p>
+            <a:fld id="{30E74574-7699-BE4C-8F08-804282B6DBB8}" type="slidenum">
+              <a:rPr lang="en-US" smtClean="0"/>
+              <a:pPr/>
+              <a:t>3</a:t>
+            </a:fld>
+            <a:endParaRPr lang="en-US"/>
+          </a:p>
+        </p:txBody>
+      </p:sp>
+    </p:spTree>
+  </p:cSld>
+  <p:clrMapOvr>
+    <a:masterClrMapping/>
+  </p:clrMapOvr>
+  <p:timing>
+    <p:tnLst>
+      <p:par>
+        <p:cTn id="1" dur="indefinite" restart="never" nodeType="tmRoot">
+          <p:childTnLst>
+            <p:seq concurrent="1" nextAc="seek">
+              <p:cTn id="2" dur="indefinite" nodeType="mainSeq">
+                <p:childTnLst>
+                  <p:par>
+                    <p:cTn id="3" fill="hold">
+                      <p:stCondLst>
+                        <p:cond delay="indefinite"/>
+                        <p:cond evt="onBegin" delay="0">
+                          <p:tn val="2"/>
+                        </p:cond>
+                      </p:stCondLst>
+                      <p:childTnLst>
+                        <p:par>
+                          <p:cTn id="4" fill="hold">
+                            <p:stCondLst>
+                              <p:cond delay="0"/>
+                            </p:stCondLst>
+                            <p:childTnLst>
+                              <p:par>
+                                <p:cTn id="5" presetID="1" presetClass="entr" presetSubtype="0" fill="hold" grpId="0" nodeType="withEffect">
+                                  <p:stCondLst>
+                                    <p:cond delay="0"/>
+                                  </p:stCondLst>
+                                  <p:childTnLst>
+                                    <p:set>
+                                      <p:cBhvr>
+                                        <p:cTn id="6" dur="1" fill="hold">
+                                          <p:stCondLst>
+                                            <p:cond delay="0"/>
+                                          </p:stCondLst>
+                                        </p:cTn>
+                                        <p:tgtEl>
+                                          <p:spTgt spid="3">
+                                            <p:txEl>
+                                              <p:pRg st="0" end="0"/>
+                                            </p:txEl>
+                                          </p:spTgt>
+                                        </p:tgtEl>
+                                        <p:attrNameLst>
+                                          <p:attrName>style.visibility</p:attrName>
+                                        </p:attrNameLst>
+                                      </p:cBhvr>
+                                      <p:to>
+                                        <p:strVal val="visible"/>
+                                      </p:to>
+                                    </p:set>
+                                  </p:childTnLst>
+                                </p:cTn>
+                              </p:par>
+                            </p:childTnLst>
+                          </p:cTn>
+                        </p:par>
+                      </p:childTnLst>
+                    </p:cTn>
+                  </p:par>
+                  <p:par>
+                    <p:cTn id="7" fill="hold">
+                      <p:stCondLst>
+                        <p:cond delay="indefinite"/>
+                      </p:stCondLst>
+                      <p:childTnLst>
+                        <p:par>
+                          <p:cTn id="8" fill="hold">
+                            <p:stCondLst>
+                              <p:cond delay="0"/>
+                            </p:stCondLst>
+                            <p:childTnLst>
+                              <p:par>
+                                <p:cTn id="9" presetID="1" presetClass="entr" presetSubtype="0" fill="hold" grpId="0" nodeType="clickEffect">
+                                  <p:stCondLst>
+                                    <p:cond delay="0"/>
+                                  </p:stCondLst>
+                                  <p:childTnLst>
+                                    <p:set>
+                                      <p:cBhvr>
+                                        <p:cTn id="10" dur="1" fill="hold">
+                                          <p:stCondLst>
+                                            <p:cond delay="0"/>
+                                          </p:stCondLst>
+                                        </p:cTn>
+                                        <p:tgtEl>
+                                          <p:spTgt spid="3">
+                                            <p:txEl>
+                                              <p:pRg st="1" end="1"/>
+                                            </p:txEl>
+                                          </p:spTgt>
+                                        </p:tgtEl>
+                                        <p:attrNameLst>
+                                          <p:attrName>style.visibility</p:attrName>
+                                        </p:attrNameLst>
+                                      </p:cBhvr>
+                                      <p:to>
+                                        <p:strVal val="visible"/>
+                                      </p:to>
+                                    </p:set>
+                                  </p:childTnLst>
+                                </p:cTn>
+                              </p:par>
+                              <p:par>
+                                <p:cTn id="11" presetID="1" presetClass="entr" presetSubtype="0" fill="hold" grpId="0" nodeType="withEffect">
+                                  <p:stCondLst>
+                                    <p:cond delay="0"/>
+                                  </p:stCondLst>
+                                  <p:childTnLst>
+                                    <p:set>
+                                      <p:cBhvr>
+                                        <p:cTn id="12" dur="1" fill="hold">
+                                          <p:stCondLst>
+                                            <p:cond delay="0"/>
+                                          </p:stCondLst>
+                                        </p:cTn>
+                                        <p:tgtEl>
+                                          <p:spTgt spid="3">
+                                            <p:txEl>
+                                              <p:pRg st="2" end="2"/>
+                                            </p:txEl>
+                                          </p:spTgt>
+                                        </p:tgtEl>
+                                        <p:attrNameLst>
+                                          <p:attrName>style.visibility</p:attrName>
+                                        </p:attrNameLst>
+                                      </p:cBhvr>
+                                      <p:to>
+                                        <p:strVal val="visible"/>
+                                      </p:to>
+                                    </p:set>
+                                  </p:childTnLst>
+                                </p:cTn>
+                              </p:par>
+                              <p:par>
+                                <p:cTn id="13" presetID="1" presetClass="entr" presetSubtype="0" fill="hold" grpId="0" nodeType="withEffect">
+                                  <p:stCondLst>
+                                    <p:cond delay="0"/>
+                                  </p:stCondLst>
+                                  <p:childTnLst>
+                                    <p:set>
+                                      <p:cBhvr>
+                                        <p:cTn id="14" dur="1" fill="hold">
+                                          <p:stCondLst>
+                                            <p:cond delay="0"/>
+                                          </p:stCondLst>
+                                        </p:cTn>
+                                        <p:tgtEl>
+                                          <p:spTgt spid="3">
+                                            <p:txEl>
+                                              <p:pRg st="3" end="3"/>
+                                            </p:txEl>
+                                          </p:spTgt>
+                                        </p:tgtEl>
+                                        <p:attrNameLst>
+                                          <p:attrName>style.visibility</p:attrName>
+                                        </p:attrNameLst>
+                                      </p:cBhvr>
+                                      <p:to>
+                                        <p:strVal val="visible"/>
+                                      </p:to>
+                                    </p:set>
+                                  </p:childTnLst>
+                                </p:cTn>
+                              </p:par>
+                            </p:childTnLst>
+                          </p:cTn>
+                        </p:par>
+                      </p:childTnLst>
+                    </p:cTn>
+                  </p:par>
+                  <p:par>
+                    <p:cTn id="15" fill="hold">
+                      <p:stCondLst>
+                        <p:cond delay="indefinite"/>
+                      </p:stCondLst>
+                      <p:childTnLst>
+                        <p:par>
+                          <p:cTn id="16" fill="hold">
+                            <p:stCondLst>
+                              <p:cond delay="0"/>
+                            </p:stCondLst>
+                            <p:childTnLst>
+                              <p:par>
+                                <p:cTn id="17" presetID="1" presetClass="entr" presetSubtype="0" fill="hold" grpId="0" nodeType="clickEffect">
+                                  <p:stCondLst>
+                                    <p:cond delay="0"/>
+                                  </p:stCondLst>
+                                  <p:childTnLst>
+                                    <p:set>
+                                      <p:cBhvr>
+                                        <p:cTn id="18" dur="1" fill="hold">
+                                          <p:stCondLst>
+                                            <p:cond delay="0"/>
+                                          </p:stCondLst>
+                                        </p:cTn>
+                                        <p:tgtEl>
+                                          <p:spTgt spid="3">
+                                            <p:txEl>
+                                              <p:pRg st="4" end="4"/>
+                                            </p:txEl>
+                                          </p:spTgt>
+                                        </p:tgtEl>
+                                        <p:attrNameLst>
+                                          <p:attrName>style.visibility</p:attrName>
+                                        </p:attrNameLst>
+                                      </p:cBhvr>
+                                      <p:to>
+                                        <p:strVal val="visible"/>
+                                      </p:to>
+                                    </p:set>
+                                  </p:childTnLst>
+                                </p:cTn>
+                              </p:par>
+                            </p:childTnLst>
+                          </p:cTn>
+                        </p:par>
+                      </p:childTnLst>
+                    </p:cTn>
+                  </p:par>
+                </p:childTnLst>
+              </p:cTn>
+              <p:prevCondLst>
+                <p:cond evt="onPrev" delay="0">
+                  <p:tgtEl>
+                    <p:sldTgt/>
+                  </p:tgtEl>
+                </p:cond>
+              </p:prevCondLst>
+              <p:nextCondLst>
+                <p:cond evt="onNext" delay="0">
+                  <p:tgtEl>
+                    <p:sldTgt/>
+                  </p:tgtEl>
+                </p:cond>
+              </p:nextCondLst>
+            </p:seq>
+          </p:childTnLst>
+        </p:cTn>
+      </p:par>
+    </p:tnLst>
+    <p:bldLst>
+      <p:bldP spid="3" grpId="0" build="p"/>
+    </p:bldLst>
+  </p:timing>
+</p:sld>
+</file>
+
+<file path=ppt/slides/slide40.xml><?xml version="1.0" encoding="utf-8"?>
+<p:sld xmlns:a="http://schemas.openxmlformats.org/drawingml/2006/main" xmlns:r="http://schemas.openxmlformats.org/officeDocument/2006/relationships" xmlns:mc="http://schemas.openxmlformats.org/markup-compatibility/2006" xmlns:mv="urn:schemas-microsoft-com:mac:vml" xmlns:p="http://schemas.openxmlformats.org/presentationml/2006/main" mc:Ignorable="mv" mc:PreserveAttributes="mv:*">
+  <p:cSld>
+    <p:spTree>
+      <p:nvGrpSpPr>
+        <p:cNvPr id="1" name=""/>
+        <p:cNvGrpSpPr/>
+        <p:nvPr/>
+      </p:nvGrpSpPr>
+      <p:grpSpPr>
+        <a:xfrm>
+          <a:off x="0" y="0"/>
+          <a:ext cx="0" cy="0"/>
+          <a:chOff x="0" y="0"/>
+          <a:chExt cx="0" cy="0"/>
+        </a:xfrm>
+      </p:grpSpPr>
+      <p:sp>
+        <p:nvSpPr>
+          <p:cNvPr id="2" name="Title 1"/>
+          <p:cNvSpPr>
+            <a:spLocks noGrp="1"/>
+          </p:cNvSpPr>
+          <p:nvPr>
+            <p:ph type="title"/>
+          </p:nvPr>
+        </p:nvSpPr>
+        <p:spPr/>
+        <p:txBody>
+          <a:bodyPr/>
+          <a:lstStyle/>
+          <a:p>
+            <a:r>
+              <a:rPr lang="en-US" dirty="0" smtClean="0"/>
               <a:t>Conclusion</a:t>
             </a:r>
             <a:endParaRPr lang="en-US" dirty="0"/>
@@ -33591,7 +32248,7 @@
             <a:fld id="{30E74574-7699-BE4C-8F08-804282B6DBB8}" type="slidenum">
               <a:rPr lang="en-US" smtClean="0"/>
               <a:pPr/>
-              <a:t>43</a:t>
+              <a:t>39</a:t>
             </a:fld>
             <a:endParaRPr lang="en-US"/>
           </a:p>
@@ -33788,7 +32445,7 @@
 </p:sld>
 </file>
 
-<file path=ppt/slides/slide45.xml><?xml version="1.0" encoding="utf-8"?>
+<file path=ppt/slides/slide41.xml><?xml version="1.0" encoding="utf-8"?>
 <p:sld xmlns:a="http://schemas.openxmlformats.org/drawingml/2006/main" xmlns:r="http://schemas.openxmlformats.org/officeDocument/2006/relationships" xmlns:mc="http://schemas.openxmlformats.org/markup-compatibility/2006" xmlns:mv="urn:schemas-microsoft-com:mac:vml" xmlns:p="http://schemas.openxmlformats.org/presentationml/2006/main" mc:Ignorable="mv" mc:PreserveAttributes="mv:*">
   <p:cSld>
     <p:spTree>
@@ -34129,7 +32786,7 @@
             <a:fld id="{30E74574-7699-BE4C-8F08-804282B6DBB8}" type="slidenum">
               <a:rPr lang="en-US" smtClean="0"/>
               <a:pPr/>
-              <a:t>44</a:t>
+              <a:t>40</a:t>
             </a:fld>
             <a:endParaRPr lang="en-US"/>
           </a:p>
@@ -34150,7 +32807,7 @@
 </p:sld>
 </file>
 
-<file path=ppt/slides/slide46.xml><?xml version="1.0" encoding="utf-8"?>
+<file path=ppt/slides/slide42.xml><?xml version="1.0" encoding="utf-8"?>
 <p:sld xmlns:a="http://schemas.openxmlformats.org/drawingml/2006/main" xmlns:r="http://schemas.openxmlformats.org/officeDocument/2006/relationships" xmlns:mc="http://schemas.openxmlformats.org/markup-compatibility/2006" xmlns:mv="urn:schemas-microsoft-com:mac:vml" xmlns:p="http://schemas.openxmlformats.org/presentationml/2006/main" mc:Ignorable="mv" mc:PreserveAttributes="mv:*">
   <p:cSld>
     <p:spTree>
@@ -34475,7 +33132,7 @@
             <a:fld id="{30E74574-7699-BE4C-8F08-804282B6DBB8}" type="slidenum">
               <a:rPr lang="en-US" smtClean="0"/>
               <a:pPr/>
-              <a:t>45</a:t>
+              <a:t>41</a:t>
             </a:fld>
             <a:endParaRPr lang="en-US"/>
           </a:p>
@@ -34496,7 +33153,7 @@
 </p:sld>
 </file>
 
-<file path=ppt/slides/slide47.xml><?xml version="1.0" encoding="utf-8"?>
+<file path=ppt/slides/slide43.xml><?xml version="1.0" encoding="utf-8"?>
 <p:sld xmlns:a="http://schemas.openxmlformats.org/drawingml/2006/main" xmlns:r="http://schemas.openxmlformats.org/officeDocument/2006/relationships" xmlns:mc="http://schemas.openxmlformats.org/markup-compatibility/2006" xmlns:mv="urn:schemas-microsoft-com:mac:vml" xmlns:p="http://schemas.openxmlformats.org/presentationml/2006/main" mc:Ignorable="mv" mc:PreserveAttributes="mv:*">
   <p:cSld>
     <p:spTree>
@@ -34570,7 +33227,7 @@
 </p:sld>
 </file>
 
-<file path=ppt/slides/slide48.xml><?xml version="1.0" encoding="utf-8"?>
+<file path=ppt/slides/slide44.xml><?xml version="1.0" encoding="utf-8"?>
 <p:sld xmlns:a="http://schemas.openxmlformats.org/drawingml/2006/main" xmlns:r="http://schemas.openxmlformats.org/officeDocument/2006/relationships" xmlns:mc="http://schemas.openxmlformats.org/markup-compatibility/2006" xmlns:mv="urn:schemas-microsoft-com:mac:vml" xmlns:p="http://schemas.openxmlformats.org/presentationml/2006/main" mc:Ignorable="mv" mc:PreserveAttributes="mv:*">
   <p:cSld>
     <p:spTree>
@@ -36398,7 +35055,7 @@
             <a:fld id="{EDD6A595-B40C-1149-ACDE-5A783AE27DA5}" type="slidenum">
               <a:rPr lang="en-US" smtClean="0"/>
               <a:pPr/>
-              <a:t>47</a:t>
+              <a:t>43</a:t>
             </a:fld>
             <a:endParaRPr lang="en-US"/>
           </a:p>
@@ -37157,7 +35814,7 @@
 </p:sld>
 </file>
 
-<file path=ppt/slides/slide49.xml><?xml version="1.0" encoding="utf-8"?>
+<file path=ppt/slides/slide45.xml><?xml version="1.0" encoding="utf-8"?>
 <p:sld xmlns:a="http://schemas.openxmlformats.org/drawingml/2006/main" xmlns:r="http://schemas.openxmlformats.org/officeDocument/2006/relationships" xmlns:mc="http://schemas.openxmlformats.org/markup-compatibility/2006" xmlns:mv="urn:schemas-microsoft-com:mac:vml" xmlns:p="http://schemas.openxmlformats.org/presentationml/2006/main" mc:Ignorable="mv" mc:PreserveAttributes="mv:*">
   <p:cSld>
     <p:spTree>
@@ -37872,7 +36529,7 @@
             <a:fld id="{30E74574-7699-BE4C-8F08-804282B6DBB8}" type="slidenum">
               <a:rPr lang="en-US" smtClean="0"/>
               <a:pPr/>
-              <a:t>48</a:t>
+              <a:t>44</a:t>
             </a:fld>
             <a:endParaRPr lang="en-US"/>
           </a:p>
@@ -38578,142 +37235,7 @@
 </p:sld>
 </file>
 
-<file path=ppt/slides/slide5.xml><?xml version="1.0" encoding="utf-8"?>
-<p:sld xmlns:a="http://schemas.openxmlformats.org/drawingml/2006/main" xmlns:r="http://schemas.openxmlformats.org/officeDocument/2006/relationships" xmlns:mc="http://schemas.openxmlformats.org/markup-compatibility/2006" xmlns:mv="urn:schemas-microsoft-com:mac:vml" xmlns:p="http://schemas.openxmlformats.org/presentationml/2006/main" mc:Ignorable="mv" mc:PreserveAttributes="mv:*">
-  <p:cSld>
-    <p:spTree>
-      <p:nvGrpSpPr>
-        <p:cNvPr id="1" name=""/>
-        <p:cNvGrpSpPr/>
-        <p:nvPr/>
-      </p:nvGrpSpPr>
-      <p:grpSpPr>
-        <a:xfrm>
-          <a:off x="0" y="0"/>
-          <a:ext cx="0" cy="0"/>
-          <a:chOff x="0" y="0"/>
-          <a:chExt cx="0" cy="0"/>
-        </a:xfrm>
-      </p:grpSpPr>
-      <p:sp>
-        <p:nvSpPr>
-          <p:cNvPr id="2" name="Title 1"/>
-          <p:cNvSpPr>
-            <a:spLocks noGrp="1"/>
-          </p:cNvSpPr>
-          <p:nvPr>
-            <p:ph type="title"/>
-          </p:nvPr>
-        </p:nvSpPr>
-        <p:spPr/>
-        <p:txBody>
-          <a:bodyPr/>
-          <a:lstStyle/>
-          <a:p>
-            <a:r>
-              <a:rPr lang="en-US" dirty="0" smtClean="0"/>
-              <a:t>Outline</a:t>
-            </a:r>
-            <a:endParaRPr lang="en-US" dirty="0"/>
-          </a:p>
-        </p:txBody>
-      </p:sp>
-      <p:sp>
-        <p:nvSpPr>
-          <p:cNvPr id="3" name="Content Placeholder 2"/>
-          <p:cNvSpPr>
-            <a:spLocks noGrp="1"/>
-          </p:cNvSpPr>
-          <p:nvPr>
-            <p:ph idx="1"/>
-          </p:nvPr>
-        </p:nvSpPr>
-        <p:spPr/>
-        <p:txBody>
-          <a:bodyPr/>
-          <a:lstStyle/>
-          <a:p>
-            <a:r>
-              <a:rPr lang="en-US" dirty="0" smtClean="0"/>
-              <a:t>Motivation</a:t>
-            </a:r>
-          </a:p>
-          <a:p>
-            <a:r>
-              <a:rPr lang="en-US" dirty="0" smtClean="0">
-                <a:solidFill>
-                  <a:srgbClr val="3366FF"/>
-                </a:solidFill>
-              </a:rPr>
-              <a:t>Alignment with SNAP</a:t>
-            </a:r>
-          </a:p>
-          <a:p>
-            <a:r>
-              <a:rPr lang="en-US" dirty="0" smtClean="0"/>
-              <a:t>Problem:  Similarity</a:t>
-            </a:r>
-          </a:p>
-          <a:p>
-            <a:r>
-              <a:rPr lang="en-US" dirty="0" smtClean="0"/>
-              <a:t>Exploiting similarity in alignment</a:t>
-            </a:r>
-          </a:p>
-          <a:p>
-            <a:r>
-              <a:rPr lang="en-US" dirty="0" smtClean="0"/>
-              <a:t>Exploiting similarity throughout the pipeline</a:t>
-            </a:r>
-          </a:p>
-          <a:p>
-            <a:endParaRPr lang="en-US" dirty="0" smtClean="0"/>
-          </a:p>
-          <a:p>
-            <a:endParaRPr lang="en-US" dirty="0"/>
-          </a:p>
-        </p:txBody>
-      </p:sp>
-      <p:sp>
-        <p:nvSpPr>
-          <p:cNvPr id="4" name="Slide Number Placeholder 3"/>
-          <p:cNvSpPr>
-            <a:spLocks noGrp="1"/>
-          </p:cNvSpPr>
-          <p:nvPr>
-            <p:ph type="sldNum" sz="quarter" idx="12"/>
-          </p:nvPr>
-        </p:nvSpPr>
-        <p:spPr/>
-        <p:txBody>
-          <a:bodyPr/>
-          <a:lstStyle/>
-          <a:p>
-            <a:fld id="{30E74574-7699-BE4C-8F08-804282B6DBB8}" type="slidenum">
-              <a:rPr lang="en-US" smtClean="0"/>
-              <a:pPr/>
-              <a:t>4</a:t>
-            </a:fld>
-            <a:endParaRPr lang="en-US"/>
-          </a:p>
-        </p:txBody>
-      </p:sp>
-    </p:spTree>
-  </p:cSld>
-  <p:clrMapOvr>
-    <a:masterClrMapping/>
-  </p:clrMapOvr>
-  <p:timing>
-    <p:tnLst>
-      <p:par>
-        <p:cTn id="1" dur="indefinite" restart="never" nodeType="tmRoot"/>
-      </p:par>
-    </p:tnLst>
-  </p:timing>
-</p:sld>
-</file>
-
-<file path=ppt/slides/slide50.xml><?xml version="1.0" encoding="utf-8"?>
+<file path=ppt/slides/slide46.xml><?xml version="1.0" encoding="utf-8"?>
 <p:sld xmlns:a="http://schemas.openxmlformats.org/drawingml/2006/main" xmlns:r="http://schemas.openxmlformats.org/officeDocument/2006/relationships" xmlns:mc="http://schemas.openxmlformats.org/markup-compatibility/2006" xmlns:mv="urn:schemas-microsoft-com:mac:vml" xmlns:p="http://schemas.openxmlformats.org/presentationml/2006/main" mc:Ignorable="mv" mc:PreserveAttributes="mv:*">
   <p:cSld>
     <p:spTree>
@@ -39274,7 +37796,7 @@
             <a:fld id="{30E74574-7699-BE4C-8F08-804282B6DBB8}" type="slidenum">
               <a:rPr lang="en-US" smtClean="0"/>
               <a:pPr/>
-              <a:t>49</a:t>
+              <a:t>45</a:t>
             </a:fld>
             <a:endParaRPr lang="en-US"/>
           </a:p>
@@ -39446,7 +37968,7 @@
 </p:sld>
 </file>
 
-<file path=ppt/slides/slide51.xml><?xml version="1.0" encoding="utf-8"?>
+<file path=ppt/slides/slide47.xml><?xml version="1.0" encoding="utf-8"?>
 <p:sld xmlns:a="http://schemas.openxmlformats.org/drawingml/2006/main" xmlns:r="http://schemas.openxmlformats.org/officeDocument/2006/relationships" xmlns:mc="http://schemas.openxmlformats.org/markup-compatibility/2006" xmlns:mv="urn:schemas-microsoft-com:mac:vml" xmlns:p="http://schemas.openxmlformats.org/presentationml/2006/main" mc:Ignorable="mv" mc:PreserveAttributes="mv:*">
   <p:cSld>
     <p:spTree>
@@ -39747,7 +38269,7 @@
             <a:fld id="{30E74574-7699-BE4C-8F08-804282B6DBB8}" type="slidenum">
               <a:rPr lang="en-US" smtClean="0"/>
               <a:pPr/>
-              <a:t>50</a:t>
+              <a:t>46</a:t>
             </a:fld>
             <a:endParaRPr lang="en-US"/>
           </a:p>
@@ -39773,7 +38295,7 @@
 </p:sld>
 </file>
 
-<file path=ppt/slides/slide52.xml><?xml version="1.0" encoding="utf-8"?>
+<file path=ppt/slides/slide48.xml><?xml version="1.0" encoding="utf-8"?>
 <p:sld xmlns:a="http://schemas.openxmlformats.org/drawingml/2006/main" xmlns:r="http://schemas.openxmlformats.org/officeDocument/2006/relationships" xmlns:mc="http://schemas.openxmlformats.org/markup-compatibility/2006" xmlns:mv="urn:schemas-microsoft-com:mac:vml" xmlns:p="http://schemas.openxmlformats.org/presentationml/2006/main" mc:Ignorable="mv" mc:PreserveAttributes="mv:*">
   <p:cSld>
     <p:spTree>
@@ -39913,7 +38435,7 @@
             <a:fld id="{30E74574-7699-BE4C-8F08-804282B6DBB8}" type="slidenum">
               <a:rPr lang="en-US" smtClean="0"/>
               <a:pPr/>
-              <a:t>51</a:t>
+              <a:t>47</a:t>
             </a:fld>
             <a:endParaRPr lang="en-US"/>
           </a:p>
@@ -39934,7 +38456,7 @@
 </p:sld>
 </file>
 
-<file path=ppt/slides/slide53.xml><?xml version="1.0" encoding="utf-8"?>
+<file path=ppt/slides/slide49.xml><?xml version="1.0" encoding="utf-8"?>
 <p:sld xmlns:a="http://schemas.openxmlformats.org/drawingml/2006/main" xmlns:r="http://schemas.openxmlformats.org/officeDocument/2006/relationships" xmlns:mc="http://schemas.openxmlformats.org/markup-compatibility/2006" xmlns:mv="urn:schemas-microsoft-com:mac:vml" xmlns:p="http://schemas.openxmlformats.org/presentationml/2006/main" mc:Ignorable="mv" mc:PreserveAttributes="mv:*">
   <p:cSld>
     <p:spTree>
@@ -40036,7 +38558,7 @@
             <a:fld id="{30E74574-7699-BE4C-8F08-804282B6DBB8}" type="slidenum">
               <a:rPr lang="en-US" smtClean="0"/>
               <a:pPr/>
-              <a:t>52</a:t>
+              <a:t>48</a:t>
             </a:fld>
             <a:endParaRPr lang="en-US"/>
           </a:p>
@@ -40057,7 +38579,142 @@
 </p:sld>
 </file>
 
-<file path=ppt/slides/slide54.xml><?xml version="1.0" encoding="utf-8"?>
+<file path=ppt/slides/slide5.xml><?xml version="1.0" encoding="utf-8"?>
+<p:sld xmlns:a="http://schemas.openxmlformats.org/drawingml/2006/main" xmlns:r="http://schemas.openxmlformats.org/officeDocument/2006/relationships" xmlns:mc="http://schemas.openxmlformats.org/markup-compatibility/2006" xmlns:mv="urn:schemas-microsoft-com:mac:vml" xmlns:p="http://schemas.openxmlformats.org/presentationml/2006/main" mc:Ignorable="mv" mc:PreserveAttributes="mv:*">
+  <p:cSld>
+    <p:spTree>
+      <p:nvGrpSpPr>
+        <p:cNvPr id="1" name=""/>
+        <p:cNvGrpSpPr/>
+        <p:nvPr/>
+      </p:nvGrpSpPr>
+      <p:grpSpPr>
+        <a:xfrm>
+          <a:off x="0" y="0"/>
+          <a:ext cx="0" cy="0"/>
+          <a:chOff x="0" y="0"/>
+          <a:chExt cx="0" cy="0"/>
+        </a:xfrm>
+      </p:grpSpPr>
+      <p:sp>
+        <p:nvSpPr>
+          <p:cNvPr id="2" name="Title 1"/>
+          <p:cNvSpPr>
+            <a:spLocks noGrp="1"/>
+          </p:cNvSpPr>
+          <p:nvPr>
+            <p:ph type="title"/>
+          </p:nvPr>
+        </p:nvSpPr>
+        <p:spPr/>
+        <p:txBody>
+          <a:bodyPr/>
+          <a:lstStyle/>
+          <a:p>
+            <a:r>
+              <a:rPr lang="en-US" dirty="0" smtClean="0"/>
+              <a:t>Outline</a:t>
+            </a:r>
+            <a:endParaRPr lang="en-US" dirty="0"/>
+          </a:p>
+        </p:txBody>
+      </p:sp>
+      <p:sp>
+        <p:nvSpPr>
+          <p:cNvPr id="3" name="Content Placeholder 2"/>
+          <p:cNvSpPr>
+            <a:spLocks noGrp="1"/>
+          </p:cNvSpPr>
+          <p:nvPr>
+            <p:ph idx="1"/>
+          </p:nvPr>
+        </p:nvSpPr>
+        <p:spPr/>
+        <p:txBody>
+          <a:bodyPr/>
+          <a:lstStyle/>
+          <a:p>
+            <a:r>
+              <a:rPr lang="en-US" dirty="0" smtClean="0"/>
+              <a:t>Motivation</a:t>
+            </a:r>
+          </a:p>
+          <a:p>
+            <a:r>
+              <a:rPr lang="en-US" dirty="0" smtClean="0">
+                <a:solidFill>
+                  <a:srgbClr val="3366FF"/>
+                </a:solidFill>
+              </a:rPr>
+              <a:t>Alignment with SNAP</a:t>
+            </a:r>
+          </a:p>
+          <a:p>
+            <a:r>
+              <a:rPr lang="en-US" dirty="0" smtClean="0"/>
+              <a:t>Problem:  Similarity</a:t>
+            </a:r>
+          </a:p>
+          <a:p>
+            <a:r>
+              <a:rPr lang="en-US" dirty="0" smtClean="0"/>
+              <a:t>Exploiting similarity in alignment</a:t>
+            </a:r>
+          </a:p>
+          <a:p>
+            <a:r>
+              <a:rPr lang="en-US" dirty="0" smtClean="0"/>
+              <a:t>Exploiting similarity throughout the pipeline</a:t>
+            </a:r>
+          </a:p>
+          <a:p>
+            <a:endParaRPr lang="en-US" dirty="0" smtClean="0"/>
+          </a:p>
+          <a:p>
+            <a:endParaRPr lang="en-US" dirty="0"/>
+          </a:p>
+        </p:txBody>
+      </p:sp>
+      <p:sp>
+        <p:nvSpPr>
+          <p:cNvPr id="4" name="Slide Number Placeholder 3"/>
+          <p:cNvSpPr>
+            <a:spLocks noGrp="1"/>
+          </p:cNvSpPr>
+          <p:nvPr>
+            <p:ph type="sldNum" sz="quarter" idx="12"/>
+          </p:nvPr>
+        </p:nvSpPr>
+        <p:spPr/>
+        <p:txBody>
+          <a:bodyPr/>
+          <a:lstStyle/>
+          <a:p>
+            <a:fld id="{30E74574-7699-BE4C-8F08-804282B6DBB8}" type="slidenum">
+              <a:rPr lang="en-US" smtClean="0"/>
+              <a:pPr/>
+              <a:t>4</a:t>
+            </a:fld>
+            <a:endParaRPr lang="en-US"/>
+          </a:p>
+        </p:txBody>
+      </p:sp>
+    </p:spTree>
+  </p:cSld>
+  <p:clrMapOvr>
+    <a:masterClrMapping/>
+  </p:clrMapOvr>
+  <p:timing>
+    <p:tnLst>
+      <p:par>
+        <p:cTn id="1" dur="indefinite" restart="never" nodeType="tmRoot"/>
+      </p:par>
+    </p:tnLst>
+  </p:timing>
+</p:sld>
+</file>
+
+<file path=ppt/slides/slide50.xml><?xml version="1.0" encoding="utf-8"?>
 <p:sld xmlns:a="http://schemas.openxmlformats.org/drawingml/2006/main" xmlns:r="http://schemas.openxmlformats.org/officeDocument/2006/relationships" xmlns:mc="http://schemas.openxmlformats.org/markup-compatibility/2006" xmlns:mv="urn:schemas-microsoft-com:mac:vml" xmlns:p="http://schemas.openxmlformats.org/presentationml/2006/main" mc:Ignorable="mv" mc:PreserveAttributes="mv:*">
   <p:cSld>
     <p:spTree>
@@ -40992,7 +39649,7 @@
             <a:fld id="{30E74574-7699-BE4C-8F08-804282B6DBB8}" type="slidenum">
               <a:rPr lang="en-US" smtClean="0"/>
               <a:pPr/>
-              <a:t>53</a:t>
+              <a:t>49</a:t>
             </a:fld>
             <a:endParaRPr lang="en-US"/>
           </a:p>
@@ -41893,6 +40550,1349 @@
       <p:bldP spid="19" grpId="0"/>
       <p:bldP spid="19" grpId="1"/>
       <p:bldP spid="25" grpId="0" animBg="1"/>
+    </p:bldLst>
+  </p:timing>
+</p:sld>
+</file>
+
+<file path=ppt/slides/slide51.xml><?xml version="1.0" encoding="utf-8"?>
+<p:sld xmlns:a="http://schemas.openxmlformats.org/drawingml/2006/main" xmlns:r="http://schemas.openxmlformats.org/officeDocument/2006/relationships" xmlns:mc="http://schemas.openxmlformats.org/markup-compatibility/2006" xmlns:mv="urn:schemas-microsoft-com:mac:vml" xmlns:p="http://schemas.openxmlformats.org/presentationml/2006/main" mc:Ignorable="mv" mc:PreserveAttributes="mv:*">
+  <p:cSld>
+    <p:spTree>
+      <p:nvGrpSpPr>
+        <p:cNvPr id="1" name=""/>
+        <p:cNvGrpSpPr/>
+        <p:nvPr/>
+      </p:nvGrpSpPr>
+      <p:grpSpPr>
+        <a:xfrm>
+          <a:off x="0" y="0"/>
+          <a:ext cx="0" cy="0"/>
+          <a:chOff x="0" y="0"/>
+          <a:chExt cx="0" cy="0"/>
+        </a:xfrm>
+      </p:grpSpPr>
+      <p:sp>
+        <p:nvSpPr>
+          <p:cNvPr id="2" name="Title 1"/>
+          <p:cNvSpPr>
+            <a:spLocks noGrp="1"/>
+          </p:cNvSpPr>
+          <p:nvPr>
+            <p:ph type="title"/>
+          </p:nvPr>
+        </p:nvSpPr>
+        <p:spPr/>
+        <p:txBody>
+          <a:bodyPr/>
+          <a:lstStyle/>
+          <a:p>
+            <a:r>
+              <a:rPr lang="en-US" dirty="0" smtClean="0"/>
+              <a:t>Techniques Involved</a:t>
+            </a:r>
+            <a:endParaRPr lang="en-US" dirty="0"/>
+          </a:p>
+        </p:txBody>
+      </p:sp>
+      <p:sp>
+        <p:nvSpPr>
+          <p:cNvPr id="3" name="Content Placeholder 2"/>
+          <p:cNvSpPr>
+            <a:spLocks noGrp="1"/>
+          </p:cNvSpPr>
+          <p:nvPr>
+            <p:ph idx="1"/>
+          </p:nvPr>
+        </p:nvSpPr>
+        <p:spPr/>
+        <p:txBody>
+          <a:bodyPr/>
+          <a:lstStyle/>
+          <a:p>
+            <a:r>
+              <a:rPr lang="en-US" dirty="0" smtClean="0"/>
+              <a:t>Similarity-aware index</a:t>
+            </a:r>
+          </a:p>
+          <a:p>
+            <a:r>
+              <a:rPr lang="en-US" dirty="0" smtClean="0"/>
+              <a:t>Intra-cluster pruning</a:t>
+            </a:r>
+          </a:p>
+          <a:p>
+            <a:r>
+              <a:rPr lang="en-US" dirty="0" smtClean="0"/>
+              <a:t>Multi-matcher</a:t>
+            </a:r>
+          </a:p>
+          <a:p>
+            <a:endParaRPr lang="en-US" dirty="0" smtClean="0"/>
+          </a:p>
+        </p:txBody>
+      </p:sp>
+      <p:sp>
+        <p:nvSpPr>
+          <p:cNvPr id="4" name="Slide Number Placeholder 3"/>
+          <p:cNvSpPr>
+            <a:spLocks noGrp="1"/>
+          </p:cNvSpPr>
+          <p:nvPr>
+            <p:ph type="sldNum" sz="quarter" idx="12"/>
+          </p:nvPr>
+        </p:nvSpPr>
+        <p:spPr/>
+        <p:txBody>
+          <a:bodyPr/>
+          <a:lstStyle/>
+          <a:p>
+            <a:fld id="{30E74574-7699-BE4C-8F08-804282B6DBB8}" type="slidenum">
+              <a:rPr lang="en-US" smtClean="0"/>
+              <a:pPr/>
+              <a:t>50</a:t>
+            </a:fld>
+            <a:endParaRPr lang="en-US"/>
+          </a:p>
+        </p:txBody>
+      </p:sp>
+    </p:spTree>
+  </p:cSld>
+  <p:clrMapOvr>
+    <a:masterClrMapping/>
+  </p:clrMapOvr>
+  <p:timing>
+    <p:tnLst>
+      <p:par>
+        <p:cTn id="1" dur="indefinite" restart="never" nodeType="tmRoot"/>
+      </p:par>
+    </p:tnLst>
+  </p:timing>
+</p:sld>
+</file>
+
+<file path=ppt/slides/slide52.xml><?xml version="1.0" encoding="utf-8"?>
+<p:sld xmlns:a="http://schemas.openxmlformats.org/drawingml/2006/main" xmlns:r="http://schemas.openxmlformats.org/officeDocument/2006/relationships" xmlns:mc="http://schemas.openxmlformats.org/markup-compatibility/2006" xmlns:mv="urn:schemas-microsoft-com:mac:vml" xmlns:p="http://schemas.openxmlformats.org/presentationml/2006/main" mc:Ignorable="mv" mc:PreserveAttributes="mv:*">
+  <p:cSld>
+    <p:spTree>
+      <p:nvGrpSpPr>
+        <p:cNvPr id="1" name=""/>
+        <p:cNvGrpSpPr/>
+        <p:nvPr/>
+      </p:nvGrpSpPr>
+      <p:grpSpPr>
+        <a:xfrm>
+          <a:off x="0" y="0"/>
+          <a:ext cx="0" cy="0"/>
+          <a:chOff x="0" y="0"/>
+          <a:chExt cx="0" cy="0"/>
+        </a:xfrm>
+      </p:grpSpPr>
+      <p:sp>
+        <p:nvSpPr>
+          <p:cNvPr id="2" name="Title 1"/>
+          <p:cNvSpPr>
+            <a:spLocks noGrp="1"/>
+          </p:cNvSpPr>
+          <p:nvPr>
+            <p:ph type="title"/>
+          </p:nvPr>
+        </p:nvSpPr>
+        <p:spPr/>
+        <p:txBody>
+          <a:bodyPr/>
+          <a:lstStyle/>
+          <a:p>
+            <a:r>
+              <a:rPr lang="en-US" dirty="0" smtClean="0"/>
+              <a:t>Similarity-aware Index</a:t>
+            </a:r>
+            <a:endParaRPr lang="en-US" dirty="0"/>
+          </a:p>
+        </p:txBody>
+      </p:sp>
+      <p:sp>
+        <p:nvSpPr>
+          <p:cNvPr id="3" name="Content Placeholder 2"/>
+          <p:cNvSpPr>
+            <a:spLocks noGrp="1"/>
+          </p:cNvSpPr>
+          <p:nvPr>
+            <p:ph idx="1"/>
+          </p:nvPr>
+        </p:nvSpPr>
+        <p:spPr/>
+        <p:txBody>
+          <a:bodyPr/>
+          <a:lstStyle/>
+          <a:p>
+            <a:r>
+              <a:rPr lang="en-US" dirty="0" smtClean="0"/>
+              <a:t>Goal:  reduce cache misses</a:t>
+            </a:r>
+          </a:p>
+          <a:p>
+            <a:r>
+              <a:rPr lang="en-US" dirty="0" smtClean="0"/>
+              <a:t>Modify SNAP index creation</a:t>
+            </a:r>
+          </a:p>
+          <a:p>
+            <a:r>
+              <a:rPr lang="en-US" dirty="0" smtClean="0"/>
+              <a:t>If a given position is in a cluster, insert the cluster’s location instead of the position</a:t>
+            </a:r>
+          </a:p>
+          <a:p>
+            <a:r>
+              <a:rPr lang="en-US" dirty="0" smtClean="0"/>
+              <a:t>Then, when aligning results in a lookup to that seed, you’ll hit the cluster</a:t>
+            </a:r>
+          </a:p>
+          <a:p>
+            <a:endParaRPr lang="en-US" dirty="0"/>
+          </a:p>
+        </p:txBody>
+      </p:sp>
+      <p:sp>
+        <p:nvSpPr>
+          <p:cNvPr id="4" name="Slide Number Placeholder 3"/>
+          <p:cNvSpPr>
+            <a:spLocks noGrp="1"/>
+          </p:cNvSpPr>
+          <p:nvPr>
+            <p:ph type="sldNum" sz="quarter" idx="12"/>
+          </p:nvPr>
+        </p:nvSpPr>
+        <p:spPr/>
+        <p:txBody>
+          <a:bodyPr/>
+          <a:lstStyle/>
+          <a:p>
+            <a:fld id="{30E74574-7699-BE4C-8F08-804282B6DBB8}" type="slidenum">
+              <a:rPr lang="en-US" smtClean="0"/>
+              <a:pPr/>
+              <a:t>51</a:t>
+            </a:fld>
+            <a:endParaRPr lang="en-US"/>
+          </a:p>
+        </p:txBody>
+      </p:sp>
+    </p:spTree>
+  </p:cSld>
+  <p:clrMapOvr>
+    <a:masterClrMapping/>
+  </p:clrMapOvr>
+  <p:timing>
+    <p:tnLst>
+      <p:par>
+        <p:cTn id="1" dur="indefinite" restart="never" nodeType="tmRoot">
+          <p:childTnLst>
+            <p:seq concurrent="1" nextAc="seek">
+              <p:cTn id="2" dur="indefinite" nodeType="mainSeq">
+                <p:childTnLst>
+                  <p:par>
+                    <p:cTn id="3" fill="hold">
+                      <p:stCondLst>
+                        <p:cond delay="indefinite"/>
+                        <p:cond evt="onBegin" delay="0">
+                          <p:tn val="2"/>
+                        </p:cond>
+                      </p:stCondLst>
+                      <p:childTnLst>
+                        <p:par>
+                          <p:cTn id="4" fill="hold">
+                            <p:stCondLst>
+                              <p:cond delay="0"/>
+                            </p:stCondLst>
+                            <p:childTnLst>
+                              <p:par>
+                                <p:cTn id="5" presetID="1" presetClass="entr" presetSubtype="0" fill="hold" grpId="0" nodeType="withEffect">
+                                  <p:stCondLst>
+                                    <p:cond delay="0"/>
+                                  </p:stCondLst>
+                                  <p:childTnLst>
+                                    <p:set>
+                                      <p:cBhvr>
+                                        <p:cTn id="6" dur="1" fill="hold">
+                                          <p:stCondLst>
+                                            <p:cond delay="0"/>
+                                          </p:stCondLst>
+                                        </p:cTn>
+                                        <p:tgtEl>
+                                          <p:spTgt spid="3">
+                                            <p:txEl>
+                                              <p:pRg st="0" end="0"/>
+                                            </p:txEl>
+                                          </p:spTgt>
+                                        </p:tgtEl>
+                                        <p:attrNameLst>
+                                          <p:attrName>style.visibility</p:attrName>
+                                        </p:attrNameLst>
+                                      </p:cBhvr>
+                                      <p:to>
+                                        <p:strVal val="visible"/>
+                                      </p:to>
+                                    </p:set>
+                                  </p:childTnLst>
+                                </p:cTn>
+                              </p:par>
+                            </p:childTnLst>
+                          </p:cTn>
+                        </p:par>
+                      </p:childTnLst>
+                    </p:cTn>
+                  </p:par>
+                  <p:par>
+                    <p:cTn id="7" fill="hold">
+                      <p:stCondLst>
+                        <p:cond delay="indefinite"/>
+                      </p:stCondLst>
+                      <p:childTnLst>
+                        <p:par>
+                          <p:cTn id="8" fill="hold">
+                            <p:stCondLst>
+                              <p:cond delay="0"/>
+                            </p:stCondLst>
+                            <p:childTnLst>
+                              <p:par>
+                                <p:cTn id="9" presetID="1" presetClass="entr" presetSubtype="0" fill="hold" grpId="0" nodeType="clickEffect">
+                                  <p:stCondLst>
+                                    <p:cond delay="0"/>
+                                  </p:stCondLst>
+                                  <p:childTnLst>
+                                    <p:set>
+                                      <p:cBhvr>
+                                        <p:cTn id="10" dur="1" fill="hold">
+                                          <p:stCondLst>
+                                            <p:cond delay="0"/>
+                                          </p:stCondLst>
+                                        </p:cTn>
+                                        <p:tgtEl>
+                                          <p:spTgt spid="3">
+                                            <p:txEl>
+                                              <p:pRg st="1" end="1"/>
+                                            </p:txEl>
+                                          </p:spTgt>
+                                        </p:tgtEl>
+                                        <p:attrNameLst>
+                                          <p:attrName>style.visibility</p:attrName>
+                                        </p:attrNameLst>
+                                      </p:cBhvr>
+                                      <p:to>
+                                        <p:strVal val="visible"/>
+                                      </p:to>
+                                    </p:set>
+                                  </p:childTnLst>
+                                </p:cTn>
+                              </p:par>
+                            </p:childTnLst>
+                          </p:cTn>
+                        </p:par>
+                      </p:childTnLst>
+                    </p:cTn>
+                  </p:par>
+                  <p:par>
+                    <p:cTn id="11" fill="hold">
+                      <p:stCondLst>
+                        <p:cond delay="indefinite"/>
+                      </p:stCondLst>
+                      <p:childTnLst>
+                        <p:par>
+                          <p:cTn id="12" fill="hold">
+                            <p:stCondLst>
+                              <p:cond delay="0"/>
+                            </p:stCondLst>
+                            <p:childTnLst>
+                              <p:par>
+                                <p:cTn id="13" presetID="1" presetClass="entr" presetSubtype="0" fill="hold" grpId="0" nodeType="clickEffect">
+                                  <p:stCondLst>
+                                    <p:cond delay="0"/>
+                                  </p:stCondLst>
+                                  <p:childTnLst>
+                                    <p:set>
+                                      <p:cBhvr>
+                                        <p:cTn id="14" dur="1" fill="hold">
+                                          <p:stCondLst>
+                                            <p:cond delay="0"/>
+                                          </p:stCondLst>
+                                        </p:cTn>
+                                        <p:tgtEl>
+                                          <p:spTgt spid="3">
+                                            <p:txEl>
+                                              <p:pRg st="2" end="2"/>
+                                            </p:txEl>
+                                          </p:spTgt>
+                                        </p:tgtEl>
+                                        <p:attrNameLst>
+                                          <p:attrName>style.visibility</p:attrName>
+                                        </p:attrNameLst>
+                                      </p:cBhvr>
+                                      <p:to>
+                                        <p:strVal val="visible"/>
+                                      </p:to>
+                                    </p:set>
+                                  </p:childTnLst>
+                                </p:cTn>
+                              </p:par>
+                            </p:childTnLst>
+                          </p:cTn>
+                        </p:par>
+                      </p:childTnLst>
+                    </p:cTn>
+                  </p:par>
+                  <p:par>
+                    <p:cTn id="15" fill="hold">
+                      <p:stCondLst>
+                        <p:cond delay="indefinite"/>
+                      </p:stCondLst>
+                      <p:childTnLst>
+                        <p:par>
+                          <p:cTn id="16" fill="hold">
+                            <p:stCondLst>
+                              <p:cond delay="0"/>
+                            </p:stCondLst>
+                            <p:childTnLst>
+                              <p:par>
+                                <p:cTn id="17" presetID="1" presetClass="entr" presetSubtype="0" fill="hold" grpId="0" nodeType="clickEffect">
+                                  <p:stCondLst>
+                                    <p:cond delay="0"/>
+                                  </p:stCondLst>
+                                  <p:childTnLst>
+                                    <p:set>
+                                      <p:cBhvr>
+                                        <p:cTn id="18" dur="1" fill="hold">
+                                          <p:stCondLst>
+                                            <p:cond delay="0"/>
+                                          </p:stCondLst>
+                                        </p:cTn>
+                                        <p:tgtEl>
+                                          <p:spTgt spid="3">
+                                            <p:txEl>
+                                              <p:pRg st="3" end="3"/>
+                                            </p:txEl>
+                                          </p:spTgt>
+                                        </p:tgtEl>
+                                        <p:attrNameLst>
+                                          <p:attrName>style.visibility</p:attrName>
+                                        </p:attrNameLst>
+                                      </p:cBhvr>
+                                      <p:to>
+                                        <p:strVal val="visible"/>
+                                      </p:to>
+                                    </p:set>
+                                  </p:childTnLst>
+                                </p:cTn>
+                              </p:par>
+                            </p:childTnLst>
+                          </p:cTn>
+                        </p:par>
+                      </p:childTnLst>
+                    </p:cTn>
+                  </p:par>
+                </p:childTnLst>
+              </p:cTn>
+              <p:prevCondLst>
+                <p:cond evt="onPrev" delay="0">
+                  <p:tgtEl>
+                    <p:sldTgt/>
+                  </p:tgtEl>
+                </p:cond>
+              </p:prevCondLst>
+              <p:nextCondLst>
+                <p:cond evt="onNext" delay="0">
+                  <p:tgtEl>
+                    <p:sldTgt/>
+                  </p:tgtEl>
+                </p:cond>
+              </p:nextCondLst>
+            </p:seq>
+          </p:childTnLst>
+        </p:cTn>
+      </p:par>
+    </p:tnLst>
+    <p:bldLst>
+      <p:bldP spid="3" grpId="0" build="p"/>
+    </p:bldLst>
+  </p:timing>
+</p:sld>
+</file>
+
+<file path=ppt/slides/slide53.xml><?xml version="1.0" encoding="utf-8"?>
+<p:sld xmlns:a="http://schemas.openxmlformats.org/drawingml/2006/main" xmlns:r="http://schemas.openxmlformats.org/officeDocument/2006/relationships" xmlns:mc="http://schemas.openxmlformats.org/markup-compatibility/2006" xmlns:mv="urn:schemas-microsoft-com:mac:vml" xmlns:p="http://schemas.openxmlformats.org/presentationml/2006/main" mc:Ignorable="mv" mc:PreserveAttributes="mv:*">
+  <p:cSld>
+    <p:spTree>
+      <p:nvGrpSpPr>
+        <p:cNvPr id="1" name=""/>
+        <p:cNvGrpSpPr/>
+        <p:nvPr/>
+      </p:nvGrpSpPr>
+      <p:grpSpPr>
+        <a:xfrm>
+          <a:off x="0" y="0"/>
+          <a:ext cx="0" cy="0"/>
+          <a:chOff x="0" y="0"/>
+          <a:chExt cx="0" cy="0"/>
+        </a:xfrm>
+      </p:grpSpPr>
+      <p:sp>
+        <p:nvSpPr>
+          <p:cNvPr id="2" name="Title 1"/>
+          <p:cNvSpPr>
+            <a:spLocks noGrp="1"/>
+          </p:cNvSpPr>
+          <p:nvPr>
+            <p:ph type="title"/>
+          </p:nvPr>
+        </p:nvSpPr>
+        <p:spPr/>
+        <p:txBody>
+          <a:bodyPr/>
+          <a:lstStyle/>
+          <a:p>
+            <a:r>
+              <a:rPr lang="en-US" dirty="0" smtClean="0"/>
+              <a:t>Intra-cluster pruning</a:t>
+            </a:r>
+            <a:endParaRPr lang="en-US" dirty="0"/>
+          </a:p>
+        </p:txBody>
+      </p:sp>
+      <p:sp>
+        <p:nvSpPr>
+          <p:cNvPr id="3" name="Content Placeholder 2"/>
+          <p:cNvSpPr>
+            <a:spLocks noGrp="1"/>
+          </p:cNvSpPr>
+          <p:nvPr>
+            <p:ph idx="1"/>
+          </p:nvPr>
+        </p:nvSpPr>
+        <p:spPr/>
+        <p:txBody>
+          <a:bodyPr/>
+          <a:lstStyle/>
+          <a:p>
+            <a:pPr marL="342900" lvl="1" indent="-342900">
+              <a:buFont typeface="Arial"/>
+              <a:buChar char="•"/>
+            </a:pPr>
+            <a:r>
+              <a:rPr lang="en-US" dirty="0" smtClean="0"/>
+              <a:t>Goal:  preserve speed even if clusters are overly inclusive</a:t>
+            </a:r>
+          </a:p>
+          <a:p>
+            <a:pPr marL="742950" lvl="2" indent="-342900">
+              <a:buFont typeface="Lucida Grande"/>
+              <a:buChar char="-"/>
+            </a:pPr>
+            <a:r>
+              <a:rPr lang="en-US" dirty="0" smtClean="0"/>
+              <a:t>Tradeoff:  larger clusters improve accuracy, but result in lots of unnecessary comparisons =&gt; reduce speed</a:t>
+            </a:r>
+          </a:p>
+          <a:p>
+            <a:pPr marL="342900" lvl="1" indent="-342900">
+              <a:buFont typeface="Arial"/>
+              <a:buChar char="•"/>
+            </a:pPr>
+            <a:r>
+              <a:rPr lang="en-US" dirty="0" smtClean="0"/>
+              <a:t>For each cluster, </a:t>
+            </a:r>
+            <a:r>
+              <a:rPr lang="en-US" dirty="0" err="1" smtClean="0"/>
+              <a:t>precompute</a:t>
+            </a:r>
+            <a:r>
+              <a:rPr lang="en-US" dirty="0" smtClean="0"/>
+              <a:t> the consensus string, as well as each member’s differences from the consensus</a:t>
+            </a:r>
+          </a:p>
+          <a:p>
+            <a:pPr marL="342900" lvl="1" indent="-342900">
+              <a:buFont typeface="Arial"/>
+              <a:buChar char="•"/>
+            </a:pPr>
+            <a:r>
+              <a:rPr lang="en-US" dirty="0" smtClean="0"/>
+              <a:t>When aligning a read, based on its </a:t>
+            </a:r>
+            <a:r>
+              <a:rPr lang="en-US" dirty="0" err="1" smtClean="0"/>
+              <a:t>diffs</a:t>
+            </a:r>
+            <a:r>
+              <a:rPr lang="en-US" dirty="0" smtClean="0"/>
+              <a:t> </a:t>
+            </a:r>
+            <a:r>
+              <a:rPr lang="en-US" dirty="0" err="1" smtClean="0"/>
+              <a:t>wrt</a:t>
+            </a:r>
+            <a:r>
+              <a:rPr lang="en-US" dirty="0" smtClean="0"/>
+              <a:t> the consensus, use the triangle inequality to rule out cluster members that are too far away</a:t>
+            </a:r>
+          </a:p>
+          <a:p>
+            <a:endParaRPr lang="en-US" dirty="0"/>
+          </a:p>
+        </p:txBody>
+      </p:sp>
+      <p:sp>
+        <p:nvSpPr>
+          <p:cNvPr id="4" name="Slide Number Placeholder 3"/>
+          <p:cNvSpPr>
+            <a:spLocks noGrp="1"/>
+          </p:cNvSpPr>
+          <p:nvPr>
+            <p:ph type="sldNum" sz="quarter" idx="12"/>
+          </p:nvPr>
+        </p:nvSpPr>
+        <p:spPr/>
+        <p:txBody>
+          <a:bodyPr/>
+          <a:lstStyle/>
+          <a:p>
+            <a:fld id="{30E74574-7699-BE4C-8F08-804282B6DBB8}" type="slidenum">
+              <a:rPr lang="en-US" smtClean="0"/>
+              <a:pPr/>
+              <a:t>52</a:t>
+            </a:fld>
+            <a:endParaRPr lang="en-US"/>
+          </a:p>
+        </p:txBody>
+      </p:sp>
+    </p:spTree>
+  </p:cSld>
+  <p:clrMapOvr>
+    <a:masterClrMapping/>
+  </p:clrMapOvr>
+  <p:timing>
+    <p:tnLst>
+      <p:par>
+        <p:cTn id="1" dur="indefinite" restart="never" nodeType="tmRoot">
+          <p:childTnLst>
+            <p:seq concurrent="1" nextAc="seek">
+              <p:cTn id="2" dur="indefinite" nodeType="mainSeq">
+                <p:childTnLst>
+                  <p:par>
+                    <p:cTn id="3" fill="hold">
+                      <p:stCondLst>
+                        <p:cond delay="indefinite"/>
+                        <p:cond evt="onBegin" delay="0">
+                          <p:tn val="2"/>
+                        </p:cond>
+                      </p:stCondLst>
+                      <p:childTnLst>
+                        <p:par>
+                          <p:cTn id="4" fill="hold">
+                            <p:stCondLst>
+                              <p:cond delay="0"/>
+                            </p:stCondLst>
+                            <p:childTnLst>
+                              <p:par>
+                                <p:cTn id="5" presetID="1" presetClass="entr" presetSubtype="0" fill="hold" grpId="0" nodeType="withEffect">
+                                  <p:stCondLst>
+                                    <p:cond delay="0"/>
+                                  </p:stCondLst>
+                                  <p:childTnLst>
+                                    <p:set>
+                                      <p:cBhvr>
+                                        <p:cTn id="6" dur="1" fill="hold">
+                                          <p:stCondLst>
+                                            <p:cond delay="0"/>
+                                          </p:stCondLst>
+                                        </p:cTn>
+                                        <p:tgtEl>
+                                          <p:spTgt spid="3">
+                                            <p:txEl>
+                                              <p:pRg st="0" end="0"/>
+                                            </p:txEl>
+                                          </p:spTgt>
+                                        </p:tgtEl>
+                                        <p:attrNameLst>
+                                          <p:attrName>style.visibility</p:attrName>
+                                        </p:attrNameLst>
+                                      </p:cBhvr>
+                                      <p:to>
+                                        <p:strVal val="visible"/>
+                                      </p:to>
+                                    </p:set>
+                                  </p:childTnLst>
+                                </p:cTn>
+                              </p:par>
+                            </p:childTnLst>
+                          </p:cTn>
+                        </p:par>
+                      </p:childTnLst>
+                    </p:cTn>
+                  </p:par>
+                  <p:par>
+                    <p:cTn id="7" fill="hold">
+                      <p:stCondLst>
+                        <p:cond delay="indefinite"/>
+                      </p:stCondLst>
+                      <p:childTnLst>
+                        <p:par>
+                          <p:cTn id="8" fill="hold">
+                            <p:stCondLst>
+                              <p:cond delay="0"/>
+                            </p:stCondLst>
+                            <p:childTnLst>
+                              <p:par>
+                                <p:cTn id="9" presetID="1" presetClass="entr" presetSubtype="0" fill="hold" grpId="0" nodeType="clickEffect">
+                                  <p:stCondLst>
+                                    <p:cond delay="0"/>
+                                  </p:stCondLst>
+                                  <p:childTnLst>
+                                    <p:set>
+                                      <p:cBhvr>
+                                        <p:cTn id="10" dur="1" fill="hold">
+                                          <p:stCondLst>
+                                            <p:cond delay="0"/>
+                                          </p:stCondLst>
+                                        </p:cTn>
+                                        <p:tgtEl>
+                                          <p:spTgt spid="3">
+                                            <p:txEl>
+                                              <p:pRg st="1" end="1"/>
+                                            </p:txEl>
+                                          </p:spTgt>
+                                        </p:tgtEl>
+                                        <p:attrNameLst>
+                                          <p:attrName>style.visibility</p:attrName>
+                                        </p:attrNameLst>
+                                      </p:cBhvr>
+                                      <p:to>
+                                        <p:strVal val="visible"/>
+                                      </p:to>
+                                    </p:set>
+                                  </p:childTnLst>
+                                </p:cTn>
+                              </p:par>
+                            </p:childTnLst>
+                          </p:cTn>
+                        </p:par>
+                      </p:childTnLst>
+                    </p:cTn>
+                  </p:par>
+                  <p:par>
+                    <p:cTn id="11" fill="hold">
+                      <p:stCondLst>
+                        <p:cond delay="indefinite"/>
+                      </p:stCondLst>
+                      <p:childTnLst>
+                        <p:par>
+                          <p:cTn id="12" fill="hold">
+                            <p:stCondLst>
+                              <p:cond delay="0"/>
+                            </p:stCondLst>
+                            <p:childTnLst>
+                              <p:par>
+                                <p:cTn id="13" presetID="1" presetClass="entr" presetSubtype="0" fill="hold" grpId="0" nodeType="clickEffect">
+                                  <p:stCondLst>
+                                    <p:cond delay="0"/>
+                                  </p:stCondLst>
+                                  <p:childTnLst>
+                                    <p:set>
+                                      <p:cBhvr>
+                                        <p:cTn id="14" dur="1" fill="hold">
+                                          <p:stCondLst>
+                                            <p:cond delay="0"/>
+                                          </p:stCondLst>
+                                        </p:cTn>
+                                        <p:tgtEl>
+                                          <p:spTgt spid="3">
+                                            <p:txEl>
+                                              <p:pRg st="2" end="2"/>
+                                            </p:txEl>
+                                          </p:spTgt>
+                                        </p:tgtEl>
+                                        <p:attrNameLst>
+                                          <p:attrName>style.visibility</p:attrName>
+                                        </p:attrNameLst>
+                                      </p:cBhvr>
+                                      <p:to>
+                                        <p:strVal val="visible"/>
+                                      </p:to>
+                                    </p:set>
+                                  </p:childTnLst>
+                                </p:cTn>
+                              </p:par>
+                            </p:childTnLst>
+                          </p:cTn>
+                        </p:par>
+                      </p:childTnLst>
+                    </p:cTn>
+                  </p:par>
+                  <p:par>
+                    <p:cTn id="15" fill="hold">
+                      <p:stCondLst>
+                        <p:cond delay="indefinite"/>
+                      </p:stCondLst>
+                      <p:childTnLst>
+                        <p:par>
+                          <p:cTn id="16" fill="hold">
+                            <p:stCondLst>
+                              <p:cond delay="0"/>
+                            </p:stCondLst>
+                            <p:childTnLst>
+                              <p:par>
+                                <p:cTn id="17" presetID="1" presetClass="entr" presetSubtype="0" fill="hold" grpId="0" nodeType="clickEffect">
+                                  <p:stCondLst>
+                                    <p:cond delay="0"/>
+                                  </p:stCondLst>
+                                  <p:childTnLst>
+                                    <p:set>
+                                      <p:cBhvr>
+                                        <p:cTn id="18" dur="1" fill="hold">
+                                          <p:stCondLst>
+                                            <p:cond delay="0"/>
+                                          </p:stCondLst>
+                                        </p:cTn>
+                                        <p:tgtEl>
+                                          <p:spTgt spid="3">
+                                            <p:txEl>
+                                              <p:pRg st="3" end="3"/>
+                                            </p:txEl>
+                                          </p:spTgt>
+                                        </p:tgtEl>
+                                        <p:attrNameLst>
+                                          <p:attrName>style.visibility</p:attrName>
+                                        </p:attrNameLst>
+                                      </p:cBhvr>
+                                      <p:to>
+                                        <p:strVal val="visible"/>
+                                      </p:to>
+                                    </p:set>
+                                  </p:childTnLst>
+                                </p:cTn>
+                              </p:par>
+                            </p:childTnLst>
+                          </p:cTn>
+                        </p:par>
+                      </p:childTnLst>
+                    </p:cTn>
+                  </p:par>
+                </p:childTnLst>
+              </p:cTn>
+              <p:prevCondLst>
+                <p:cond evt="onPrev" delay="0">
+                  <p:tgtEl>
+                    <p:sldTgt/>
+                  </p:tgtEl>
+                </p:cond>
+              </p:prevCondLst>
+              <p:nextCondLst>
+                <p:cond evt="onNext" delay="0">
+                  <p:tgtEl>
+                    <p:sldTgt/>
+                  </p:tgtEl>
+                </p:cond>
+              </p:nextCondLst>
+            </p:seq>
+          </p:childTnLst>
+        </p:cTn>
+      </p:par>
+    </p:tnLst>
+    <p:bldLst>
+      <p:bldP spid="3" grpId="0" build="p"/>
+    </p:bldLst>
+  </p:timing>
+</p:sld>
+</file>
+
+<file path=ppt/slides/slide54.xml><?xml version="1.0" encoding="utf-8"?>
+<p:sld xmlns:a="http://schemas.openxmlformats.org/drawingml/2006/main" xmlns:r="http://schemas.openxmlformats.org/officeDocument/2006/relationships" xmlns:mc="http://schemas.openxmlformats.org/markup-compatibility/2006" xmlns:mv="urn:schemas-microsoft-com:mac:vml" xmlns:p="http://schemas.openxmlformats.org/presentationml/2006/main" mc:Ignorable="mv" mc:PreserveAttributes="mv:*">
+  <p:cSld>
+    <p:spTree>
+      <p:nvGrpSpPr>
+        <p:cNvPr id="1" name=""/>
+        <p:cNvGrpSpPr/>
+        <p:nvPr/>
+      </p:nvGrpSpPr>
+      <p:grpSpPr>
+        <a:xfrm>
+          <a:off x="0" y="0"/>
+          <a:ext cx="0" cy="0"/>
+          <a:chOff x="0" y="0"/>
+          <a:chExt cx="0" cy="0"/>
+        </a:xfrm>
+      </p:grpSpPr>
+      <p:sp>
+        <p:nvSpPr>
+          <p:cNvPr id="2" name="Title 1"/>
+          <p:cNvSpPr>
+            <a:spLocks noGrp="1"/>
+          </p:cNvSpPr>
+          <p:nvPr>
+            <p:ph type="title"/>
+          </p:nvPr>
+        </p:nvSpPr>
+        <p:spPr/>
+        <p:txBody>
+          <a:bodyPr/>
+          <a:lstStyle/>
+          <a:p>
+            <a:r>
+              <a:rPr lang="en-US" dirty="0" smtClean="0"/>
+              <a:t>Multi-matcher</a:t>
+            </a:r>
+            <a:endParaRPr lang="en-US" dirty="0"/>
+          </a:p>
+        </p:txBody>
+      </p:sp>
+      <p:sp>
+        <p:nvSpPr>
+          <p:cNvPr id="3" name="Content Placeholder 2"/>
+          <p:cNvSpPr>
+            <a:spLocks noGrp="1"/>
+          </p:cNvSpPr>
+          <p:nvPr>
+            <p:ph idx="1"/>
+          </p:nvPr>
+        </p:nvSpPr>
+        <p:spPr>
+          <a:xfrm>
+            <a:off x="457200" y="1600200"/>
+            <a:ext cx="8229600" cy="4525963"/>
+          </a:xfrm>
+        </p:spPr>
+        <p:txBody>
+          <a:bodyPr>
+            <a:noAutofit/>
+          </a:bodyPr>
+          <a:lstStyle/>
+          <a:p>
+            <a:pPr marL="342900" lvl="1" indent="-342900">
+              <a:buFont typeface="Arial"/>
+              <a:buChar char="•"/>
+            </a:pPr>
+            <a:r>
+              <a:rPr lang="en-US" dirty="0" smtClean="0"/>
+              <a:t>Goal:  Exploit similarity to reuse work</a:t>
+            </a:r>
+          </a:p>
+          <a:p>
+            <a:pPr marL="342900" lvl="1" indent="-342900">
+              <a:buFont typeface="Arial"/>
+              <a:buChar char="•"/>
+            </a:pPr>
+            <a:r>
+              <a:rPr lang="en-US" sz="2800" dirty="0" smtClean="0"/>
+              <a:t>Compute the cluster’s consensus string</a:t>
+            </a:r>
+          </a:p>
+          <a:p>
+            <a:r>
+              <a:rPr lang="en-US" sz="2800" dirty="0" smtClean="0"/>
+              <a:t>Represent each cluster member as a set of </a:t>
+            </a:r>
+            <a:r>
+              <a:rPr lang="en-US" sz="2800" dirty="0" err="1" smtClean="0"/>
+              <a:t>diffs</a:t>
+            </a:r>
+            <a:r>
+              <a:rPr lang="en-US" sz="2800" dirty="0" smtClean="0"/>
+              <a:t> </a:t>
+            </a:r>
+            <a:r>
+              <a:rPr lang="en-US" sz="2800" dirty="0" err="1" smtClean="0"/>
+              <a:t>wrt</a:t>
+            </a:r>
+            <a:r>
+              <a:rPr lang="en-US" sz="2800" dirty="0" smtClean="0"/>
+              <a:t> the consensus</a:t>
+            </a:r>
+          </a:p>
+          <a:p>
+            <a:r>
+              <a:rPr lang="en-US" sz="2800" dirty="0" smtClean="0"/>
+              <a:t>Computational savings due to comparing only against </a:t>
+            </a:r>
+            <a:r>
+              <a:rPr lang="en-US" sz="2800" dirty="0" err="1" smtClean="0"/>
+              <a:t>diffs</a:t>
+            </a:r>
+            <a:r>
+              <a:rPr lang="en-US" sz="2800" dirty="0" smtClean="0"/>
+              <a:t>, rather than all strings in full</a:t>
+            </a:r>
+          </a:p>
+          <a:p>
+            <a:r>
+              <a:rPr lang="en-US" sz="2800" dirty="0" smtClean="0"/>
+              <a:t>For best-matcher:  find two closest</a:t>
+            </a:r>
+          </a:p>
+          <a:p>
+            <a:r>
+              <a:rPr lang="en-US" sz="2800" dirty="0" smtClean="0"/>
+              <a:t>For all-matcher:  find all within given distance</a:t>
+            </a:r>
+          </a:p>
+        </p:txBody>
+      </p:sp>
+      <p:sp>
+        <p:nvSpPr>
+          <p:cNvPr id="4" name="Slide Number Placeholder 3"/>
+          <p:cNvSpPr>
+            <a:spLocks noGrp="1"/>
+          </p:cNvSpPr>
+          <p:nvPr>
+            <p:ph type="sldNum" sz="quarter" idx="12"/>
+          </p:nvPr>
+        </p:nvSpPr>
+        <p:spPr/>
+        <p:txBody>
+          <a:bodyPr/>
+          <a:lstStyle/>
+          <a:p>
+            <a:fld id="{30E74574-7699-BE4C-8F08-804282B6DBB8}" type="slidenum">
+              <a:rPr lang="en-US" smtClean="0"/>
+              <a:pPr/>
+              <a:t>53</a:t>
+            </a:fld>
+            <a:endParaRPr lang="en-US"/>
+          </a:p>
+        </p:txBody>
+      </p:sp>
+    </p:spTree>
+  </p:cSld>
+  <p:clrMapOvr>
+    <a:masterClrMapping/>
+  </p:clrMapOvr>
+  <p:timing>
+    <p:tnLst>
+      <p:par>
+        <p:cTn id="1" dur="indefinite" restart="never" nodeType="tmRoot">
+          <p:childTnLst>
+            <p:seq concurrent="1" nextAc="seek">
+              <p:cTn id="2" dur="indefinite" nodeType="mainSeq">
+                <p:childTnLst>
+                  <p:par>
+                    <p:cTn id="3" fill="hold">
+                      <p:stCondLst>
+                        <p:cond delay="indefinite"/>
+                        <p:cond evt="onBegin" delay="0">
+                          <p:tn val="2"/>
+                        </p:cond>
+                      </p:stCondLst>
+                      <p:childTnLst>
+                        <p:par>
+                          <p:cTn id="4" fill="hold">
+                            <p:stCondLst>
+                              <p:cond delay="0"/>
+                            </p:stCondLst>
+                            <p:childTnLst>
+                              <p:par>
+                                <p:cTn id="5" presetID="1" presetClass="entr" presetSubtype="0" fill="hold" grpId="0" nodeType="withEffect">
+                                  <p:stCondLst>
+                                    <p:cond delay="0"/>
+                                  </p:stCondLst>
+                                  <p:childTnLst>
+                                    <p:set>
+                                      <p:cBhvr>
+                                        <p:cTn id="6" dur="1" fill="hold">
+                                          <p:stCondLst>
+                                            <p:cond delay="0"/>
+                                          </p:stCondLst>
+                                        </p:cTn>
+                                        <p:tgtEl>
+                                          <p:spTgt spid="3">
+                                            <p:txEl>
+                                              <p:pRg st="0" end="0"/>
+                                            </p:txEl>
+                                          </p:spTgt>
+                                        </p:tgtEl>
+                                        <p:attrNameLst>
+                                          <p:attrName>style.visibility</p:attrName>
+                                        </p:attrNameLst>
+                                      </p:cBhvr>
+                                      <p:to>
+                                        <p:strVal val="visible"/>
+                                      </p:to>
+                                    </p:set>
+                                  </p:childTnLst>
+                                </p:cTn>
+                              </p:par>
+                            </p:childTnLst>
+                          </p:cTn>
+                        </p:par>
+                      </p:childTnLst>
+                    </p:cTn>
+                  </p:par>
+                  <p:par>
+                    <p:cTn id="7" fill="hold">
+                      <p:stCondLst>
+                        <p:cond delay="indefinite"/>
+                      </p:stCondLst>
+                      <p:childTnLst>
+                        <p:par>
+                          <p:cTn id="8" fill="hold">
+                            <p:stCondLst>
+                              <p:cond delay="0"/>
+                            </p:stCondLst>
+                            <p:childTnLst>
+                              <p:par>
+                                <p:cTn id="9" presetID="1" presetClass="entr" presetSubtype="0" fill="hold" grpId="0" nodeType="clickEffect">
+                                  <p:stCondLst>
+                                    <p:cond delay="0"/>
+                                  </p:stCondLst>
+                                  <p:childTnLst>
+                                    <p:set>
+                                      <p:cBhvr>
+                                        <p:cTn id="10" dur="1" fill="hold">
+                                          <p:stCondLst>
+                                            <p:cond delay="0"/>
+                                          </p:stCondLst>
+                                        </p:cTn>
+                                        <p:tgtEl>
+                                          <p:spTgt spid="3">
+                                            <p:txEl>
+                                              <p:pRg st="1" end="1"/>
+                                            </p:txEl>
+                                          </p:spTgt>
+                                        </p:tgtEl>
+                                        <p:attrNameLst>
+                                          <p:attrName>style.visibility</p:attrName>
+                                        </p:attrNameLst>
+                                      </p:cBhvr>
+                                      <p:to>
+                                        <p:strVal val="visible"/>
+                                      </p:to>
+                                    </p:set>
+                                  </p:childTnLst>
+                                </p:cTn>
+                              </p:par>
+                            </p:childTnLst>
+                          </p:cTn>
+                        </p:par>
+                      </p:childTnLst>
+                    </p:cTn>
+                  </p:par>
+                  <p:par>
+                    <p:cTn id="11" fill="hold">
+                      <p:stCondLst>
+                        <p:cond delay="indefinite"/>
+                      </p:stCondLst>
+                      <p:childTnLst>
+                        <p:par>
+                          <p:cTn id="12" fill="hold">
+                            <p:stCondLst>
+                              <p:cond delay="0"/>
+                            </p:stCondLst>
+                            <p:childTnLst>
+                              <p:par>
+                                <p:cTn id="13" presetID="1" presetClass="entr" presetSubtype="0" fill="hold" grpId="0" nodeType="clickEffect">
+                                  <p:stCondLst>
+                                    <p:cond delay="0"/>
+                                  </p:stCondLst>
+                                  <p:childTnLst>
+                                    <p:set>
+                                      <p:cBhvr>
+                                        <p:cTn id="14" dur="1" fill="hold">
+                                          <p:stCondLst>
+                                            <p:cond delay="0"/>
+                                          </p:stCondLst>
+                                        </p:cTn>
+                                        <p:tgtEl>
+                                          <p:spTgt spid="3">
+                                            <p:txEl>
+                                              <p:pRg st="2" end="2"/>
+                                            </p:txEl>
+                                          </p:spTgt>
+                                        </p:tgtEl>
+                                        <p:attrNameLst>
+                                          <p:attrName>style.visibility</p:attrName>
+                                        </p:attrNameLst>
+                                      </p:cBhvr>
+                                      <p:to>
+                                        <p:strVal val="visible"/>
+                                      </p:to>
+                                    </p:set>
+                                  </p:childTnLst>
+                                </p:cTn>
+                              </p:par>
+                            </p:childTnLst>
+                          </p:cTn>
+                        </p:par>
+                      </p:childTnLst>
+                    </p:cTn>
+                  </p:par>
+                  <p:par>
+                    <p:cTn id="15" fill="hold">
+                      <p:stCondLst>
+                        <p:cond delay="indefinite"/>
+                      </p:stCondLst>
+                      <p:childTnLst>
+                        <p:par>
+                          <p:cTn id="16" fill="hold">
+                            <p:stCondLst>
+                              <p:cond delay="0"/>
+                            </p:stCondLst>
+                            <p:childTnLst>
+                              <p:par>
+                                <p:cTn id="17" presetID="1" presetClass="entr" presetSubtype="0" fill="hold" grpId="0" nodeType="clickEffect">
+                                  <p:stCondLst>
+                                    <p:cond delay="0"/>
+                                  </p:stCondLst>
+                                  <p:childTnLst>
+                                    <p:set>
+                                      <p:cBhvr>
+                                        <p:cTn id="18" dur="1" fill="hold">
+                                          <p:stCondLst>
+                                            <p:cond delay="0"/>
+                                          </p:stCondLst>
+                                        </p:cTn>
+                                        <p:tgtEl>
+                                          <p:spTgt spid="3">
+                                            <p:txEl>
+                                              <p:pRg st="3" end="3"/>
+                                            </p:txEl>
+                                          </p:spTgt>
+                                        </p:tgtEl>
+                                        <p:attrNameLst>
+                                          <p:attrName>style.visibility</p:attrName>
+                                        </p:attrNameLst>
+                                      </p:cBhvr>
+                                      <p:to>
+                                        <p:strVal val="visible"/>
+                                      </p:to>
+                                    </p:set>
+                                  </p:childTnLst>
+                                </p:cTn>
+                              </p:par>
+                            </p:childTnLst>
+                          </p:cTn>
+                        </p:par>
+                      </p:childTnLst>
+                    </p:cTn>
+                  </p:par>
+                  <p:par>
+                    <p:cTn id="19" fill="hold">
+                      <p:stCondLst>
+                        <p:cond delay="indefinite"/>
+                      </p:stCondLst>
+                      <p:childTnLst>
+                        <p:par>
+                          <p:cTn id="20" fill="hold">
+                            <p:stCondLst>
+                              <p:cond delay="0"/>
+                            </p:stCondLst>
+                            <p:childTnLst>
+                              <p:par>
+                                <p:cTn id="21" presetID="1" presetClass="entr" presetSubtype="0" fill="hold" grpId="0" nodeType="clickEffect">
+                                  <p:stCondLst>
+                                    <p:cond delay="0"/>
+                                  </p:stCondLst>
+                                  <p:childTnLst>
+                                    <p:set>
+                                      <p:cBhvr>
+                                        <p:cTn id="22" dur="1" fill="hold">
+                                          <p:stCondLst>
+                                            <p:cond delay="0"/>
+                                          </p:stCondLst>
+                                        </p:cTn>
+                                        <p:tgtEl>
+                                          <p:spTgt spid="3">
+                                            <p:txEl>
+                                              <p:pRg st="4" end="4"/>
+                                            </p:txEl>
+                                          </p:spTgt>
+                                        </p:tgtEl>
+                                        <p:attrNameLst>
+                                          <p:attrName>style.visibility</p:attrName>
+                                        </p:attrNameLst>
+                                      </p:cBhvr>
+                                      <p:to>
+                                        <p:strVal val="visible"/>
+                                      </p:to>
+                                    </p:set>
+                                  </p:childTnLst>
+                                </p:cTn>
+                              </p:par>
+                            </p:childTnLst>
+                          </p:cTn>
+                        </p:par>
+                      </p:childTnLst>
+                    </p:cTn>
+                  </p:par>
+                  <p:par>
+                    <p:cTn id="23" fill="hold">
+                      <p:stCondLst>
+                        <p:cond delay="indefinite"/>
+                      </p:stCondLst>
+                      <p:childTnLst>
+                        <p:par>
+                          <p:cTn id="24" fill="hold">
+                            <p:stCondLst>
+                              <p:cond delay="0"/>
+                            </p:stCondLst>
+                            <p:childTnLst>
+                              <p:par>
+                                <p:cTn id="25" presetID="1" presetClass="entr" presetSubtype="0" fill="hold" grpId="0" nodeType="clickEffect">
+                                  <p:stCondLst>
+                                    <p:cond delay="0"/>
+                                  </p:stCondLst>
+                                  <p:childTnLst>
+                                    <p:set>
+                                      <p:cBhvr>
+                                        <p:cTn id="26" dur="1" fill="hold">
+                                          <p:stCondLst>
+                                            <p:cond delay="0"/>
+                                          </p:stCondLst>
+                                        </p:cTn>
+                                        <p:tgtEl>
+                                          <p:spTgt spid="3">
+                                            <p:txEl>
+                                              <p:pRg st="5" end="5"/>
+                                            </p:txEl>
+                                          </p:spTgt>
+                                        </p:tgtEl>
+                                        <p:attrNameLst>
+                                          <p:attrName>style.visibility</p:attrName>
+                                        </p:attrNameLst>
+                                      </p:cBhvr>
+                                      <p:to>
+                                        <p:strVal val="visible"/>
+                                      </p:to>
+                                    </p:set>
+                                  </p:childTnLst>
+                                </p:cTn>
+                              </p:par>
+                            </p:childTnLst>
+                          </p:cTn>
+                        </p:par>
+                      </p:childTnLst>
+                    </p:cTn>
+                  </p:par>
+                </p:childTnLst>
+              </p:cTn>
+              <p:prevCondLst>
+                <p:cond evt="onPrev" delay="0">
+                  <p:tgtEl>
+                    <p:sldTgt/>
+                  </p:tgtEl>
+                </p:cond>
+              </p:prevCondLst>
+              <p:nextCondLst>
+                <p:cond evt="onNext" delay="0">
+                  <p:tgtEl>
+                    <p:sldTgt/>
+                  </p:tgtEl>
+                </p:cond>
+              </p:nextCondLst>
+            </p:seq>
+          </p:childTnLst>
+        </p:cTn>
+      </p:par>
+    </p:tnLst>
+    <p:bldLst>
+      <p:bldP spid="3" grpId="0" build="p"/>
     </p:bldLst>
   </p:timing>
 </p:sld>
